--- a/2.SecondSemester/2.ネットワーク通信_データベースの基本.pptx
+++ b/2.SecondSemester/2.ネットワーク通信_データベースの基本.pptx
@@ -8,12 +8,6 @@
     <p:sldId id="256" r:id="rId2"/>
     <p:sldId id="257" r:id="rId3"/>
     <p:sldId id="258" r:id="rId4"/>
-    <p:sldId id="259" r:id="rId5"/>
-    <p:sldId id="260" r:id="rId6"/>
-    <p:sldId id="261" r:id="rId7"/>
-    <p:sldId id="262" r:id="rId8"/>
-    <p:sldId id="263" r:id="rId9"/>
-    <p:sldId id="264" r:id="rId10"/>
   </p:sldIdLst>
   <p:sldSz cx="12192000" cy="6858000"/>
   <p:notesSz cx="6858000" cy="9144000"/>
@@ -267,7 +261,7 @@
           <a:p>
             <a:fld id="{9904EC00-DD99-4281-BB91-56CDB668FF9D}" type="datetimeFigureOut">
               <a:rPr kumimoji="1" lang="ja-JP" altLang="en-US" smtClean="0"/>
-              <a:t>2023/9/5</a:t>
+              <a:t>2023/9/6</a:t>
             </a:fld>
             <a:endParaRPr kumimoji="1" lang="ja-JP" altLang="en-US"/>
           </a:p>
@@ -497,7 +491,7 @@
           <a:p>
             <a:fld id="{9904EC00-DD99-4281-BB91-56CDB668FF9D}" type="datetimeFigureOut">
               <a:rPr kumimoji="1" lang="ja-JP" altLang="en-US" smtClean="0"/>
-              <a:t>2023/9/5</a:t>
+              <a:t>2023/9/6</a:t>
             </a:fld>
             <a:endParaRPr kumimoji="1" lang="ja-JP" altLang="en-US"/>
           </a:p>
@@ -737,7 +731,7 @@
           <a:p>
             <a:fld id="{9904EC00-DD99-4281-BB91-56CDB668FF9D}" type="datetimeFigureOut">
               <a:rPr kumimoji="1" lang="ja-JP" altLang="en-US" smtClean="0"/>
-              <a:t>2023/9/5</a:t>
+              <a:t>2023/9/6</a:t>
             </a:fld>
             <a:endParaRPr kumimoji="1" lang="ja-JP" altLang="en-US"/>
           </a:p>
@@ -967,7 +961,7 @@
           <a:p>
             <a:fld id="{9904EC00-DD99-4281-BB91-56CDB668FF9D}" type="datetimeFigureOut">
               <a:rPr kumimoji="1" lang="ja-JP" altLang="en-US" smtClean="0"/>
-              <a:t>2023/9/5</a:t>
+              <a:t>2023/9/6</a:t>
             </a:fld>
             <a:endParaRPr kumimoji="1" lang="ja-JP" altLang="en-US"/>
           </a:p>
@@ -1242,7 +1236,7 @@
           <a:p>
             <a:fld id="{9904EC00-DD99-4281-BB91-56CDB668FF9D}" type="datetimeFigureOut">
               <a:rPr kumimoji="1" lang="ja-JP" altLang="en-US" smtClean="0"/>
-              <a:t>2023/9/5</a:t>
+              <a:t>2023/9/6</a:t>
             </a:fld>
             <a:endParaRPr kumimoji="1" lang="ja-JP" altLang="en-US"/>
           </a:p>
@@ -1571,7 +1565,7 @@
           <a:p>
             <a:fld id="{9904EC00-DD99-4281-BB91-56CDB668FF9D}" type="datetimeFigureOut">
               <a:rPr kumimoji="1" lang="ja-JP" altLang="en-US" smtClean="0"/>
-              <a:t>2023/9/5</a:t>
+              <a:t>2023/9/6</a:t>
             </a:fld>
             <a:endParaRPr kumimoji="1" lang="ja-JP" altLang="en-US"/>
           </a:p>
@@ -2047,7 +2041,7 @@
           <a:p>
             <a:fld id="{9904EC00-DD99-4281-BB91-56CDB668FF9D}" type="datetimeFigureOut">
               <a:rPr kumimoji="1" lang="ja-JP" altLang="en-US" smtClean="0"/>
-              <a:t>2023/9/5</a:t>
+              <a:t>2023/9/6</a:t>
             </a:fld>
             <a:endParaRPr kumimoji="1" lang="ja-JP" altLang="en-US"/>
           </a:p>
@@ -2188,7 +2182,7 @@
           <a:p>
             <a:fld id="{9904EC00-DD99-4281-BB91-56CDB668FF9D}" type="datetimeFigureOut">
               <a:rPr kumimoji="1" lang="ja-JP" altLang="en-US" smtClean="0"/>
-              <a:t>2023/9/5</a:t>
+              <a:t>2023/9/6</a:t>
             </a:fld>
             <a:endParaRPr kumimoji="1" lang="ja-JP" altLang="en-US"/>
           </a:p>
@@ -2301,7 +2295,7 @@
           <a:p>
             <a:fld id="{9904EC00-DD99-4281-BB91-56CDB668FF9D}" type="datetimeFigureOut">
               <a:rPr kumimoji="1" lang="ja-JP" altLang="en-US" smtClean="0"/>
-              <a:t>2023/9/5</a:t>
+              <a:t>2023/9/6</a:t>
             </a:fld>
             <a:endParaRPr kumimoji="1" lang="ja-JP" altLang="en-US"/>
           </a:p>
@@ -2644,7 +2638,7 @@
           <a:p>
             <a:fld id="{9904EC00-DD99-4281-BB91-56CDB668FF9D}" type="datetimeFigureOut">
               <a:rPr kumimoji="1" lang="ja-JP" altLang="en-US" smtClean="0"/>
-              <a:t>2023/9/5</a:t>
+              <a:t>2023/9/6</a:t>
             </a:fld>
             <a:endParaRPr kumimoji="1" lang="ja-JP" altLang="en-US"/>
           </a:p>
@@ -2932,7 +2926,7 @@
           <a:p>
             <a:fld id="{9904EC00-DD99-4281-BB91-56CDB668FF9D}" type="datetimeFigureOut">
               <a:rPr kumimoji="1" lang="ja-JP" altLang="en-US" smtClean="0"/>
-              <a:t>2023/9/5</a:t>
+              <a:t>2023/9/6</a:t>
             </a:fld>
             <a:endParaRPr kumimoji="1" lang="ja-JP" altLang="en-US"/>
           </a:p>
@@ -3205,7 +3199,7 @@
           <a:p>
             <a:fld id="{9904EC00-DD99-4281-BB91-56CDB668FF9D}" type="datetimeFigureOut">
               <a:rPr kumimoji="1" lang="ja-JP" altLang="en-US" smtClean="0"/>
-              <a:t>2023/9/5</a:t>
+              <a:t>2023/9/6</a:t>
             </a:fld>
             <a:endParaRPr kumimoji="1" lang="ja-JP" altLang="en-US"/>
           </a:p>
@@ -3659,11 +3653,11 @@
             </a:br>
             <a:r>
               <a:rPr lang="en-US" altLang="ja-JP" dirty="0"/>
-              <a:t>HTTP</a:t>
+              <a:t>DB</a:t>
             </a:r>
             <a:r>
               <a:rPr lang="ja-JP" altLang="en-US" dirty="0"/>
-              <a:t>通信</a:t>
+              <a:t>の基本</a:t>
             </a:r>
             <a:endParaRPr kumimoji="1" lang="ja-JP" altLang="en-US" dirty="0"/>
           </a:p>
@@ -3728,8 +3722,12 @@
           <a:lstStyle/>
           <a:p>
             <a:r>
+              <a:rPr lang="en-US" altLang="ja-JP" sz="3200" dirty="0"/>
+              <a:t>DB</a:t>
+            </a:r>
+            <a:r>
               <a:rPr lang="ja-JP" altLang="en-US" sz="3200" dirty="0"/>
-              <a:t>通信にはいろいろな形式がある</a:t>
+              <a:t>とは？</a:t>
             </a:r>
           </a:p>
         </p:txBody>
@@ -3748,8 +3746,8 @@
         </p:nvSpPr>
         <p:spPr>
           <a:xfrm>
-            <a:off x="669073" y="1237785"/>
-            <a:ext cx="9014006" cy="4708981"/>
+            <a:off x="425605" y="1282390"/>
+            <a:ext cx="6733478" cy="4832092"/>
           </a:xfrm>
           <a:prstGeom prst="rect">
             <a:avLst/>
@@ -3757,31 +3755,31 @@
           <a:noFill/>
         </p:spPr>
         <p:txBody>
-          <a:bodyPr wrap="none" rtlCol="0">
+          <a:bodyPr wrap="square" rtlCol="0">
             <a:spAutoFit/>
           </a:bodyPr>
           <a:lstStyle/>
           <a:p>
             <a:r>
-              <a:rPr kumimoji="1" lang="ja-JP" altLang="en-US" sz="2000" dirty="0"/>
-              <a:t>めちゃくちゃ色々あるので、ここではゲームで使うところだけ解説する。</a:t>
-            </a:r>
-            <a:endParaRPr kumimoji="1" lang="en-US" altLang="ja-JP" sz="2000" dirty="0"/>
-          </a:p>
-          <a:p>
-            <a:r>
               <a:rPr lang="ja-JP" altLang="en-US" sz="2000" dirty="0"/>
-              <a:t>ネットで検索しても混乱すると思うので、誤解覚悟で言い切るが。</a:t>
+              <a:t>大量のデータを一括管理するシステム、</a:t>
             </a:r>
             <a:endParaRPr lang="en-US" altLang="ja-JP" sz="2000" dirty="0"/>
           </a:p>
           <a:p>
+            <a:r>
+              <a:rPr lang="ja-JP" altLang="en-US" sz="2000" dirty="0"/>
+              <a:t>もしくはそのデータそのものの事です。</a:t>
+            </a:r>
             <a:endParaRPr lang="en-US" altLang="ja-JP" sz="2000" dirty="0"/>
           </a:p>
           <a:p>
+            <a:endParaRPr lang="en-US" altLang="ja-JP" sz="2000" dirty="0"/>
+          </a:p>
+          <a:p>
             <a:r>
               <a:rPr lang="ja-JP" altLang="en-US" sz="2000" dirty="0"/>
-              <a:t>大別して</a:t>
+              <a:t>難しいことは考えず、</a:t>
             </a:r>
             <a:endParaRPr lang="en-US" altLang="ja-JP" sz="2000" dirty="0"/>
           </a:p>
@@ -3790,51 +3788,35 @@
           </a:p>
           <a:p>
             <a:r>
-              <a:rPr lang="en-US" altLang="ja-JP" sz="4000" b="1" u="sng" dirty="0"/>
-              <a:t>TCP</a:t>
-            </a:r>
-            <a:r>
-              <a:rPr lang="ja-JP" altLang="en-US" sz="4000" b="1" u="sng" dirty="0"/>
-              <a:t>　と　</a:t>
-            </a:r>
-            <a:r>
-              <a:rPr lang="en-US" altLang="ja-JP" sz="4000" b="1" u="sng" dirty="0"/>
-              <a:t>UDP</a:t>
-            </a:r>
-            <a:r>
-              <a:rPr lang="ja-JP" altLang="en-US" sz="4000" b="1" u="sng" dirty="0"/>
-              <a:t>　に分かれる。</a:t>
-            </a:r>
-            <a:endParaRPr lang="en-US" altLang="ja-JP" sz="4000" b="1" u="sng" dirty="0"/>
+              <a:rPr lang="ja-JP" altLang="en-US" sz="3200" b="1" u="sng" dirty="0"/>
+              <a:t>表形式のデータを記録するもの</a:t>
+            </a:r>
+            <a:endParaRPr lang="en-US" altLang="ja-JP" sz="3200" b="1" u="sng" dirty="0"/>
+          </a:p>
+          <a:p>
+            <a:endParaRPr lang="en-US" altLang="ja-JP" sz="2000" dirty="0"/>
           </a:p>
           <a:p>
             <a:r>
               <a:rPr lang="ja-JP" altLang="en-US" sz="2000" dirty="0"/>
-              <a:t>（どちらも</a:t>
-            </a:r>
-            <a:r>
-              <a:rPr lang="en-US" altLang="ja-JP" sz="2000" dirty="0"/>
-              <a:t>IP</a:t>
-            </a:r>
+              <a:t>だと考えましょう。</a:t>
+            </a:r>
+            <a:endParaRPr lang="en-US" altLang="ja-JP" sz="2000" dirty="0"/>
+          </a:p>
+          <a:p>
             <a:r>
               <a:rPr lang="ja-JP" altLang="en-US" sz="2000" dirty="0"/>
-              <a:t>通信ベースとする。</a:t>
-            </a:r>
-            <a:r>
-              <a:rPr lang="en-US" altLang="ja-JP" sz="2000" dirty="0"/>
-              <a:t>FTP</a:t>
-            </a:r>
+              <a:t>（右のような形でデータを記録するもの）</a:t>
+            </a:r>
+            <a:endParaRPr lang="en-US" altLang="ja-JP" sz="2000" dirty="0"/>
+          </a:p>
+          <a:p>
+            <a:endParaRPr lang="en-US" altLang="ja-JP" sz="2000" dirty="0"/>
+          </a:p>
+          <a:p>
             <a:r>
               <a:rPr lang="ja-JP" altLang="en-US" sz="2000" dirty="0"/>
-              <a:t>とか、</a:t>
-            </a:r>
-            <a:r>
-              <a:rPr lang="en-US" altLang="ja-JP" sz="2000" dirty="0"/>
-              <a:t>SMTP</a:t>
-            </a:r>
-            <a:r>
-              <a:rPr lang="ja-JP" altLang="en-US" sz="2000" dirty="0"/>
-              <a:t>とかは無視）</a:t>
+              <a:t>特に右のような物をリレーショナルデータベースと呼び、</a:t>
             </a:r>
             <a:endParaRPr lang="en-US" altLang="ja-JP" sz="2000" dirty="0"/>
           </a:p>
@@ -3843,48 +3825,53 @@
           </a:p>
           <a:p>
             <a:r>
-              <a:rPr lang="en-US" altLang="ja-JP" sz="2000" dirty="0"/>
-              <a:t>TC</a:t>
-            </a:r>
-            <a:r>
-              <a:rPr lang="ja-JP" altLang="en-US" sz="2000" dirty="0"/>
-              <a:t>Ｐ：ブラウジングとかログインとか、ガチャとか、応答性が重要な物。</a:t>
-            </a:r>
-            <a:endParaRPr lang="en-US" altLang="ja-JP" sz="2000" dirty="0"/>
-          </a:p>
-          <a:p>
-            <a:endParaRPr lang="en-US" altLang="ja-JP" sz="2000" dirty="0"/>
-          </a:p>
-          <a:p>
-            <a:r>
-              <a:rPr lang="en-US" altLang="ja-JP" sz="2000" dirty="0"/>
-              <a:t>UDP:</a:t>
-            </a:r>
-            <a:r>
-              <a:rPr lang="ja-JP" altLang="en-US" sz="2000" dirty="0"/>
-              <a:t>　格ゲーの当たり判定とか、通話とか、リアルタイム性が重要なの物。</a:t>
-            </a:r>
-            <a:endParaRPr lang="en-US" altLang="ja-JP" sz="2000" dirty="0"/>
-          </a:p>
-          <a:p>
-            <a:endParaRPr lang="en-US" altLang="ja-JP" sz="2000" dirty="0"/>
-          </a:p>
-          <a:p>
-            <a:r>
-              <a:rPr lang="ja-JP" altLang="en-US" sz="2000" dirty="0"/>
-              <a:t>メールのやり取りに近いのがＴＣＰ。</a:t>
-            </a:r>
-            <a:endParaRPr lang="en-US" altLang="ja-JP" sz="2000" dirty="0"/>
-          </a:p>
-          <a:p>
-            <a:r>
-              <a:rPr lang="ja-JP" altLang="en-US" sz="2000" dirty="0"/>
-              <a:t>通信回線的な物を開くのがＵＤＰ。</a:t>
-            </a:r>
-            <a:endParaRPr lang="en-US" altLang="ja-JP" sz="2000" dirty="0"/>
-          </a:p>
-        </p:txBody>
-      </p:sp>
+              <a:rPr lang="en-US" altLang="ja-JP" sz="2800" dirty="0"/>
+              <a:t>SQL</a:t>
+            </a:r>
+            <a:r>
+              <a:rPr lang="ja-JP" altLang="en-US" sz="2800" dirty="0"/>
+              <a:t>文というものを用いて操作して必要なデータを出します。</a:t>
+            </a:r>
+            <a:endParaRPr lang="en-US" altLang="ja-JP" sz="2800" dirty="0"/>
+          </a:p>
+        </p:txBody>
+      </p:sp>
+      <p:pic>
+        <p:nvPicPr>
+          <p:cNvPr id="3" name="図 2">
+            <a:extLst>
+              <a:ext uri="{FF2B5EF4-FFF2-40B4-BE49-F238E27FC236}">
+                <a16:creationId xmlns:a16="http://schemas.microsoft.com/office/drawing/2014/main" id="{E1A2ED05-559E-4E8D-995B-9BBA8AFA1400}"/>
+              </a:ext>
+            </a:extLst>
+          </p:cNvPr>
+          <p:cNvPicPr>
+            <a:picLocks noChangeAspect="1"/>
+          </p:cNvPicPr>
+          <p:nvPr/>
+        </p:nvPicPr>
+        <p:blipFill>
+          <a:blip r:embed="rId2">
+            <a:extLst>
+              <a:ext uri="{28A0092B-C50C-407E-A947-70E740481C1C}">
+                <a14:useLocalDpi xmlns:a14="http://schemas.microsoft.com/office/drawing/2010/main" val="0"/>
+              </a:ext>
+            </a:extLst>
+          </a:blip>
+          <a:stretch>
+            <a:fillRect/>
+          </a:stretch>
+        </p:blipFill>
+        <p:spPr>
+          <a:xfrm>
+            <a:off x="6506706" y="925551"/>
+            <a:ext cx="5585042" cy="3334214"/>
+          </a:xfrm>
+          <a:prstGeom prst="rect">
+            <a:avLst/>
+          </a:prstGeom>
+        </p:spPr>
+      </p:pic>
     </p:spTree>
     <p:extLst>
       <p:ext uri="{BB962C8B-B14F-4D97-AF65-F5344CB8AC3E}">
@@ -3945,21 +3932,21 @@
           <a:p>
             <a:r>
               <a:rPr lang="en-US" altLang="ja-JP" sz="3200" dirty="0"/>
-              <a:t>HTTP</a:t>
+              <a:t>SQL</a:t>
             </a:r>
             <a:r>
               <a:rPr lang="ja-JP" altLang="en-US" sz="3200" dirty="0"/>
-              <a:t>通信</a:t>
-            </a:r>
-          </a:p>
-        </p:txBody>
-      </p:sp>
-      <p:sp>
-        <p:nvSpPr>
-          <p:cNvPr id="2" name="テキスト ボックス 1">
-            <a:extLst>
-              <a:ext uri="{FF2B5EF4-FFF2-40B4-BE49-F238E27FC236}">
-                <a16:creationId xmlns:a16="http://schemas.microsoft.com/office/drawing/2014/main" id="{D9493B16-9D89-4F40-B2CE-CAEBC6D23F20}"/>
+              <a:t>とは？</a:t>
+            </a:r>
+          </a:p>
+        </p:txBody>
+      </p:sp>
+      <p:sp>
+        <p:nvSpPr>
+          <p:cNvPr id="6" name="テキスト ボックス 5">
+            <a:extLst>
+              <a:ext uri="{FF2B5EF4-FFF2-40B4-BE49-F238E27FC236}">
+                <a16:creationId xmlns:a16="http://schemas.microsoft.com/office/drawing/2014/main" id="{B9FF1104-AFDF-47FA-9A83-0D8FBECB51D1}"/>
               </a:ext>
             </a:extLst>
           </p:cNvPr>
@@ -3968,8 +3955,8 @@
         </p:nvSpPr>
         <p:spPr>
           <a:xfrm>
-            <a:off x="557561" y="1237785"/>
-            <a:ext cx="9674443" cy="5016758"/>
+            <a:off x="425605" y="1282390"/>
+            <a:ext cx="6733478" cy="4832092"/>
           </a:xfrm>
           <a:prstGeom prst="rect">
             <a:avLst/>
@@ -3977,33 +3964,31 @@
           <a:noFill/>
         </p:spPr>
         <p:txBody>
-          <a:bodyPr wrap="none" rtlCol="0">
+          <a:bodyPr wrap="square" rtlCol="0">
             <a:spAutoFit/>
           </a:bodyPr>
           <a:lstStyle/>
           <a:p>
             <a:r>
-              <a:rPr lang="en-US" altLang="ja-JP" sz="2000" dirty="0"/>
-              <a:t>TCP</a:t>
-            </a:r>
-            <a:r>
               <a:rPr lang="ja-JP" altLang="en-US" sz="2000" dirty="0"/>
-              <a:t>通信の代表として最も有名で使われているのが</a:t>
-            </a:r>
-            <a:r>
-              <a:rPr lang="en-US" altLang="ja-JP" sz="2000" dirty="0"/>
-              <a:t>HTTP</a:t>
-            </a:r>
+              <a:t>大量のデータを一括管理するシステム、</a:t>
+            </a:r>
+            <a:endParaRPr lang="en-US" altLang="ja-JP" sz="2000" dirty="0"/>
+          </a:p>
+          <a:p>
             <a:r>
               <a:rPr lang="ja-JP" altLang="en-US" sz="2000" dirty="0"/>
-              <a:t>通信です。</a:t>
+              <a:t>もしくはそのデータそのものの事です。</a:t>
             </a:r>
             <a:endParaRPr lang="en-US" altLang="ja-JP" sz="2000" dirty="0"/>
           </a:p>
           <a:p>
+            <a:endParaRPr lang="en-US" altLang="ja-JP" sz="2000" dirty="0"/>
+          </a:p>
+          <a:p>
             <a:r>
               <a:rPr lang="ja-JP" altLang="en-US" sz="2000" dirty="0"/>
-              <a:t>ブラウザ経由の通信は全部コレです。</a:t>
+              <a:t>難しいことは考えず、</a:t>
             </a:r>
             <a:endParaRPr lang="en-US" altLang="ja-JP" sz="2000" dirty="0"/>
           </a:p>
@@ -4012,625 +3997,60 @@
           </a:p>
           <a:p>
             <a:r>
-              <a:rPr lang="ja-JP" altLang="en-US" sz="2000" b="0" i="0" dirty="0">
-                <a:solidFill>
-                  <a:srgbClr val="252525"/>
-                </a:solidFill>
-                <a:effectLst/>
-                <a:latin typeface="Noto Sans JP"/>
-              </a:rPr>
-              <a:t>クライアントからデータのリクエストを行い、</a:t>
-            </a:r>
-            <a:endParaRPr lang="en-US" altLang="ja-JP" sz="2000" b="0" i="0" dirty="0">
-              <a:solidFill>
-                <a:srgbClr val="252525"/>
-              </a:solidFill>
-              <a:effectLst/>
-              <a:latin typeface="Noto Sans JP"/>
-            </a:endParaRPr>
-          </a:p>
-          <a:p>
-            <a:r>
-              <a:rPr lang="ja-JP" altLang="en-US" sz="2000" b="0" i="0" dirty="0">
-                <a:solidFill>
-                  <a:srgbClr val="252525"/>
-                </a:solidFill>
-                <a:effectLst/>
-                <a:latin typeface="Noto Sans JP"/>
-              </a:rPr>
-              <a:t>サーバーからデータが返ってきたら終わりで、シンプルなプログラムを書けます。</a:t>
-            </a:r>
-            <a:endParaRPr lang="en-US" altLang="ja-JP" sz="2000" b="0" i="0" dirty="0">
-              <a:solidFill>
-                <a:srgbClr val="252525"/>
-              </a:solidFill>
-              <a:effectLst/>
-              <a:latin typeface="Noto Sans JP"/>
-            </a:endParaRPr>
-          </a:p>
-          <a:p>
-            <a:endParaRPr lang="en-US" altLang="ja-JP" sz="2000" dirty="0">
-              <a:solidFill>
-                <a:srgbClr val="252525"/>
-              </a:solidFill>
-              <a:latin typeface="Noto Sans JP"/>
-            </a:endParaRPr>
-          </a:p>
-          <a:p>
-            <a:r>
-              <a:rPr lang="ja-JP" altLang="en-US" sz="2000" b="0" i="0" dirty="0">
-                <a:solidFill>
-                  <a:srgbClr val="252525"/>
-                </a:solidFill>
-                <a:effectLst/>
-                <a:latin typeface="Noto Sans JP"/>
-              </a:rPr>
-              <a:t>ゲームプログラミングにおいても、</a:t>
-            </a:r>
-            <a:endParaRPr lang="en-US" altLang="ja-JP" sz="2000" dirty="0">
-              <a:solidFill>
-                <a:srgbClr val="252525"/>
-              </a:solidFill>
-              <a:latin typeface="Noto Sans JP"/>
-            </a:endParaRPr>
-          </a:p>
-          <a:p>
-            <a:r>
-              <a:rPr lang="ja-JP" altLang="en-US" sz="2000" b="0" i="0" dirty="0">
-                <a:solidFill>
-                  <a:srgbClr val="252525"/>
-                </a:solidFill>
-                <a:effectLst/>
-                <a:latin typeface="Noto Sans JP"/>
-              </a:rPr>
-              <a:t>ソーシャルゲームなどはネットワーク部分は全て</a:t>
-            </a:r>
-            <a:r>
-              <a:rPr lang="en-US" altLang="ja-JP" sz="2000" b="0" i="0" dirty="0">
-                <a:solidFill>
-                  <a:srgbClr val="252525"/>
-                </a:solidFill>
-                <a:effectLst/>
-                <a:latin typeface="Noto Sans JP"/>
-              </a:rPr>
-              <a:t>HTTP</a:t>
-            </a:r>
-            <a:r>
-              <a:rPr lang="ja-JP" altLang="en-US" sz="2000" b="0" i="0" dirty="0">
-                <a:solidFill>
-                  <a:srgbClr val="252525"/>
-                </a:solidFill>
-                <a:effectLst/>
-                <a:latin typeface="Noto Sans JP"/>
-              </a:rPr>
-              <a:t>通信の場合も多いです。</a:t>
-            </a:r>
-            <a:endParaRPr lang="en-US" altLang="ja-JP" sz="2000" b="0" i="0" dirty="0">
-              <a:solidFill>
-                <a:srgbClr val="252525"/>
-              </a:solidFill>
-              <a:effectLst/>
-              <a:latin typeface="Noto Sans JP"/>
-            </a:endParaRPr>
-          </a:p>
-          <a:p>
-            <a:endParaRPr lang="en-US" altLang="ja-JP" sz="2000" dirty="0">
-              <a:solidFill>
-                <a:srgbClr val="252525"/>
-              </a:solidFill>
-              <a:latin typeface="Noto Sans JP"/>
-            </a:endParaRPr>
-          </a:p>
-          <a:p>
-            <a:r>
-              <a:rPr lang="ja-JP" altLang="en-US" sz="2000" dirty="0">
-                <a:solidFill>
-                  <a:srgbClr val="252525"/>
-                </a:solidFill>
-                <a:latin typeface="Noto Sans JP"/>
-              </a:rPr>
-              <a:t>確実性や信頼性の高い通信なので、</a:t>
-            </a:r>
-            <a:endParaRPr lang="en-US" altLang="ja-JP" sz="2000" dirty="0">
-              <a:solidFill>
-                <a:srgbClr val="252525"/>
-              </a:solidFill>
-              <a:latin typeface="Noto Sans JP"/>
-            </a:endParaRPr>
-          </a:p>
-          <a:p>
-            <a:r>
-              <a:rPr lang="ja-JP" altLang="en-US" sz="2000" dirty="0">
-                <a:solidFill>
-                  <a:srgbClr val="252525"/>
-                </a:solidFill>
-                <a:latin typeface="Noto Sans JP"/>
-              </a:rPr>
-              <a:t>金銭が絡むような処理はほぼ全てこの通信で行われています。</a:t>
-            </a:r>
-            <a:endParaRPr lang="en-US" altLang="ja-JP" sz="2000" dirty="0">
-              <a:solidFill>
-                <a:srgbClr val="252525"/>
-              </a:solidFill>
-              <a:latin typeface="Noto Sans JP"/>
-            </a:endParaRPr>
-          </a:p>
-          <a:p>
-            <a:endParaRPr lang="en-US" altLang="ja-JP" sz="2000" dirty="0">
-              <a:solidFill>
-                <a:srgbClr val="252525"/>
-              </a:solidFill>
-              <a:latin typeface="Noto Sans JP"/>
-            </a:endParaRPr>
-          </a:p>
-          <a:p>
-            <a:r>
-              <a:rPr lang="ja-JP" altLang="en-US" sz="2000" dirty="0">
-                <a:solidFill>
-                  <a:srgbClr val="252525"/>
-                </a:solidFill>
-                <a:latin typeface="Noto Sans JP"/>
-              </a:rPr>
-              <a:t>そのぶん悪意のある攻撃を受けやすい通信ですので、</a:t>
-            </a:r>
-            <a:endParaRPr lang="en-US" altLang="ja-JP" sz="2000" dirty="0">
-              <a:solidFill>
-                <a:srgbClr val="252525"/>
-              </a:solidFill>
-              <a:latin typeface="Noto Sans JP"/>
-            </a:endParaRPr>
-          </a:p>
-          <a:p>
-            <a:r>
-              <a:rPr lang="ja-JP" altLang="en-US" sz="2000" dirty="0">
-                <a:solidFill>
-                  <a:srgbClr val="252525"/>
-                </a:solidFill>
-                <a:latin typeface="Noto Sans JP"/>
-              </a:rPr>
-              <a:t>セキュリティに気を使いながらプログラミングしていく必要があります。</a:t>
-            </a:r>
-            <a:endParaRPr lang="en-US" altLang="ja-JP" sz="2000" dirty="0">
-              <a:solidFill>
-                <a:srgbClr val="252525"/>
-              </a:solidFill>
-              <a:latin typeface="Noto Sans JP"/>
-            </a:endParaRPr>
-          </a:p>
-          <a:p>
-            <a:endParaRPr lang="en-US" altLang="ja-JP" sz="2000" dirty="0">
-              <a:solidFill>
-                <a:srgbClr val="252525"/>
-              </a:solidFill>
-              <a:latin typeface="Noto Sans JP"/>
-            </a:endParaRPr>
-          </a:p>
-          <a:p>
-            <a:r>
-              <a:rPr lang="ja-JP" altLang="en-US" sz="2000" b="1" dirty="0">
-                <a:solidFill>
-                  <a:srgbClr val="252525"/>
-                </a:solidFill>
-                <a:latin typeface="Noto Sans JP"/>
-              </a:rPr>
-              <a:t>まずはこの通信を学びます。</a:t>
-            </a:r>
-            <a:endParaRPr lang="en-US" altLang="ja-JP" sz="2000" b="1" dirty="0">
-              <a:solidFill>
-                <a:srgbClr val="252525"/>
-              </a:solidFill>
-              <a:latin typeface="Noto Sans JP"/>
-            </a:endParaRPr>
-          </a:p>
-        </p:txBody>
-      </p:sp>
-    </p:spTree>
-    <p:extLst>
-      <p:ext uri="{BB962C8B-B14F-4D97-AF65-F5344CB8AC3E}">
-        <p14:creationId xmlns:p14="http://schemas.microsoft.com/office/powerpoint/2010/main" val="2460835391"/>
-      </p:ext>
-    </p:extLst>
-  </p:cSld>
-  <p:clrMapOvr>
-    <a:masterClrMapping/>
-  </p:clrMapOvr>
-</p:sld>
-</file>
-
-<file path=ppt/slides/slide4.xml><?xml version="1.0" encoding="utf-8"?>
-<p:sld xmlns:a="http://schemas.openxmlformats.org/drawingml/2006/main" xmlns:r="http://schemas.openxmlformats.org/officeDocument/2006/relationships" xmlns:p="http://schemas.openxmlformats.org/presentationml/2006/main">
-  <p:cSld>
-    <p:spTree>
-      <p:nvGrpSpPr>
-        <p:cNvPr id="1" name=""/>
-        <p:cNvGrpSpPr/>
-        <p:nvPr/>
-      </p:nvGrpSpPr>
-      <p:grpSpPr>
-        <a:xfrm>
-          <a:off x="0" y="0"/>
-          <a:ext cx="0" cy="0"/>
-          <a:chOff x="0" y="0"/>
-          <a:chExt cx="0" cy="0"/>
-        </a:xfrm>
-      </p:grpSpPr>
-      <p:sp>
-        <p:nvSpPr>
-          <p:cNvPr id="5" name="タイトル 4">
-            <a:extLst>
-              <a:ext uri="{FF2B5EF4-FFF2-40B4-BE49-F238E27FC236}">
-                <a16:creationId xmlns:a16="http://schemas.microsoft.com/office/drawing/2014/main" id="{EE4AD890-877B-4BD6-B413-DD02F4812BAD}"/>
-              </a:ext>
-            </a:extLst>
-          </p:cNvPr>
-          <p:cNvSpPr>
-            <a:spLocks noGrp="1"/>
-          </p:cNvSpPr>
-          <p:nvPr>
-            <p:ph type="title"/>
-          </p:nvPr>
-        </p:nvSpPr>
-        <p:spPr>
-          <a:xfrm>
-            <a:off x="236034" y="309369"/>
-            <a:ext cx="10515600" cy="738846"/>
-          </a:xfrm>
-        </p:spPr>
-        <p:txBody>
-          <a:bodyPr>
-            <a:normAutofit/>
-          </a:bodyPr>
-          <a:lstStyle/>
-          <a:p>
-            <a:r>
-              <a:rPr lang="en-US" altLang="ja-JP" sz="3200" dirty="0"/>
-              <a:t>HTTP</a:t>
-            </a:r>
-            <a:r>
-              <a:rPr lang="ja-JP" altLang="en-US" sz="3200" dirty="0"/>
-              <a:t>通信の命令文</a:t>
-            </a:r>
-          </a:p>
-        </p:txBody>
-      </p:sp>
-      <p:sp>
-        <p:nvSpPr>
-          <p:cNvPr id="2" name="テキスト ボックス 1">
-            <a:extLst>
-              <a:ext uri="{FF2B5EF4-FFF2-40B4-BE49-F238E27FC236}">
-                <a16:creationId xmlns:a16="http://schemas.microsoft.com/office/drawing/2014/main" id="{D9493B16-9D89-4F40-B2CE-CAEBC6D23F20}"/>
-              </a:ext>
-            </a:extLst>
-          </p:cNvPr>
-          <p:cNvSpPr txBox="1"/>
-          <p:nvPr/>
-        </p:nvSpPr>
-        <p:spPr>
-          <a:xfrm>
-            <a:off x="236034" y="1282204"/>
-            <a:ext cx="10384574" cy="4955203"/>
-          </a:xfrm>
-          <a:prstGeom prst="rect">
-            <a:avLst/>
-          </a:prstGeom>
-          <a:noFill/>
-        </p:spPr>
-        <p:txBody>
-          <a:bodyPr wrap="none" rtlCol="0">
-            <a:spAutoFit/>
-          </a:bodyPr>
-          <a:lstStyle/>
-          <a:p>
-            <a:r>
-              <a:rPr lang="en-US" altLang="ja-JP" sz="2000" dirty="0">
-                <a:solidFill>
-                  <a:srgbClr val="252525"/>
-                </a:solidFill>
-                <a:latin typeface="Noto Sans JP"/>
-              </a:rPr>
-              <a:t>HTTP</a:t>
-            </a:r>
-            <a:r>
-              <a:rPr lang="ja-JP" altLang="en-US" sz="2000" dirty="0">
-                <a:solidFill>
-                  <a:srgbClr val="252525"/>
-                </a:solidFill>
-                <a:latin typeface="Noto Sans JP"/>
-              </a:rPr>
-              <a:t>通信は文章のみがやり取りできる通信です。</a:t>
-            </a:r>
-            <a:endParaRPr lang="en-US" altLang="ja-JP" sz="2000" dirty="0">
-              <a:solidFill>
-                <a:srgbClr val="252525"/>
-              </a:solidFill>
-              <a:latin typeface="Noto Sans JP"/>
-            </a:endParaRPr>
-          </a:p>
-          <a:p>
-            <a:r>
-              <a:rPr lang="ja-JP" altLang="en-US" sz="2000" dirty="0">
-                <a:solidFill>
-                  <a:srgbClr val="252525"/>
-                </a:solidFill>
-                <a:latin typeface="Noto Sans JP"/>
-              </a:rPr>
-              <a:t>文章をデータに直すのはクライアントの仕事です。</a:t>
-            </a:r>
-            <a:endParaRPr lang="en-US" altLang="ja-JP" sz="2000" dirty="0">
-              <a:solidFill>
-                <a:srgbClr val="252525"/>
-              </a:solidFill>
-              <a:latin typeface="Noto Sans JP"/>
-            </a:endParaRPr>
-          </a:p>
-          <a:p>
-            <a:r>
-              <a:rPr lang="en-US" altLang="ja-JP" sz="2000" dirty="0">
-                <a:solidFill>
-                  <a:srgbClr val="252525"/>
-                </a:solidFill>
-                <a:latin typeface="Noto Sans JP"/>
-              </a:rPr>
-              <a:t>HTTP</a:t>
-            </a:r>
-            <a:r>
-              <a:rPr lang="ja-JP" altLang="en-US" sz="2000" dirty="0">
-                <a:solidFill>
-                  <a:srgbClr val="252525"/>
-                </a:solidFill>
-                <a:latin typeface="Noto Sans JP"/>
-              </a:rPr>
-              <a:t>で送る実際文章は右のようになっています。</a:t>
-            </a:r>
-            <a:endParaRPr lang="en-US" altLang="ja-JP" sz="2000" dirty="0">
-              <a:solidFill>
-                <a:srgbClr val="252525"/>
-              </a:solidFill>
-              <a:latin typeface="Noto Sans JP"/>
-            </a:endParaRPr>
-          </a:p>
-          <a:p>
-            <a:r>
-              <a:rPr lang="ja-JP" altLang="en-US" sz="2000" dirty="0">
-                <a:solidFill>
-                  <a:srgbClr val="252525"/>
-                </a:solidFill>
-                <a:latin typeface="Noto Sans JP"/>
-              </a:rPr>
-              <a:t>文法としては以下です</a:t>
-            </a:r>
-            <a:endParaRPr lang="en-US" altLang="ja-JP" sz="2000" dirty="0">
-              <a:solidFill>
-                <a:srgbClr val="252525"/>
-              </a:solidFill>
-              <a:latin typeface="Noto Sans JP"/>
-            </a:endParaRPr>
-          </a:p>
-          <a:p>
-            <a:endParaRPr lang="en-US" altLang="ja-JP" sz="2000" dirty="0">
-              <a:solidFill>
-                <a:srgbClr val="252525"/>
-              </a:solidFill>
-              <a:latin typeface="Noto Sans JP"/>
-            </a:endParaRPr>
-          </a:p>
-          <a:p>
-            <a:r>
-              <a:rPr lang="ja-JP" altLang="en-US" sz="2800" dirty="0">
-                <a:solidFill>
-                  <a:srgbClr val="252525"/>
-                </a:solidFill>
-                <a:latin typeface="Noto Sans JP"/>
-              </a:rPr>
-              <a:t>メソッド名　</a:t>
-            </a:r>
-            <a:r>
-              <a:rPr lang="en-US" altLang="ja-JP" sz="2800" dirty="0">
-                <a:solidFill>
-                  <a:srgbClr val="252525"/>
-                </a:solidFill>
-                <a:latin typeface="Noto Sans JP"/>
-              </a:rPr>
-              <a:t>HTTP</a:t>
-            </a:r>
-            <a:r>
-              <a:rPr lang="ja-JP" altLang="en-US" sz="2800" dirty="0">
-                <a:solidFill>
-                  <a:srgbClr val="252525"/>
-                </a:solidFill>
-                <a:latin typeface="Noto Sans JP"/>
-              </a:rPr>
-              <a:t>形式</a:t>
-            </a:r>
-            <a:endParaRPr lang="en-US" altLang="ja-JP" sz="2800" dirty="0">
-              <a:solidFill>
-                <a:srgbClr val="252525"/>
-              </a:solidFill>
-              <a:latin typeface="Noto Sans JP"/>
-            </a:endParaRPr>
-          </a:p>
-          <a:p>
-            <a:r>
-              <a:rPr lang="en-US" altLang="ja-JP" sz="2800" dirty="0">
-                <a:solidFill>
-                  <a:srgbClr val="252525"/>
-                </a:solidFill>
-                <a:latin typeface="Noto Sans JP"/>
-              </a:rPr>
-              <a:t>HOST</a:t>
-            </a:r>
-            <a:r>
-              <a:rPr lang="ja-JP" altLang="en-US" sz="2800" dirty="0">
-                <a:solidFill>
-                  <a:srgbClr val="252525"/>
-                </a:solidFill>
-                <a:latin typeface="Noto Sans JP"/>
-              </a:rPr>
-              <a:t>：</a:t>
-            </a:r>
-            <a:r>
-              <a:rPr lang="en-US" altLang="ja-JP" sz="2800" dirty="0">
-                <a:solidFill>
-                  <a:srgbClr val="252525"/>
-                </a:solidFill>
-                <a:latin typeface="Noto Sans JP"/>
-              </a:rPr>
-              <a:t>URL</a:t>
-            </a:r>
-          </a:p>
-          <a:p>
-            <a:endParaRPr lang="en-US" altLang="ja-JP" sz="2000" dirty="0">
-              <a:solidFill>
-                <a:srgbClr val="252525"/>
-              </a:solidFill>
-              <a:latin typeface="Noto Sans JP"/>
-            </a:endParaRPr>
-          </a:p>
-          <a:p>
-            <a:r>
-              <a:rPr lang="ja-JP" altLang="en-US" sz="2000" dirty="0">
-                <a:solidFill>
-                  <a:srgbClr val="252525"/>
-                </a:solidFill>
-                <a:latin typeface="Noto Sans JP"/>
-              </a:rPr>
-              <a:t>正確ではありませんが、だいたいこんな感じです。</a:t>
-            </a:r>
-            <a:endParaRPr lang="en-US" altLang="ja-JP" sz="2000" dirty="0">
-              <a:solidFill>
-                <a:srgbClr val="252525"/>
-              </a:solidFill>
-              <a:latin typeface="Noto Sans JP"/>
-            </a:endParaRPr>
-          </a:p>
-          <a:p>
-            <a:r>
-              <a:rPr lang="ja-JP" altLang="en-US" sz="2000" dirty="0">
-                <a:solidFill>
-                  <a:srgbClr val="252525"/>
-                </a:solidFill>
-                <a:latin typeface="Noto Sans JP"/>
-              </a:rPr>
-              <a:t>この命令文のやり取りでデータをやり取りします。</a:t>
-            </a:r>
-            <a:endParaRPr lang="en-US" altLang="ja-JP" sz="2000" dirty="0">
-              <a:solidFill>
-                <a:srgbClr val="252525"/>
-              </a:solidFill>
-              <a:latin typeface="Noto Sans JP"/>
-            </a:endParaRPr>
-          </a:p>
-          <a:p>
-            <a:endParaRPr lang="en-US" altLang="ja-JP" sz="2000" dirty="0">
-              <a:solidFill>
-                <a:srgbClr val="252525"/>
-              </a:solidFill>
-              <a:latin typeface="Noto Sans JP"/>
-            </a:endParaRPr>
-          </a:p>
-          <a:p>
-            <a:r>
-              <a:rPr lang="en-US" altLang="ja-JP" sz="2000" dirty="0">
-                <a:solidFill>
-                  <a:srgbClr val="252525"/>
-                </a:solidFill>
-                <a:latin typeface="Noto Sans JP"/>
-              </a:rPr>
-              <a:t>C/C++</a:t>
-            </a:r>
-            <a:r>
-              <a:rPr lang="ja-JP" altLang="en-US" sz="2000" dirty="0">
-                <a:solidFill>
-                  <a:srgbClr val="252525"/>
-                </a:solidFill>
-                <a:latin typeface="Noto Sans JP"/>
-              </a:rPr>
-              <a:t>のようなネイティブで</a:t>
-            </a:r>
-            <a:endParaRPr lang="en-US" altLang="ja-JP" sz="2000" dirty="0">
-              <a:solidFill>
-                <a:srgbClr val="252525"/>
-              </a:solidFill>
-              <a:latin typeface="Noto Sans JP"/>
-            </a:endParaRPr>
-          </a:p>
-          <a:p>
-            <a:r>
-              <a:rPr lang="en-US" altLang="ja-JP" sz="2000" dirty="0">
-                <a:solidFill>
-                  <a:srgbClr val="252525"/>
-                </a:solidFill>
-                <a:latin typeface="Noto Sans JP"/>
-              </a:rPr>
-              <a:t>HTTP</a:t>
-            </a:r>
-            <a:r>
-              <a:rPr lang="ja-JP" altLang="en-US" sz="2000" dirty="0">
-                <a:solidFill>
-                  <a:srgbClr val="252525"/>
-                </a:solidFill>
-                <a:latin typeface="Noto Sans JP"/>
-              </a:rPr>
-              <a:t>通信をサポートしていないような言語は</a:t>
-            </a:r>
-            <a:endParaRPr lang="en-US" altLang="ja-JP" sz="2000" dirty="0">
-              <a:solidFill>
-                <a:srgbClr val="252525"/>
-              </a:solidFill>
-              <a:latin typeface="Noto Sans JP"/>
-            </a:endParaRPr>
-          </a:p>
-          <a:p>
-            <a:endParaRPr lang="en-US" altLang="ja-JP" sz="2000" dirty="0">
-              <a:solidFill>
-                <a:srgbClr val="252525"/>
-              </a:solidFill>
-              <a:latin typeface="Noto Sans JP"/>
-            </a:endParaRPr>
-          </a:p>
-          <a:p>
-            <a:r>
-              <a:rPr lang="ja-JP" altLang="en-US" sz="2000" dirty="0">
-                <a:solidFill>
-                  <a:srgbClr val="252525"/>
-                </a:solidFill>
-                <a:latin typeface="Noto Sans JP"/>
-              </a:rPr>
-              <a:t>右の文章を文字列として作成して送信したいサーバの</a:t>
-            </a:r>
-            <a:r>
-              <a:rPr lang="en-US" altLang="ja-JP" sz="2000" dirty="0">
-                <a:solidFill>
-                  <a:srgbClr val="252525"/>
-                </a:solidFill>
-                <a:latin typeface="Noto Sans JP"/>
-              </a:rPr>
-              <a:t>IP</a:t>
-            </a:r>
-            <a:r>
-              <a:rPr lang="ja-JP" altLang="en-US" sz="2000" dirty="0">
-                <a:solidFill>
-                  <a:srgbClr val="252525"/>
-                </a:solidFill>
-                <a:latin typeface="Noto Sans JP"/>
-              </a:rPr>
-              <a:t>アドレスに送る必要があります。</a:t>
-            </a:r>
-            <a:endParaRPr lang="en-US" altLang="ja-JP" sz="2000" dirty="0">
-              <a:solidFill>
-                <a:srgbClr val="252525"/>
-              </a:solidFill>
-              <a:latin typeface="Noto Sans JP"/>
-            </a:endParaRPr>
+              <a:rPr lang="ja-JP" altLang="en-US" sz="3200" b="1" u="sng" dirty="0"/>
+              <a:t>表形式のデータを記録するもの</a:t>
+            </a:r>
+            <a:endParaRPr lang="en-US" altLang="ja-JP" sz="3200" b="1" u="sng" dirty="0"/>
+          </a:p>
+          <a:p>
+            <a:endParaRPr lang="en-US" altLang="ja-JP" sz="2000" dirty="0"/>
+          </a:p>
+          <a:p>
+            <a:r>
+              <a:rPr lang="ja-JP" altLang="en-US" sz="2000" dirty="0"/>
+              <a:t>だと考えましょう。</a:t>
+            </a:r>
+            <a:endParaRPr lang="en-US" altLang="ja-JP" sz="2000" dirty="0"/>
+          </a:p>
+          <a:p>
+            <a:r>
+              <a:rPr lang="ja-JP" altLang="en-US" sz="2000" dirty="0"/>
+              <a:t>（右のような形でデータを記録するもの）</a:t>
+            </a:r>
+            <a:endParaRPr lang="en-US" altLang="ja-JP" sz="2000" dirty="0"/>
+          </a:p>
+          <a:p>
+            <a:endParaRPr lang="en-US" altLang="ja-JP" sz="2000" dirty="0"/>
+          </a:p>
+          <a:p>
+            <a:r>
+              <a:rPr lang="ja-JP" altLang="en-US" sz="2000" dirty="0"/>
+              <a:t>特に右のような物をリレーショナルデータベースと呼び、</a:t>
+            </a:r>
+            <a:endParaRPr lang="en-US" altLang="ja-JP" sz="2000" dirty="0"/>
+          </a:p>
+          <a:p>
+            <a:endParaRPr lang="en-US" altLang="ja-JP" sz="2000" dirty="0"/>
+          </a:p>
+          <a:p>
+            <a:r>
+              <a:rPr lang="en-US" altLang="ja-JP" sz="2800" dirty="0"/>
+              <a:t>SQL</a:t>
+            </a:r>
+            <a:r>
+              <a:rPr lang="ja-JP" altLang="en-US" sz="2800" dirty="0"/>
+              <a:t>文というものを用いて操作して必要なデータを出します。</a:t>
+            </a:r>
+            <a:endParaRPr lang="en-US" altLang="ja-JP" sz="2800" dirty="0"/>
           </a:p>
         </p:txBody>
       </p:sp>
       <p:pic>
         <p:nvPicPr>
-          <p:cNvPr id="4" name="図 3">
-            <a:extLst>
-              <a:ext uri="{FF2B5EF4-FFF2-40B4-BE49-F238E27FC236}">
-                <a16:creationId xmlns:a16="http://schemas.microsoft.com/office/drawing/2014/main" id="{2C7CF4AE-0A8E-44EE-AADB-CA46A298BEA9}"/>
+          <p:cNvPr id="3" name="図 2">
+            <a:extLst>
+              <a:ext uri="{FF2B5EF4-FFF2-40B4-BE49-F238E27FC236}">
+                <a16:creationId xmlns:a16="http://schemas.microsoft.com/office/drawing/2014/main" id="{E1A2ED05-559E-4E8D-995B-9BBA8AFA1400}"/>
               </a:ext>
             </a:extLst>
           </p:cNvPr>
@@ -4653,8 +4073,8 @@
         </p:blipFill>
         <p:spPr>
           <a:xfrm>
-            <a:off x="6134100" y="1192995"/>
-            <a:ext cx="6057900" cy="4427220"/>
+            <a:off x="6506706" y="925551"/>
+            <a:ext cx="5585042" cy="3334214"/>
           </a:xfrm>
           <a:prstGeom prst="rect">
             <a:avLst/>
@@ -4664,2052 +4084,7 @@
     </p:spTree>
     <p:extLst>
       <p:ext uri="{BB962C8B-B14F-4D97-AF65-F5344CB8AC3E}">
-        <p14:creationId xmlns:p14="http://schemas.microsoft.com/office/powerpoint/2010/main" val="726256357"/>
-      </p:ext>
-    </p:extLst>
-  </p:cSld>
-  <p:clrMapOvr>
-    <a:masterClrMapping/>
-  </p:clrMapOvr>
-</p:sld>
-</file>
-
-<file path=ppt/slides/slide5.xml><?xml version="1.0" encoding="utf-8"?>
-<p:sld xmlns:a="http://schemas.openxmlformats.org/drawingml/2006/main" xmlns:r="http://schemas.openxmlformats.org/officeDocument/2006/relationships" xmlns:p="http://schemas.openxmlformats.org/presentationml/2006/main">
-  <p:cSld>
-    <p:spTree>
-      <p:nvGrpSpPr>
-        <p:cNvPr id="1" name=""/>
-        <p:cNvGrpSpPr/>
-        <p:nvPr/>
-      </p:nvGrpSpPr>
-      <p:grpSpPr>
-        <a:xfrm>
-          <a:off x="0" y="0"/>
-          <a:ext cx="0" cy="0"/>
-          <a:chOff x="0" y="0"/>
-          <a:chExt cx="0" cy="0"/>
-        </a:xfrm>
-      </p:grpSpPr>
-      <p:sp>
-        <p:nvSpPr>
-          <p:cNvPr id="5" name="タイトル 4">
-            <a:extLst>
-              <a:ext uri="{FF2B5EF4-FFF2-40B4-BE49-F238E27FC236}">
-                <a16:creationId xmlns:a16="http://schemas.microsoft.com/office/drawing/2014/main" id="{EE4AD890-877B-4BD6-B413-DD02F4812BAD}"/>
-              </a:ext>
-            </a:extLst>
-          </p:cNvPr>
-          <p:cNvSpPr>
-            <a:spLocks noGrp="1"/>
-          </p:cNvSpPr>
-          <p:nvPr>
-            <p:ph type="title"/>
-          </p:nvPr>
-        </p:nvSpPr>
-        <p:spPr>
-          <a:xfrm>
-            <a:off x="236034" y="309369"/>
-            <a:ext cx="10515600" cy="738846"/>
-          </a:xfrm>
-        </p:spPr>
-        <p:txBody>
-          <a:bodyPr>
-            <a:normAutofit/>
-          </a:bodyPr>
-          <a:lstStyle/>
-          <a:p>
-            <a:r>
-              <a:rPr lang="en-US" altLang="ja-JP" sz="3200" dirty="0"/>
-              <a:t>URL</a:t>
-            </a:r>
-            <a:r>
-              <a:rPr lang="ja-JP" altLang="en-US" sz="3200" dirty="0"/>
-              <a:t>の仕組み</a:t>
-            </a:r>
-          </a:p>
-        </p:txBody>
-      </p:sp>
-      <p:sp>
-        <p:nvSpPr>
-          <p:cNvPr id="3" name="テキスト ボックス 2">
-            <a:extLst>
-              <a:ext uri="{FF2B5EF4-FFF2-40B4-BE49-F238E27FC236}">
-                <a16:creationId xmlns:a16="http://schemas.microsoft.com/office/drawing/2014/main" id="{671D036D-E2DC-4803-97DB-86B91897AAE5}"/>
-              </a:ext>
-            </a:extLst>
-          </p:cNvPr>
-          <p:cNvSpPr txBox="1"/>
-          <p:nvPr/>
-        </p:nvSpPr>
-        <p:spPr>
-          <a:xfrm>
-            <a:off x="4672361" y="3111190"/>
-            <a:ext cx="184731" cy="369332"/>
-          </a:xfrm>
-          <a:prstGeom prst="rect">
-            <a:avLst/>
-          </a:prstGeom>
-          <a:noFill/>
-        </p:spPr>
-        <p:txBody>
-          <a:bodyPr wrap="none" rtlCol="0">
-            <a:spAutoFit/>
-          </a:bodyPr>
-          <a:lstStyle/>
-          <a:p>
-            <a:endParaRPr kumimoji="1" lang="ja-JP" altLang="en-US" dirty="0"/>
-          </a:p>
-        </p:txBody>
-      </p:sp>
-      <p:sp>
-        <p:nvSpPr>
-          <p:cNvPr id="6" name="テキスト ボックス 5">
-            <a:extLst>
-              <a:ext uri="{FF2B5EF4-FFF2-40B4-BE49-F238E27FC236}">
-                <a16:creationId xmlns:a16="http://schemas.microsoft.com/office/drawing/2014/main" id="{B746654B-A34D-44F4-BB84-90CBBD5EEE39}"/>
-              </a:ext>
-            </a:extLst>
-          </p:cNvPr>
-          <p:cNvSpPr txBox="1"/>
-          <p:nvPr/>
-        </p:nvSpPr>
-        <p:spPr>
-          <a:xfrm>
-            <a:off x="4672361" y="2910468"/>
-            <a:ext cx="184731" cy="369332"/>
-          </a:xfrm>
-          <a:prstGeom prst="rect">
-            <a:avLst/>
-          </a:prstGeom>
-          <a:noFill/>
-        </p:spPr>
-        <p:txBody>
-          <a:bodyPr wrap="none" rtlCol="0">
-            <a:spAutoFit/>
-          </a:bodyPr>
-          <a:lstStyle/>
-          <a:p>
-            <a:endParaRPr kumimoji="1" lang="ja-JP" altLang="en-US" dirty="0"/>
-          </a:p>
-        </p:txBody>
-      </p:sp>
-      <p:sp>
-        <p:nvSpPr>
-          <p:cNvPr id="7" name="テキスト ボックス 6">
-            <a:extLst>
-              <a:ext uri="{FF2B5EF4-FFF2-40B4-BE49-F238E27FC236}">
-                <a16:creationId xmlns:a16="http://schemas.microsoft.com/office/drawing/2014/main" id="{5F3FEDA6-FAF9-4A8E-AA03-D657ECECCFAF}"/>
-              </a:ext>
-            </a:extLst>
-          </p:cNvPr>
-          <p:cNvSpPr txBox="1"/>
-          <p:nvPr/>
-        </p:nvSpPr>
-        <p:spPr>
-          <a:xfrm>
-            <a:off x="334537" y="1279714"/>
-            <a:ext cx="5500224" cy="461665"/>
-          </a:xfrm>
-          <a:prstGeom prst="rect">
-            <a:avLst/>
-          </a:prstGeom>
-        </p:spPr>
-        <p:style>
-          <a:lnRef idx="2">
-            <a:schemeClr val="accent1"/>
-          </a:lnRef>
-          <a:fillRef idx="1">
-            <a:schemeClr val="lt1"/>
-          </a:fillRef>
-          <a:effectRef idx="0">
-            <a:schemeClr val="accent1"/>
-          </a:effectRef>
-          <a:fontRef idx="minor">
-            <a:schemeClr val="dk1"/>
-          </a:fontRef>
-        </p:style>
-        <p:txBody>
-          <a:bodyPr wrap="none" rtlCol="0">
-            <a:spAutoFit/>
-          </a:bodyPr>
-          <a:lstStyle/>
-          <a:p>
-            <a:r>
-              <a:rPr kumimoji="1" lang="en-US" altLang="ja-JP" sz="2400" dirty="0"/>
-              <a:t>https://fukuoka.o-hara.ac/it-creator/</a:t>
-            </a:r>
-            <a:endParaRPr kumimoji="1" lang="ja-JP" altLang="en-US" sz="2400" dirty="0"/>
-          </a:p>
-        </p:txBody>
-      </p:sp>
-      <p:sp>
-        <p:nvSpPr>
-          <p:cNvPr id="8" name="テキスト ボックス 7">
-            <a:extLst>
-              <a:ext uri="{FF2B5EF4-FFF2-40B4-BE49-F238E27FC236}">
-                <a16:creationId xmlns:a16="http://schemas.microsoft.com/office/drawing/2014/main" id="{D4402733-2D8D-4ED9-B93A-3FA445AD62BA}"/>
-              </a:ext>
-            </a:extLst>
-          </p:cNvPr>
-          <p:cNvSpPr txBox="1"/>
-          <p:nvPr/>
-        </p:nvSpPr>
-        <p:spPr>
-          <a:xfrm>
-            <a:off x="423746" y="2171804"/>
-            <a:ext cx="4522392" cy="2123658"/>
-          </a:xfrm>
-          <a:prstGeom prst="rect">
-            <a:avLst/>
-          </a:prstGeom>
-          <a:noFill/>
-        </p:spPr>
-        <p:txBody>
-          <a:bodyPr wrap="none" rtlCol="0">
-            <a:spAutoFit/>
-          </a:bodyPr>
-          <a:lstStyle/>
-          <a:p>
-            <a:r>
-              <a:rPr lang="en-US" altLang="ja-JP" sz="2400" dirty="0"/>
-              <a:t>【</a:t>
-            </a:r>
-            <a:r>
-              <a:rPr lang="ja-JP" altLang="en-US" sz="2400" dirty="0"/>
-              <a:t>意味</a:t>
-            </a:r>
-            <a:r>
-              <a:rPr lang="en-US" altLang="ja-JP" sz="2400" dirty="0"/>
-              <a:t>】</a:t>
-            </a:r>
-          </a:p>
-          <a:p>
-            <a:endParaRPr kumimoji="1" lang="en-US" altLang="ja-JP" dirty="0"/>
-          </a:p>
-          <a:p>
-            <a:r>
-              <a:rPr kumimoji="1" lang="en-US" altLang="ja-JP" dirty="0"/>
-              <a:t>https://</a:t>
-            </a:r>
-            <a:r>
-              <a:rPr kumimoji="1" lang="ja-JP" altLang="en-US" dirty="0"/>
-              <a:t>　</a:t>
-            </a:r>
-            <a:r>
-              <a:rPr kumimoji="1" lang="en-US" altLang="ja-JP" dirty="0"/>
-              <a:t>http</a:t>
-            </a:r>
-            <a:r>
-              <a:rPr kumimoji="1" lang="ja-JP" altLang="en-US" dirty="0"/>
-              <a:t>通信で受け取れるデータ</a:t>
-            </a:r>
-            <a:endParaRPr kumimoji="1" lang="en-US" altLang="ja-JP" dirty="0"/>
-          </a:p>
-          <a:p>
-            <a:endParaRPr lang="en-US" altLang="ja-JP" dirty="0"/>
-          </a:p>
-          <a:p>
-            <a:r>
-              <a:rPr kumimoji="1" lang="en-US" altLang="ja-JP" dirty="0"/>
-              <a:t>Fukuoka.o-hara.ac</a:t>
-            </a:r>
-            <a:r>
-              <a:rPr lang="ja-JP" altLang="en-US" dirty="0"/>
-              <a:t>　ドメイン名</a:t>
-            </a:r>
-            <a:endParaRPr lang="en-US" altLang="ja-JP" dirty="0"/>
-          </a:p>
-          <a:p>
-            <a:endParaRPr lang="en-US" altLang="ja-JP" dirty="0"/>
-          </a:p>
-          <a:p>
-            <a:r>
-              <a:rPr kumimoji="1" lang="en-US" altLang="ja-JP" dirty="0"/>
-              <a:t>i</a:t>
-            </a:r>
-            <a:r>
-              <a:rPr lang="en-US" altLang="ja-JP" dirty="0"/>
-              <a:t>t-creator</a:t>
-            </a:r>
-            <a:r>
-              <a:rPr lang="ja-JP" altLang="en-US" dirty="0"/>
-              <a:t>　データの場所</a:t>
-            </a:r>
-            <a:r>
-              <a:rPr lang="en-US" altLang="ja-JP" dirty="0"/>
-              <a:t>(URI</a:t>
-            </a:r>
-            <a:r>
-              <a:rPr lang="ja-JP" altLang="en-US" dirty="0"/>
-              <a:t>と呼ばれる</a:t>
-            </a:r>
-            <a:r>
-              <a:rPr lang="en-US" altLang="ja-JP" dirty="0"/>
-              <a:t>)</a:t>
-            </a:r>
-            <a:endParaRPr kumimoji="1" lang="en-US" altLang="ja-JP" dirty="0"/>
-          </a:p>
-        </p:txBody>
-      </p:sp>
-      <p:sp>
-        <p:nvSpPr>
-          <p:cNvPr id="9" name="テキスト ボックス 8">
-            <a:extLst>
-              <a:ext uri="{FF2B5EF4-FFF2-40B4-BE49-F238E27FC236}">
-                <a16:creationId xmlns:a16="http://schemas.microsoft.com/office/drawing/2014/main" id="{52A441E8-9152-4F8E-AF2E-BFAC7B0AEE46}"/>
-              </a:ext>
-            </a:extLst>
-          </p:cNvPr>
-          <p:cNvSpPr txBox="1"/>
-          <p:nvPr/>
-        </p:nvSpPr>
-        <p:spPr>
-          <a:xfrm>
-            <a:off x="445657" y="5008898"/>
-            <a:ext cx="5048177" cy="1477328"/>
-          </a:xfrm>
-          <a:prstGeom prst="rect">
-            <a:avLst/>
-          </a:prstGeom>
-          <a:noFill/>
-        </p:spPr>
-        <p:txBody>
-          <a:bodyPr wrap="none" rtlCol="0">
-            <a:spAutoFit/>
-          </a:bodyPr>
-          <a:lstStyle/>
-          <a:p>
-            <a:r>
-              <a:rPr kumimoji="1" lang="ja-JP" altLang="en-US" dirty="0"/>
-              <a:t>というような意味になっており、</a:t>
-            </a:r>
-            <a:endParaRPr kumimoji="1" lang="en-US" altLang="ja-JP" dirty="0"/>
-          </a:p>
-          <a:p>
-            <a:r>
-              <a:rPr lang="ja-JP" altLang="en-US" dirty="0"/>
-              <a:t>ここから</a:t>
-            </a:r>
-            <a:r>
-              <a:rPr lang="en-US" altLang="ja-JP" dirty="0"/>
-              <a:t>DNS</a:t>
-            </a:r>
-            <a:r>
-              <a:rPr lang="ja-JP" altLang="en-US" dirty="0"/>
-              <a:t>により</a:t>
-            </a:r>
-            <a:r>
-              <a:rPr lang="en-US" altLang="ja-JP" dirty="0"/>
-              <a:t>IP</a:t>
-            </a:r>
-            <a:r>
-              <a:rPr lang="ja-JP" altLang="en-US" dirty="0"/>
-              <a:t>アドレスを受け取れる。</a:t>
-            </a:r>
-            <a:endParaRPr lang="en-US" altLang="ja-JP" dirty="0"/>
-          </a:p>
-          <a:p>
-            <a:endParaRPr lang="en-US" altLang="ja-JP" dirty="0"/>
-          </a:p>
-          <a:p>
-            <a:r>
-              <a:rPr lang="en-US" altLang="ja-JP" dirty="0"/>
-              <a:t>URL</a:t>
-            </a:r>
-            <a:r>
-              <a:rPr lang="ja-JP" altLang="en-US" dirty="0"/>
-              <a:t>という形でリクエストを行うことで、</a:t>
-            </a:r>
-            <a:endParaRPr lang="en-US" altLang="ja-JP" dirty="0"/>
-          </a:p>
-          <a:p>
-            <a:r>
-              <a:rPr lang="ja-JP" altLang="en-US" dirty="0"/>
-              <a:t>サーバが応答しているのである。</a:t>
-            </a:r>
-            <a:endParaRPr lang="en-US" altLang="ja-JP" dirty="0"/>
-          </a:p>
-        </p:txBody>
-      </p:sp>
-      <p:sp>
-        <p:nvSpPr>
-          <p:cNvPr id="10" name="テキスト ボックス 9">
-            <a:extLst>
-              <a:ext uri="{FF2B5EF4-FFF2-40B4-BE49-F238E27FC236}">
-                <a16:creationId xmlns:a16="http://schemas.microsoft.com/office/drawing/2014/main" id="{9AE7128C-2EDD-4841-8F24-0EF7A6CEE26F}"/>
-              </a:ext>
-            </a:extLst>
-          </p:cNvPr>
-          <p:cNvSpPr txBox="1"/>
-          <p:nvPr/>
-        </p:nvSpPr>
-        <p:spPr>
-          <a:xfrm>
-            <a:off x="6096000" y="1310491"/>
-            <a:ext cx="5880712" cy="400110"/>
-          </a:xfrm>
-          <a:prstGeom prst="rect">
-            <a:avLst/>
-          </a:prstGeom>
-        </p:spPr>
-        <p:style>
-          <a:lnRef idx="2">
-            <a:schemeClr val="accent1"/>
-          </a:lnRef>
-          <a:fillRef idx="1">
-            <a:schemeClr val="lt1"/>
-          </a:fillRef>
-          <a:effectRef idx="0">
-            <a:schemeClr val="accent1"/>
-          </a:effectRef>
-          <a:fontRef idx="minor">
-            <a:schemeClr val="dk1"/>
-          </a:fontRef>
-        </p:style>
-        <p:txBody>
-          <a:bodyPr wrap="none" rtlCol="0">
-            <a:spAutoFit/>
-          </a:bodyPr>
-          <a:lstStyle/>
-          <a:p>
-            <a:r>
-              <a:rPr kumimoji="1" lang="en-US" altLang="ja-JP" sz="2000" dirty="0"/>
-              <a:t>https://fukuoka.o-hara.ac/it-creator</a:t>
-            </a:r>
-            <a:r>
-              <a:rPr kumimoji="1" lang="en-US" altLang="ja-JP" sz="2000" dirty="0">
-                <a:solidFill>
-                  <a:schemeClr val="tx1"/>
-                </a:solidFill>
-              </a:rPr>
-              <a:t>/</a:t>
-            </a:r>
-            <a:r>
-              <a:rPr lang="en-US" altLang="ja-JP" sz="2000" i="0" dirty="0">
-                <a:solidFill>
-                  <a:schemeClr val="tx1"/>
-                </a:solidFill>
-                <a:effectLst/>
-                <a:latin typeface="SFMono-Regular"/>
-              </a:rPr>
-              <a:t>?hoge=hoge</a:t>
-            </a:r>
-            <a:endParaRPr kumimoji="1" lang="ja-JP" altLang="en-US" sz="2000" dirty="0">
-              <a:solidFill>
-                <a:schemeClr val="tx1"/>
-              </a:solidFill>
-            </a:endParaRPr>
-          </a:p>
-        </p:txBody>
-      </p:sp>
-      <p:sp>
-        <p:nvSpPr>
-          <p:cNvPr id="11" name="テキスト ボックス 10">
-            <a:extLst>
-              <a:ext uri="{FF2B5EF4-FFF2-40B4-BE49-F238E27FC236}">
-                <a16:creationId xmlns:a16="http://schemas.microsoft.com/office/drawing/2014/main" id="{69D663CB-1E7B-4E8D-92C4-5250D6F4C8FF}"/>
-              </a:ext>
-            </a:extLst>
-          </p:cNvPr>
-          <p:cNvSpPr txBox="1"/>
-          <p:nvPr/>
-        </p:nvSpPr>
-        <p:spPr>
-          <a:xfrm>
-            <a:off x="6229242" y="2187962"/>
-            <a:ext cx="5346335" cy="3785652"/>
-          </a:xfrm>
-          <a:prstGeom prst="rect">
-            <a:avLst/>
-          </a:prstGeom>
-          <a:noFill/>
-        </p:spPr>
-        <p:txBody>
-          <a:bodyPr wrap="none" rtlCol="0">
-            <a:spAutoFit/>
-          </a:bodyPr>
-          <a:lstStyle/>
-          <a:p>
-            <a:r>
-              <a:rPr lang="en-US" altLang="ja-JP" sz="2400" dirty="0"/>
-              <a:t>【</a:t>
-            </a:r>
-            <a:r>
-              <a:rPr lang="ja-JP" altLang="en-US" sz="2400" dirty="0"/>
-              <a:t>クエリ文字列</a:t>
-            </a:r>
-            <a:r>
-              <a:rPr lang="en-US" altLang="ja-JP" sz="2400" dirty="0"/>
-              <a:t>(</a:t>
-            </a:r>
-            <a:r>
-              <a:rPr lang="ja-JP" altLang="en-US" sz="2400" dirty="0"/>
-              <a:t>クエリストリング</a:t>
-            </a:r>
-            <a:r>
-              <a:rPr lang="en-US" altLang="ja-JP" sz="2400" dirty="0"/>
-              <a:t>)】</a:t>
-            </a:r>
-          </a:p>
-          <a:p>
-            <a:endParaRPr kumimoji="1" lang="en-US" altLang="ja-JP" dirty="0"/>
-          </a:p>
-          <a:p>
-            <a:r>
-              <a:rPr kumimoji="1" lang="en-US" altLang="ja-JP" dirty="0"/>
-              <a:t>?</a:t>
-            </a:r>
-            <a:r>
-              <a:rPr kumimoji="1" lang="ja-JP" altLang="en-US" dirty="0"/>
-              <a:t>以降の部分を</a:t>
-            </a:r>
-            <a:r>
-              <a:rPr kumimoji="1" lang="en-US" altLang="ja-JP" dirty="0"/>
-              <a:t>『</a:t>
-            </a:r>
-            <a:r>
-              <a:rPr kumimoji="1" lang="ja-JP" altLang="en-US" dirty="0"/>
-              <a:t>クエリ文字列</a:t>
-            </a:r>
-            <a:r>
-              <a:rPr kumimoji="1" lang="en-US" altLang="ja-JP" dirty="0"/>
-              <a:t>』</a:t>
-            </a:r>
-            <a:r>
-              <a:rPr kumimoji="1" lang="ja-JP" altLang="en-US" dirty="0"/>
-              <a:t>という</a:t>
-            </a:r>
-            <a:r>
-              <a:rPr lang="ja-JP" altLang="en-US" dirty="0"/>
-              <a:t>。</a:t>
-            </a:r>
-            <a:endParaRPr lang="en-US" altLang="ja-JP" dirty="0"/>
-          </a:p>
-          <a:p>
-            <a:r>
-              <a:rPr kumimoji="1" lang="ja-JP" altLang="en-US" dirty="0"/>
-              <a:t>リクエストを送る際にデータを添える際に使う。</a:t>
-            </a:r>
-            <a:endParaRPr kumimoji="1" lang="en-US" altLang="ja-JP" dirty="0"/>
-          </a:p>
-          <a:p>
-            <a:endParaRPr lang="en-US" altLang="ja-JP" dirty="0"/>
-          </a:p>
-          <a:p>
-            <a:r>
-              <a:rPr lang="ja-JP" altLang="en-US" dirty="0"/>
-              <a:t>上記の場合は、</a:t>
-            </a:r>
-            <a:r>
-              <a:rPr kumimoji="1" lang="en-US" altLang="ja-JP" dirty="0"/>
-              <a:t>Hoge</a:t>
-            </a:r>
-            <a:r>
-              <a:rPr kumimoji="1" lang="ja-JP" altLang="en-US" dirty="0"/>
-              <a:t>という変数に</a:t>
-            </a:r>
-            <a:endParaRPr kumimoji="1" lang="en-US" altLang="ja-JP" dirty="0"/>
-          </a:p>
-          <a:p>
-            <a:r>
-              <a:rPr kumimoji="1" lang="en-US" altLang="ja-JP" dirty="0"/>
-              <a:t>”</a:t>
-            </a:r>
-            <a:r>
-              <a:rPr kumimoji="1" lang="en-US" altLang="ja-JP" dirty="0" err="1"/>
-              <a:t>hoge</a:t>
-            </a:r>
-            <a:r>
-              <a:rPr kumimoji="1" lang="en-US" altLang="ja-JP" dirty="0"/>
-              <a:t>”</a:t>
-            </a:r>
-            <a:r>
-              <a:rPr kumimoji="1" lang="ja-JP" altLang="en-US" dirty="0"/>
-              <a:t>という文字列を入れて送っている。</a:t>
-            </a:r>
-            <a:endParaRPr kumimoji="1" lang="en-US" altLang="ja-JP" dirty="0"/>
-          </a:p>
-          <a:p>
-            <a:endParaRPr lang="en-US" altLang="ja-JP" dirty="0"/>
-          </a:p>
-          <a:p>
-            <a:r>
-              <a:rPr lang="ja-JP" altLang="en-US" dirty="0"/>
-              <a:t>もちろん上記サイトにこのように送っても</a:t>
-            </a:r>
-            <a:endParaRPr lang="en-US" altLang="ja-JP" dirty="0"/>
-          </a:p>
-          <a:p>
-            <a:r>
-              <a:rPr lang="ja-JP" altLang="en-US" dirty="0"/>
-              <a:t>何も起こらないが受け取るサイトもある。</a:t>
-            </a:r>
-            <a:endParaRPr lang="en-US" altLang="ja-JP" dirty="0"/>
-          </a:p>
-          <a:p>
-            <a:r>
-              <a:rPr lang="ja-JP" altLang="en-US" dirty="0"/>
-              <a:t>（古いログインページとか）</a:t>
-            </a:r>
-            <a:endParaRPr lang="en-US" altLang="ja-JP" dirty="0"/>
-          </a:p>
-          <a:p>
-            <a:endParaRPr kumimoji="1" lang="en-US" altLang="ja-JP" dirty="0"/>
-          </a:p>
-          <a:p>
-            <a:r>
-              <a:rPr lang="ja-JP" altLang="en-US" dirty="0"/>
-              <a:t>試しに探してみるとよい。</a:t>
-            </a:r>
-            <a:endParaRPr lang="en-US" altLang="ja-JP" dirty="0"/>
-          </a:p>
-        </p:txBody>
-      </p:sp>
-    </p:spTree>
-    <p:extLst>
-      <p:ext uri="{BB962C8B-B14F-4D97-AF65-F5344CB8AC3E}">
-        <p14:creationId xmlns:p14="http://schemas.microsoft.com/office/powerpoint/2010/main" val="2116411854"/>
-      </p:ext>
-    </p:extLst>
-  </p:cSld>
-  <p:clrMapOvr>
-    <a:masterClrMapping/>
-  </p:clrMapOvr>
-</p:sld>
-</file>
-
-<file path=ppt/slides/slide6.xml><?xml version="1.0" encoding="utf-8"?>
-<p:sld xmlns:a="http://schemas.openxmlformats.org/drawingml/2006/main" xmlns:r="http://schemas.openxmlformats.org/officeDocument/2006/relationships" xmlns:p="http://schemas.openxmlformats.org/presentationml/2006/main">
-  <p:cSld>
-    <p:spTree>
-      <p:nvGrpSpPr>
-        <p:cNvPr id="1" name=""/>
-        <p:cNvGrpSpPr/>
-        <p:nvPr/>
-      </p:nvGrpSpPr>
-      <p:grpSpPr>
-        <a:xfrm>
-          <a:off x="0" y="0"/>
-          <a:ext cx="0" cy="0"/>
-          <a:chOff x="0" y="0"/>
-          <a:chExt cx="0" cy="0"/>
-        </a:xfrm>
-      </p:grpSpPr>
-      <p:sp>
-        <p:nvSpPr>
-          <p:cNvPr id="5" name="タイトル 4">
-            <a:extLst>
-              <a:ext uri="{FF2B5EF4-FFF2-40B4-BE49-F238E27FC236}">
-                <a16:creationId xmlns:a16="http://schemas.microsoft.com/office/drawing/2014/main" id="{EE4AD890-877B-4BD6-B413-DD02F4812BAD}"/>
-              </a:ext>
-            </a:extLst>
-          </p:cNvPr>
-          <p:cNvSpPr>
-            <a:spLocks noGrp="1"/>
-          </p:cNvSpPr>
-          <p:nvPr>
-            <p:ph type="title"/>
-          </p:nvPr>
-        </p:nvSpPr>
-        <p:spPr>
-          <a:xfrm>
-            <a:off x="236034" y="309369"/>
-            <a:ext cx="10515600" cy="738846"/>
-          </a:xfrm>
-        </p:spPr>
-        <p:txBody>
-          <a:bodyPr>
-            <a:normAutofit/>
-          </a:bodyPr>
-          <a:lstStyle/>
-          <a:p>
-            <a:r>
-              <a:rPr lang="en-US" altLang="ja-JP" sz="3200" dirty="0"/>
-              <a:t>HTTP</a:t>
-            </a:r>
-            <a:r>
-              <a:rPr lang="ja-JP" altLang="en-US" sz="3200" dirty="0"/>
-              <a:t>通信で使われるメソッド</a:t>
-            </a:r>
-          </a:p>
-        </p:txBody>
-      </p:sp>
-      <p:sp>
-        <p:nvSpPr>
-          <p:cNvPr id="2" name="テキスト ボックス 1">
-            <a:extLst>
-              <a:ext uri="{FF2B5EF4-FFF2-40B4-BE49-F238E27FC236}">
-                <a16:creationId xmlns:a16="http://schemas.microsoft.com/office/drawing/2014/main" id="{3EB95535-1640-43C8-8E02-45900263CBF5}"/>
-              </a:ext>
-            </a:extLst>
-          </p:cNvPr>
-          <p:cNvSpPr txBox="1"/>
-          <p:nvPr/>
-        </p:nvSpPr>
-        <p:spPr>
-          <a:xfrm>
-            <a:off x="468351" y="1315844"/>
-            <a:ext cx="8962710" cy="400110"/>
-          </a:xfrm>
-          <a:prstGeom prst="rect">
-            <a:avLst/>
-          </a:prstGeom>
-          <a:noFill/>
-        </p:spPr>
-        <p:txBody>
-          <a:bodyPr wrap="none" rtlCol="0">
-            <a:spAutoFit/>
-          </a:bodyPr>
-          <a:lstStyle/>
-          <a:p>
-            <a:r>
-              <a:rPr lang="en-US" altLang="ja-JP" sz="2000" dirty="0"/>
-              <a:t>HTTP</a:t>
-            </a:r>
-            <a:r>
-              <a:rPr lang="ja-JP" altLang="en-US" sz="2000" dirty="0"/>
-              <a:t>通信では主に以下の</a:t>
-            </a:r>
-            <a:r>
-              <a:rPr lang="en-US" altLang="ja-JP" sz="2000" dirty="0"/>
-              <a:t>2</a:t>
-            </a:r>
-            <a:r>
-              <a:rPr lang="ja-JP" altLang="en-US" sz="2000" dirty="0"/>
-              <a:t>つのメソッドを用いてデータがやり取りされる。</a:t>
-            </a:r>
-            <a:endParaRPr lang="en-US" altLang="ja-JP" sz="2000" dirty="0"/>
-          </a:p>
-        </p:txBody>
-      </p:sp>
-      <p:sp>
-        <p:nvSpPr>
-          <p:cNvPr id="12" name="テキスト ボックス 11">
-            <a:extLst>
-              <a:ext uri="{FF2B5EF4-FFF2-40B4-BE49-F238E27FC236}">
-                <a16:creationId xmlns:a16="http://schemas.microsoft.com/office/drawing/2014/main" id="{370D74A1-7E13-43AB-B364-062C14E14E88}"/>
-              </a:ext>
-            </a:extLst>
-          </p:cNvPr>
-          <p:cNvSpPr txBox="1"/>
-          <p:nvPr/>
-        </p:nvSpPr>
-        <p:spPr>
-          <a:xfrm>
-            <a:off x="345689" y="1983583"/>
-            <a:ext cx="10956846" cy="2246769"/>
-          </a:xfrm>
-          <a:prstGeom prst="rect">
-            <a:avLst/>
-          </a:prstGeom>
-        </p:spPr>
-        <p:style>
-          <a:lnRef idx="2">
-            <a:schemeClr val="accent2"/>
-          </a:lnRef>
-          <a:fillRef idx="1">
-            <a:schemeClr val="lt1"/>
-          </a:fillRef>
-          <a:effectRef idx="0">
-            <a:schemeClr val="accent2"/>
-          </a:effectRef>
-          <a:fontRef idx="minor">
-            <a:schemeClr val="dk1"/>
-          </a:fontRef>
-        </p:style>
-        <p:txBody>
-          <a:bodyPr wrap="none" rtlCol="0">
-            <a:spAutoFit/>
-          </a:bodyPr>
-          <a:lstStyle/>
-          <a:p>
-            <a:r>
-              <a:rPr kumimoji="1" lang="ja-JP" altLang="en-US" sz="2800" dirty="0"/>
-              <a:t>・</a:t>
-            </a:r>
-            <a:r>
-              <a:rPr kumimoji="1" lang="en-US" altLang="ja-JP" sz="2800" dirty="0"/>
-              <a:t>GET</a:t>
-            </a:r>
-            <a:r>
-              <a:rPr kumimoji="1" lang="ja-JP" altLang="en-US" sz="2800" dirty="0"/>
-              <a:t>メソッド：一切秘匿されない通信を行う。早い。</a:t>
-            </a:r>
-            <a:endParaRPr kumimoji="1" lang="en-US" altLang="ja-JP" sz="2800" dirty="0"/>
-          </a:p>
-          <a:p>
-            <a:r>
-              <a:rPr lang="ja-JP" altLang="en-US" sz="2800" dirty="0"/>
-              <a:t>　　　　　　　　他人に見られても良い単純な受け取りの際に使う</a:t>
-            </a:r>
-            <a:endParaRPr kumimoji="1" lang="en-US" altLang="ja-JP" sz="2800" dirty="0"/>
-          </a:p>
-          <a:p>
-            <a:endParaRPr kumimoji="1" lang="en-US" altLang="ja-JP" sz="2800" dirty="0"/>
-          </a:p>
-          <a:p>
-            <a:r>
-              <a:rPr lang="ja-JP" altLang="en-US" sz="2800" dirty="0"/>
-              <a:t>・</a:t>
-            </a:r>
-            <a:r>
-              <a:rPr lang="en-US" altLang="ja-JP" sz="2800" dirty="0"/>
-              <a:t>POST</a:t>
-            </a:r>
-            <a:r>
-              <a:rPr lang="ja-JP" altLang="en-US" sz="2800" dirty="0"/>
-              <a:t>メソッド：秘匿通信を行う。やや遅い。</a:t>
-            </a:r>
-            <a:endParaRPr lang="en-US" altLang="ja-JP" sz="2800" dirty="0"/>
-          </a:p>
-          <a:p>
-            <a:r>
-              <a:rPr kumimoji="1" lang="ja-JP" altLang="en-US" sz="2800" dirty="0"/>
-              <a:t>　　　　　　　　　データを送信する際は基本的にこちらを使う。</a:t>
-            </a:r>
-          </a:p>
-        </p:txBody>
-      </p:sp>
-      <p:sp>
-        <p:nvSpPr>
-          <p:cNvPr id="13" name="テキスト ボックス 12">
-            <a:extLst>
-              <a:ext uri="{FF2B5EF4-FFF2-40B4-BE49-F238E27FC236}">
-                <a16:creationId xmlns:a16="http://schemas.microsoft.com/office/drawing/2014/main" id="{3CBA669E-5DFE-4289-8767-718F2657E92A}"/>
-              </a:ext>
-            </a:extLst>
-          </p:cNvPr>
-          <p:cNvSpPr txBox="1"/>
-          <p:nvPr/>
-        </p:nvSpPr>
-        <p:spPr>
-          <a:xfrm>
-            <a:off x="468351" y="4765610"/>
-            <a:ext cx="9417963" cy="1631216"/>
-          </a:xfrm>
-          <a:prstGeom prst="rect">
-            <a:avLst/>
-          </a:prstGeom>
-          <a:noFill/>
-        </p:spPr>
-        <p:txBody>
-          <a:bodyPr wrap="none" rtlCol="0">
-            <a:spAutoFit/>
-          </a:bodyPr>
-          <a:lstStyle/>
-          <a:p>
-            <a:r>
-              <a:rPr lang="ja-JP" altLang="en-US" sz="2000" dirty="0"/>
-              <a:t>実際のところ両者とも通信としては同じことができる。秘匿の有無だけである。</a:t>
-            </a:r>
-            <a:endParaRPr lang="en-US" altLang="ja-JP" sz="2000" dirty="0"/>
-          </a:p>
-          <a:p>
-            <a:r>
-              <a:rPr lang="en-US" altLang="ja-JP" sz="2000" dirty="0"/>
-              <a:t>(</a:t>
-            </a:r>
-            <a:r>
-              <a:rPr lang="ja-JP" altLang="en-US" sz="2000" dirty="0"/>
-              <a:t>昔はネットワーク通信に秘匿という概念は無かった。暗号化してただけ</a:t>
-            </a:r>
-            <a:r>
-              <a:rPr lang="en-US" altLang="ja-JP" sz="2000" dirty="0"/>
-              <a:t>)</a:t>
-            </a:r>
-          </a:p>
-          <a:p>
-            <a:endParaRPr lang="en-US" altLang="ja-JP" sz="2000" dirty="0"/>
-          </a:p>
-          <a:p>
-            <a:r>
-              <a:rPr lang="ja-JP" altLang="en-US" sz="2000" dirty="0"/>
-              <a:t>色々考えるのが面倒くさくて</a:t>
-            </a:r>
-            <a:r>
-              <a:rPr lang="en-US" altLang="ja-JP" sz="2000" dirty="0"/>
-              <a:t>POST</a:t>
-            </a:r>
-            <a:r>
-              <a:rPr lang="ja-JP" altLang="en-US" sz="2000" dirty="0"/>
-              <a:t>だけ使う人も多いが、</a:t>
-            </a:r>
-            <a:endParaRPr lang="en-US" altLang="ja-JP" sz="2000" dirty="0"/>
-          </a:p>
-          <a:p>
-            <a:r>
-              <a:rPr lang="ja-JP" altLang="en-US" sz="2000" dirty="0"/>
-              <a:t>セキュリティの観点からすると適切に使い分けた方が良い。</a:t>
-            </a:r>
-            <a:endParaRPr lang="en-US" altLang="ja-JP" sz="2000" dirty="0"/>
-          </a:p>
-        </p:txBody>
-      </p:sp>
-    </p:spTree>
-    <p:extLst>
-      <p:ext uri="{BB962C8B-B14F-4D97-AF65-F5344CB8AC3E}">
-        <p14:creationId xmlns:p14="http://schemas.microsoft.com/office/powerpoint/2010/main" val="1918301410"/>
-      </p:ext>
-    </p:extLst>
-  </p:cSld>
-  <p:clrMapOvr>
-    <a:masterClrMapping/>
-  </p:clrMapOvr>
-</p:sld>
-</file>
-
-<file path=ppt/slides/slide7.xml><?xml version="1.0" encoding="utf-8"?>
-<p:sld xmlns:a="http://schemas.openxmlformats.org/drawingml/2006/main" xmlns:r="http://schemas.openxmlformats.org/officeDocument/2006/relationships" xmlns:p="http://schemas.openxmlformats.org/presentationml/2006/main">
-  <p:cSld>
-    <p:spTree>
-      <p:nvGrpSpPr>
-        <p:cNvPr id="1" name=""/>
-        <p:cNvGrpSpPr/>
-        <p:nvPr/>
-      </p:nvGrpSpPr>
-      <p:grpSpPr>
-        <a:xfrm>
-          <a:off x="0" y="0"/>
-          <a:ext cx="0" cy="0"/>
-          <a:chOff x="0" y="0"/>
-          <a:chExt cx="0" cy="0"/>
-        </a:xfrm>
-      </p:grpSpPr>
-      <p:sp>
-        <p:nvSpPr>
-          <p:cNvPr id="5" name="タイトル 4">
-            <a:extLst>
-              <a:ext uri="{FF2B5EF4-FFF2-40B4-BE49-F238E27FC236}">
-                <a16:creationId xmlns:a16="http://schemas.microsoft.com/office/drawing/2014/main" id="{EE4AD890-877B-4BD6-B413-DD02F4812BAD}"/>
-              </a:ext>
-            </a:extLst>
-          </p:cNvPr>
-          <p:cNvSpPr>
-            <a:spLocks noGrp="1"/>
-          </p:cNvSpPr>
-          <p:nvPr>
-            <p:ph type="title"/>
-          </p:nvPr>
-        </p:nvSpPr>
-        <p:spPr>
-          <a:xfrm>
-            <a:off x="236034" y="309369"/>
-            <a:ext cx="10515600" cy="738846"/>
-          </a:xfrm>
-        </p:spPr>
-        <p:txBody>
-          <a:bodyPr>
-            <a:normAutofit/>
-          </a:bodyPr>
-          <a:lstStyle/>
-          <a:p>
-            <a:r>
-              <a:rPr lang="en-US" altLang="ja-JP" sz="3200" dirty="0"/>
-              <a:t>GET</a:t>
-            </a:r>
-          </a:p>
-        </p:txBody>
-      </p:sp>
-      <p:sp>
-        <p:nvSpPr>
-          <p:cNvPr id="3" name="テキスト ボックス 2">
-            <a:extLst>
-              <a:ext uri="{FF2B5EF4-FFF2-40B4-BE49-F238E27FC236}">
-                <a16:creationId xmlns:a16="http://schemas.microsoft.com/office/drawing/2014/main" id="{7661C505-A9B3-47A6-8139-236012188EA3}"/>
-              </a:ext>
-            </a:extLst>
-          </p:cNvPr>
-          <p:cNvSpPr txBox="1"/>
-          <p:nvPr/>
-        </p:nvSpPr>
-        <p:spPr>
-          <a:xfrm>
-            <a:off x="236034" y="1048215"/>
-            <a:ext cx="10772080" cy="5293757"/>
-          </a:xfrm>
-          <a:prstGeom prst="rect">
-            <a:avLst/>
-          </a:prstGeom>
-          <a:noFill/>
-        </p:spPr>
-        <p:txBody>
-          <a:bodyPr wrap="square" rtlCol="0">
-            <a:spAutoFit/>
-          </a:bodyPr>
-          <a:lstStyle/>
-          <a:p>
-            <a:pPr algn="l">
-              <a:buFont typeface="Arial" panose="020B0604020202020204" pitchFamily="34" charset="0"/>
-              <a:buChar char="•"/>
-            </a:pPr>
-            <a:r>
-              <a:rPr lang="en-US" altLang="ja-JP" sz="2400" b="0" i="0" dirty="0">
-                <a:effectLst/>
-                <a:latin typeface="YakuHanJPs"/>
-              </a:rPr>
-              <a:t>HTTP</a:t>
-            </a:r>
-            <a:r>
-              <a:rPr lang="ja-JP" altLang="en-US" sz="2400" b="0" i="0" dirty="0">
-                <a:effectLst/>
-                <a:latin typeface="YakuHanJPs"/>
-              </a:rPr>
-              <a:t>通信で、サーバから情報を取得してくる時に使用する</a:t>
-            </a:r>
-          </a:p>
-          <a:p>
-            <a:pPr algn="l">
-              <a:buFont typeface="Arial" panose="020B0604020202020204" pitchFamily="34" charset="0"/>
-              <a:buChar char="•"/>
-            </a:pPr>
-            <a:r>
-              <a:rPr lang="ja-JP" altLang="en-US" sz="2400" b="0" i="0" dirty="0">
-                <a:effectLst/>
-                <a:latin typeface="YakuHanJPs"/>
-              </a:rPr>
-              <a:t>他人に見られたくない情報は、</a:t>
-            </a:r>
-            <a:r>
-              <a:rPr lang="en-US" altLang="ja-JP" sz="2400" b="0" i="0" dirty="0">
-                <a:effectLst/>
-                <a:latin typeface="YakuHanJPs"/>
-              </a:rPr>
-              <a:t>GET</a:t>
-            </a:r>
-            <a:r>
-              <a:rPr lang="ja-JP" altLang="en-US" sz="2400" b="0" i="0" dirty="0">
-                <a:effectLst/>
-                <a:latin typeface="YakuHanJPs"/>
-              </a:rPr>
-              <a:t>では送らない（後述する）</a:t>
-            </a:r>
-          </a:p>
-          <a:p>
-            <a:pPr algn="l">
-              <a:buFont typeface="Arial" panose="020B0604020202020204" pitchFamily="34" charset="0"/>
-              <a:buChar char="•"/>
-            </a:pPr>
-            <a:r>
-              <a:rPr lang="ja-JP" altLang="en-US" sz="2400" b="0" i="0" dirty="0">
-                <a:effectLst/>
-                <a:latin typeface="YakuHanJPs"/>
-              </a:rPr>
-              <a:t>送信できるデータ量に制限がある</a:t>
-            </a:r>
-          </a:p>
-          <a:p>
-            <a:pPr algn="l">
-              <a:buFont typeface="Arial" panose="020B0604020202020204" pitchFamily="34" charset="0"/>
-              <a:buChar char="•"/>
-            </a:pPr>
-            <a:r>
-              <a:rPr lang="ja-JP" altLang="en-US" sz="2400" b="0" i="0" dirty="0">
-                <a:effectLst/>
-                <a:latin typeface="YakuHanJPs"/>
-              </a:rPr>
-              <a:t>ブックマークに保存する場合</a:t>
-            </a:r>
-          </a:p>
-          <a:p>
-            <a:pPr algn="l">
-              <a:buFont typeface="Arial" panose="020B0604020202020204" pitchFamily="34" charset="0"/>
-              <a:buChar char="•"/>
-            </a:pPr>
-            <a:r>
-              <a:rPr lang="ja-JP" altLang="en-US" sz="2400" b="0" i="0" dirty="0">
-                <a:effectLst/>
-                <a:latin typeface="YakuHanJPs"/>
-              </a:rPr>
-              <a:t>テキストデータのみ送信できる（バイナリデータは送信できない）</a:t>
-            </a:r>
-            <a:endParaRPr lang="en-US" altLang="ja-JP" sz="2400" b="0" i="0" dirty="0">
-              <a:effectLst/>
-              <a:latin typeface="YakuHanJPs"/>
-            </a:endParaRPr>
-          </a:p>
-          <a:p>
-            <a:pPr algn="l">
-              <a:buFont typeface="Arial" panose="020B0604020202020204" pitchFamily="34" charset="0"/>
-              <a:buChar char="•"/>
-            </a:pPr>
-            <a:endParaRPr lang="en-US" altLang="ja-JP" dirty="0">
-              <a:latin typeface="YakuHanJPs"/>
-            </a:endParaRPr>
-          </a:p>
-          <a:p>
-            <a:pPr algn="l">
-              <a:buFont typeface="Arial" panose="020B0604020202020204" pitchFamily="34" charset="0"/>
-              <a:buChar char="•"/>
-            </a:pPr>
-            <a:endParaRPr lang="en-US" altLang="ja-JP" b="0" i="0" dirty="0">
-              <a:effectLst/>
-              <a:latin typeface="YakuHanJPs"/>
-            </a:endParaRPr>
-          </a:p>
-          <a:p>
-            <a:pPr algn="l"/>
-            <a:r>
-              <a:rPr lang="ja-JP" altLang="en-US" dirty="0">
-                <a:latin typeface="YakuHanJPs"/>
-              </a:rPr>
-              <a:t>データのやり取りはクエストリングのみ</a:t>
-            </a:r>
-            <a:endParaRPr lang="en-US" altLang="ja-JP" b="0" i="0" dirty="0">
-              <a:effectLst/>
-              <a:latin typeface="YakuHanJPs"/>
-            </a:endParaRPr>
-          </a:p>
-          <a:p>
-            <a:pPr algn="l"/>
-            <a:endParaRPr lang="en-US" altLang="ja-JP" sz="2800" b="0" i="0" dirty="0">
-              <a:effectLst/>
-              <a:latin typeface="SFMono-Regular"/>
-            </a:endParaRPr>
-          </a:p>
-          <a:p>
-            <a:pPr algn="l"/>
-            <a:r>
-              <a:rPr lang="en-US" altLang="ja-JP" sz="2400" b="0" i="0" dirty="0">
-                <a:effectLst/>
-                <a:latin typeface="SFMono-Regular"/>
-              </a:rPr>
-              <a:t>http://example.com/foo?name1=value1&amp;name2=value2 </a:t>
-            </a:r>
-            <a:endParaRPr lang="ja-JP" altLang="en-US" sz="2400" b="0" i="0" dirty="0">
-              <a:effectLst/>
-              <a:latin typeface="YakuHanJPs"/>
-            </a:endParaRPr>
-          </a:p>
-          <a:p>
-            <a:endParaRPr kumimoji="1" lang="en-US" altLang="ja-JP" dirty="0"/>
-          </a:p>
-          <a:p>
-            <a:r>
-              <a:rPr lang="ja-JP" altLang="en-US" dirty="0"/>
-              <a:t>のような形式のみである。</a:t>
-            </a:r>
-            <a:endParaRPr lang="en-US" altLang="ja-JP" dirty="0"/>
-          </a:p>
-          <a:p>
-            <a:r>
-              <a:rPr lang="ja-JP" altLang="en-US" dirty="0"/>
-              <a:t>上記は、</a:t>
-            </a:r>
-            <a:r>
-              <a:rPr lang="en-US" altLang="ja-JP" sz="1800" b="0" i="0" dirty="0">
-                <a:effectLst/>
-                <a:latin typeface="SFMono-Regular"/>
-              </a:rPr>
-              <a:t> </a:t>
-            </a:r>
-            <a:r>
-              <a:rPr lang="en-US" altLang="ja-JP" sz="1800" b="0" i="0" dirty="0">
-                <a:effectLst/>
-                <a:latin typeface="SFMono-Regular"/>
-                <a:hlinkClick r:id="rId2"/>
-              </a:rPr>
-              <a:t>http://example.com/foo</a:t>
-            </a:r>
-            <a:r>
-              <a:rPr lang="en-US" altLang="ja-JP" sz="1800" b="0" i="0" dirty="0">
-                <a:effectLst/>
-                <a:latin typeface="SFMono-Regular"/>
-              </a:rPr>
-              <a:t> </a:t>
-            </a:r>
-            <a:r>
-              <a:rPr lang="ja-JP" altLang="en-US" sz="1800" b="0" i="0" dirty="0">
-                <a:effectLst/>
-                <a:latin typeface="SFMono-Regular"/>
-              </a:rPr>
-              <a:t>にデータを渡し、</a:t>
-            </a:r>
-            <a:endParaRPr lang="en-US" altLang="ja-JP" sz="1800" b="0" i="0" dirty="0">
-              <a:effectLst/>
-              <a:latin typeface="SFMono-Regular"/>
-            </a:endParaRPr>
-          </a:p>
-          <a:p>
-            <a:r>
-              <a:rPr lang="ja-JP" altLang="en-US" dirty="0">
-                <a:latin typeface="SFMono-Regular"/>
-              </a:rPr>
-              <a:t>そのデータを持った状態で</a:t>
-            </a:r>
-            <a:r>
-              <a:rPr lang="en-US" altLang="ja-JP" sz="1800" b="0" i="0" dirty="0">
-                <a:effectLst/>
-                <a:latin typeface="SFMono-Regular"/>
-              </a:rPr>
-              <a:t> </a:t>
-            </a:r>
-            <a:r>
-              <a:rPr lang="en-US" altLang="ja-JP" sz="1800" b="0" i="0" dirty="0">
-                <a:effectLst/>
-                <a:latin typeface="SFMono-Regular"/>
-                <a:hlinkClick r:id="rId2"/>
-              </a:rPr>
-              <a:t>http://example.com/foo</a:t>
-            </a:r>
-            <a:endParaRPr lang="en-US" altLang="ja-JP" dirty="0">
-              <a:latin typeface="SFMono-Regular"/>
-            </a:endParaRPr>
-          </a:p>
-          <a:p>
-            <a:r>
-              <a:rPr lang="ja-JP" altLang="en-US" sz="1800" b="0" i="0" dirty="0">
-                <a:effectLst/>
-                <a:latin typeface="SFMono-Regular"/>
-              </a:rPr>
-              <a:t>が実行された結果を受け取る</a:t>
-            </a:r>
-            <a:r>
-              <a:rPr lang="ja-JP" altLang="en-US" dirty="0">
-                <a:latin typeface="SFMono-Regular"/>
-              </a:rPr>
-              <a:t>。</a:t>
-            </a:r>
-            <a:endParaRPr lang="en-US" altLang="ja-JP" dirty="0"/>
-          </a:p>
-          <a:p>
-            <a:endParaRPr kumimoji="1" lang="ja-JP" altLang="en-US" dirty="0"/>
-          </a:p>
-        </p:txBody>
-      </p:sp>
-      <p:sp>
-        <p:nvSpPr>
-          <p:cNvPr id="4" name="テキスト ボックス 3">
-            <a:extLst>
-              <a:ext uri="{FF2B5EF4-FFF2-40B4-BE49-F238E27FC236}">
-                <a16:creationId xmlns:a16="http://schemas.microsoft.com/office/drawing/2014/main" id="{DA67BEDB-4BC1-486F-BB79-36C9FC323BE5}"/>
-              </a:ext>
-            </a:extLst>
-          </p:cNvPr>
-          <p:cNvSpPr txBox="1"/>
-          <p:nvPr/>
-        </p:nvSpPr>
-        <p:spPr>
-          <a:xfrm>
-            <a:off x="836341" y="6243392"/>
-            <a:ext cx="3918637" cy="369332"/>
-          </a:xfrm>
-          <a:prstGeom prst="rect">
-            <a:avLst/>
-          </a:prstGeom>
-          <a:noFill/>
-        </p:spPr>
-        <p:txBody>
-          <a:bodyPr wrap="none" rtlCol="0">
-            <a:spAutoFit/>
-          </a:bodyPr>
-          <a:lstStyle/>
-          <a:p>
-            <a:r>
-              <a:rPr lang="ja-JP" altLang="en-US" dirty="0"/>
-              <a:t>参考：　</a:t>
-            </a:r>
-            <a:r>
-              <a:rPr lang="en-US" altLang="ja-JP" b="1" i="0" dirty="0">
-                <a:effectLst/>
-                <a:latin typeface="YakuHanJPs"/>
-              </a:rPr>
-              <a:t> HTTP</a:t>
-            </a:r>
-            <a:r>
-              <a:rPr lang="ja-JP" altLang="en-US" b="1" i="0" dirty="0">
-                <a:effectLst/>
-                <a:latin typeface="YakuHanJPs"/>
-              </a:rPr>
-              <a:t>と</a:t>
-            </a:r>
-            <a:r>
-              <a:rPr lang="en-US" altLang="ja-JP" b="1" i="0" dirty="0">
-                <a:effectLst/>
-                <a:latin typeface="YakuHanJPs"/>
-              </a:rPr>
-              <a:t>POST</a:t>
-            </a:r>
-            <a:r>
-              <a:rPr lang="ja-JP" altLang="en-US" b="1" i="0" dirty="0">
-                <a:effectLst/>
-                <a:latin typeface="YakuHanJPs"/>
-              </a:rPr>
-              <a:t>と</a:t>
-            </a:r>
-            <a:r>
-              <a:rPr lang="en-US" altLang="ja-JP" b="1" i="0" dirty="0">
-                <a:effectLst/>
-                <a:latin typeface="YakuHanJPs"/>
-              </a:rPr>
-              <a:t>GET</a:t>
-            </a:r>
-            <a:r>
-              <a:rPr lang="ja-JP" altLang="en-US" b="1" i="0" dirty="0">
-                <a:effectLst/>
-                <a:latin typeface="YakuHanJPs"/>
-              </a:rPr>
-              <a:t>　で検索</a:t>
-            </a:r>
-            <a:endParaRPr lang="en-US" altLang="ja-JP" b="1" i="0" dirty="0">
-              <a:effectLst/>
-              <a:latin typeface="YakuHanJPs"/>
-            </a:endParaRPr>
-          </a:p>
-        </p:txBody>
-      </p:sp>
-      <p:pic>
-        <p:nvPicPr>
-          <p:cNvPr id="7" name="図 6">
-            <a:extLst>
-              <a:ext uri="{FF2B5EF4-FFF2-40B4-BE49-F238E27FC236}">
-                <a16:creationId xmlns:a16="http://schemas.microsoft.com/office/drawing/2014/main" id="{6B15B31E-F51D-40E1-ACC3-CCEED75A77F6}"/>
-              </a:ext>
-            </a:extLst>
-          </p:cNvPr>
-          <p:cNvPicPr>
-            <a:picLocks noChangeAspect="1"/>
-          </p:cNvPicPr>
-          <p:nvPr/>
-        </p:nvPicPr>
-        <p:blipFill>
-          <a:blip r:embed="rId3">
-            <a:extLst>
-              <a:ext uri="{28A0092B-C50C-407E-A947-70E740481C1C}">
-                <a14:useLocalDpi xmlns:a14="http://schemas.microsoft.com/office/drawing/2010/main" val="0"/>
-              </a:ext>
-            </a:extLst>
-          </a:blip>
-          <a:stretch>
-            <a:fillRect/>
-          </a:stretch>
-        </p:blipFill>
-        <p:spPr>
-          <a:xfrm>
-            <a:off x="7453707" y="4043608"/>
-            <a:ext cx="4738293" cy="2814392"/>
-          </a:xfrm>
-          <a:prstGeom prst="rect">
-            <a:avLst/>
-          </a:prstGeom>
-        </p:spPr>
-      </p:pic>
-      <p:sp>
-        <p:nvSpPr>
-          <p:cNvPr id="8" name="テキスト ボックス 7">
-            <a:extLst>
-              <a:ext uri="{FF2B5EF4-FFF2-40B4-BE49-F238E27FC236}">
-                <a16:creationId xmlns:a16="http://schemas.microsoft.com/office/drawing/2014/main" id="{F50763A0-33E2-4058-9F8D-6A91EB36ADD2}"/>
-              </a:ext>
-            </a:extLst>
-          </p:cNvPr>
-          <p:cNvSpPr txBox="1"/>
-          <p:nvPr/>
-        </p:nvSpPr>
-        <p:spPr>
-          <a:xfrm>
-            <a:off x="8095785" y="3674276"/>
-            <a:ext cx="3642344" cy="369332"/>
-          </a:xfrm>
-          <a:prstGeom prst="rect">
-            <a:avLst/>
-          </a:prstGeom>
-        </p:spPr>
-        <p:style>
-          <a:lnRef idx="2">
-            <a:schemeClr val="accent2"/>
-          </a:lnRef>
-          <a:fillRef idx="1">
-            <a:schemeClr val="lt1"/>
-          </a:fillRef>
-          <a:effectRef idx="0">
-            <a:schemeClr val="accent2"/>
-          </a:effectRef>
-          <a:fontRef idx="minor">
-            <a:schemeClr val="dk1"/>
-          </a:fontRef>
-        </p:style>
-        <p:txBody>
-          <a:bodyPr wrap="none" rtlCol="0">
-            <a:spAutoFit/>
-          </a:bodyPr>
-          <a:lstStyle/>
-          <a:p>
-            <a:r>
-              <a:rPr kumimoji="1" lang="ja-JP" altLang="en-US" dirty="0"/>
-              <a:t>以下はクエリ文字列の無い</a:t>
-            </a:r>
-            <a:r>
-              <a:rPr kumimoji="1" lang="en-US" altLang="ja-JP" dirty="0"/>
-              <a:t>GET</a:t>
-            </a:r>
-            <a:r>
-              <a:rPr kumimoji="1" lang="ja-JP" altLang="en-US" dirty="0"/>
-              <a:t>文</a:t>
-            </a:r>
-          </a:p>
-        </p:txBody>
-      </p:sp>
-    </p:spTree>
-    <p:extLst>
-      <p:ext uri="{BB962C8B-B14F-4D97-AF65-F5344CB8AC3E}">
-        <p14:creationId xmlns:p14="http://schemas.microsoft.com/office/powerpoint/2010/main" val="63570945"/>
-      </p:ext>
-    </p:extLst>
-  </p:cSld>
-  <p:clrMapOvr>
-    <a:masterClrMapping/>
-  </p:clrMapOvr>
-</p:sld>
-</file>
-
-<file path=ppt/slides/slide8.xml><?xml version="1.0" encoding="utf-8"?>
-<p:sld xmlns:a="http://schemas.openxmlformats.org/drawingml/2006/main" xmlns:r="http://schemas.openxmlformats.org/officeDocument/2006/relationships" xmlns:p="http://schemas.openxmlformats.org/presentationml/2006/main">
-  <p:cSld>
-    <p:spTree>
-      <p:nvGrpSpPr>
-        <p:cNvPr id="1" name=""/>
-        <p:cNvGrpSpPr/>
-        <p:nvPr/>
-      </p:nvGrpSpPr>
-      <p:grpSpPr>
-        <a:xfrm>
-          <a:off x="0" y="0"/>
-          <a:ext cx="0" cy="0"/>
-          <a:chOff x="0" y="0"/>
-          <a:chExt cx="0" cy="0"/>
-        </a:xfrm>
-      </p:grpSpPr>
-      <p:sp>
-        <p:nvSpPr>
-          <p:cNvPr id="5" name="タイトル 4">
-            <a:extLst>
-              <a:ext uri="{FF2B5EF4-FFF2-40B4-BE49-F238E27FC236}">
-                <a16:creationId xmlns:a16="http://schemas.microsoft.com/office/drawing/2014/main" id="{EE4AD890-877B-4BD6-B413-DD02F4812BAD}"/>
-              </a:ext>
-            </a:extLst>
-          </p:cNvPr>
-          <p:cNvSpPr>
-            <a:spLocks noGrp="1"/>
-          </p:cNvSpPr>
-          <p:nvPr>
-            <p:ph type="title"/>
-          </p:nvPr>
-        </p:nvSpPr>
-        <p:spPr>
-          <a:xfrm>
-            <a:off x="236034" y="309369"/>
-            <a:ext cx="10515600" cy="738846"/>
-          </a:xfrm>
-        </p:spPr>
-        <p:txBody>
-          <a:bodyPr>
-            <a:normAutofit/>
-          </a:bodyPr>
-          <a:lstStyle/>
-          <a:p>
-            <a:r>
-              <a:rPr lang="en-US" altLang="ja-JP" sz="3200" dirty="0"/>
-              <a:t>POST</a:t>
-            </a:r>
-          </a:p>
-        </p:txBody>
-      </p:sp>
-      <p:sp>
-        <p:nvSpPr>
-          <p:cNvPr id="3" name="テキスト ボックス 2">
-            <a:extLst>
-              <a:ext uri="{FF2B5EF4-FFF2-40B4-BE49-F238E27FC236}">
-                <a16:creationId xmlns:a16="http://schemas.microsoft.com/office/drawing/2014/main" id="{7661C505-A9B3-47A6-8139-236012188EA3}"/>
-              </a:ext>
-            </a:extLst>
-          </p:cNvPr>
-          <p:cNvSpPr txBox="1"/>
-          <p:nvPr/>
-        </p:nvSpPr>
-        <p:spPr>
-          <a:xfrm>
-            <a:off x="459058" y="1137424"/>
-            <a:ext cx="11273884" cy="4616648"/>
-          </a:xfrm>
-          <a:prstGeom prst="rect">
-            <a:avLst/>
-          </a:prstGeom>
-          <a:noFill/>
-        </p:spPr>
-        <p:txBody>
-          <a:bodyPr wrap="square" rtlCol="0">
-            <a:spAutoFit/>
-          </a:bodyPr>
-          <a:lstStyle/>
-          <a:p>
-            <a:pPr algn="l">
-              <a:buFont typeface="Arial" panose="020B0604020202020204" pitchFamily="34" charset="0"/>
-              <a:buChar char="•"/>
-            </a:pPr>
-            <a:r>
-              <a:rPr lang="en-US" altLang="ja-JP" sz="2400" b="0" i="0" dirty="0">
-                <a:effectLst/>
-                <a:latin typeface="YakuHanJPs"/>
-              </a:rPr>
-              <a:t>HTTP</a:t>
-            </a:r>
-            <a:r>
-              <a:rPr lang="ja-JP" altLang="en-US" sz="2400" b="0" i="0" dirty="0">
-                <a:effectLst/>
-                <a:latin typeface="YakuHanJPs"/>
-              </a:rPr>
-              <a:t>通信で、サーバへ情報を登録する時に使用する</a:t>
-            </a:r>
-          </a:p>
-          <a:p>
-            <a:pPr algn="l">
-              <a:buFont typeface="Arial" panose="020B0604020202020204" pitchFamily="34" charset="0"/>
-              <a:buChar char="•"/>
-            </a:pPr>
-            <a:r>
-              <a:rPr lang="ja-JP" altLang="en-US" sz="2400" b="0" i="0" dirty="0">
-                <a:effectLst/>
-                <a:latin typeface="YakuHanJPs"/>
-              </a:rPr>
-              <a:t>データ量が多い場合（</a:t>
-            </a:r>
-            <a:r>
-              <a:rPr lang="en-US" altLang="ja-JP" sz="2400" b="0" i="0" dirty="0">
-                <a:effectLst/>
-                <a:latin typeface="YakuHanJPs"/>
-              </a:rPr>
-              <a:t>GET</a:t>
-            </a:r>
-            <a:r>
-              <a:rPr lang="ja-JP" altLang="en-US" sz="2400" b="0" i="0" dirty="0">
-                <a:effectLst/>
-                <a:latin typeface="YakuHanJPs"/>
-              </a:rPr>
-              <a:t>でのデータ送信量制限を超えてしまう場合）</a:t>
-            </a:r>
-          </a:p>
-          <a:p>
-            <a:pPr algn="l">
-              <a:buFont typeface="Arial" panose="020B0604020202020204" pitchFamily="34" charset="0"/>
-              <a:buChar char="•"/>
-            </a:pPr>
-            <a:r>
-              <a:rPr lang="ja-JP" altLang="en-US" sz="2400" b="0" i="0" dirty="0">
-                <a:effectLst/>
-                <a:latin typeface="YakuHanJPs"/>
-              </a:rPr>
-              <a:t>バイナリデータを送信したい場合</a:t>
-            </a:r>
-          </a:p>
-          <a:p>
-            <a:pPr algn="l">
-              <a:buFont typeface="Arial" panose="020B0604020202020204" pitchFamily="34" charset="0"/>
-              <a:buChar char="•"/>
-            </a:pPr>
-            <a:r>
-              <a:rPr lang="ja-JP" altLang="en-US" sz="2400" b="0" i="0" dirty="0">
-                <a:effectLst/>
-                <a:latin typeface="YakuHanJPs"/>
-              </a:rPr>
-              <a:t>他の人に見られたくない情報を送る場合（パスワードなど）</a:t>
-            </a:r>
-          </a:p>
-          <a:p>
-            <a:pPr algn="l"/>
-            <a:endParaRPr lang="en-US" altLang="ja-JP" dirty="0">
-              <a:latin typeface="YakuHanJPs"/>
-            </a:endParaRPr>
-          </a:p>
-          <a:p>
-            <a:pPr algn="l"/>
-            <a:r>
-              <a:rPr lang="ja-JP" altLang="en-US" dirty="0">
-                <a:latin typeface="YakuHanJPs"/>
-              </a:rPr>
-              <a:t>データを送る際は</a:t>
-            </a:r>
-            <a:r>
-              <a:rPr lang="en-US" altLang="ja-JP" dirty="0">
-                <a:latin typeface="YakuHanJPs"/>
-              </a:rPr>
-              <a:t>URL</a:t>
-            </a:r>
-            <a:r>
-              <a:rPr lang="ja-JP" altLang="en-US" dirty="0">
-                <a:latin typeface="YakuHanJPs"/>
-              </a:rPr>
-              <a:t>にクエリ文字列を付けるのではなく、</a:t>
-            </a:r>
-            <a:endParaRPr lang="en-US" altLang="ja-JP" dirty="0">
-              <a:latin typeface="YakuHanJPs"/>
-            </a:endParaRPr>
-          </a:p>
-          <a:p>
-            <a:pPr algn="l"/>
-            <a:r>
-              <a:rPr lang="ja-JP" altLang="en-US" dirty="0">
-                <a:latin typeface="YakuHanJPs"/>
-              </a:rPr>
-              <a:t>リクエストボディにデータを付ける。</a:t>
-            </a:r>
-            <a:endParaRPr lang="en-US" altLang="ja-JP" dirty="0">
-              <a:latin typeface="YakuHanJPs"/>
-            </a:endParaRPr>
-          </a:p>
-          <a:p>
-            <a:pPr algn="l"/>
-            <a:r>
-              <a:rPr lang="ja-JP" altLang="en-US" dirty="0">
-                <a:latin typeface="YakuHanJPs"/>
-              </a:rPr>
-              <a:t>実際の例は右。</a:t>
-            </a:r>
-            <a:endParaRPr lang="en-US" altLang="ja-JP" dirty="0">
-              <a:latin typeface="YakuHanJPs"/>
-            </a:endParaRPr>
-          </a:p>
-          <a:p>
-            <a:pPr algn="l"/>
-            <a:endParaRPr lang="en-US" altLang="ja-JP" dirty="0">
-              <a:latin typeface="YakuHanJPs"/>
-            </a:endParaRPr>
-          </a:p>
-          <a:p>
-            <a:pPr algn="l"/>
-            <a:r>
-              <a:rPr lang="ja-JP" altLang="en-US" dirty="0">
-                <a:latin typeface="YakuHanJPs"/>
-              </a:rPr>
-              <a:t>通信上では素材するが、</a:t>
-            </a:r>
-            <a:endParaRPr lang="en-US" altLang="ja-JP" dirty="0">
-              <a:latin typeface="YakuHanJPs"/>
-            </a:endParaRPr>
-          </a:p>
-          <a:p>
-            <a:pPr algn="l"/>
-            <a:r>
-              <a:rPr lang="ja-JP" altLang="en-US" dirty="0">
-                <a:latin typeface="YakuHanJPs"/>
-              </a:rPr>
-              <a:t>リクエスト上には無くなるので秘匿できる。</a:t>
-            </a:r>
-            <a:endParaRPr lang="en-US" altLang="ja-JP" dirty="0">
-              <a:latin typeface="YakuHanJPs"/>
-            </a:endParaRPr>
-          </a:p>
-          <a:p>
-            <a:pPr algn="l"/>
-            <a:endParaRPr lang="en-US" altLang="ja-JP" dirty="0">
-              <a:latin typeface="YakuHanJPs"/>
-            </a:endParaRPr>
-          </a:p>
-          <a:p>
-            <a:pPr algn="l"/>
-            <a:r>
-              <a:rPr lang="ja-JP" altLang="en-US" dirty="0">
-                <a:latin typeface="YakuHanJPs"/>
-              </a:rPr>
-              <a:t>右は</a:t>
-            </a:r>
-            <a:endParaRPr lang="en-US" altLang="ja-JP" dirty="0">
-              <a:latin typeface="YakuHanJPs"/>
-            </a:endParaRPr>
-          </a:p>
-          <a:p>
-            <a:pPr algn="l"/>
-            <a:r>
-              <a:rPr lang="en-US" altLang="ja-JP" dirty="0">
-                <a:latin typeface="YakuHanJPs"/>
-              </a:rPr>
-              <a:t>name=“</a:t>
-            </a:r>
-            <a:r>
-              <a:rPr lang="en-US" altLang="ja-JP" dirty="0" err="1">
-                <a:latin typeface="YakuHanJPs"/>
-              </a:rPr>
-              <a:t>hoge</a:t>
-            </a:r>
-            <a:r>
-              <a:rPr lang="en-US" altLang="ja-JP" dirty="0">
-                <a:latin typeface="YakuHanJPs"/>
-              </a:rPr>
-              <a:t>”</a:t>
-            </a:r>
-          </a:p>
-          <a:p>
-            <a:pPr algn="l"/>
-            <a:r>
-              <a:rPr lang="en-US" altLang="ja-JP" dirty="0">
-                <a:latin typeface="YakuHanJPs"/>
-              </a:rPr>
-              <a:t>Comment-”</a:t>
-            </a:r>
-            <a:r>
-              <a:rPr lang="en-US" altLang="ja-JP" dirty="0" err="1">
-                <a:latin typeface="YakuHanJPs"/>
-              </a:rPr>
-              <a:t>hoge</a:t>
-            </a:r>
-            <a:r>
-              <a:rPr lang="en-US" altLang="ja-JP" dirty="0">
-                <a:latin typeface="YakuHanJPs"/>
-              </a:rPr>
-              <a:t>” </a:t>
-            </a:r>
-            <a:r>
-              <a:rPr lang="ja-JP" altLang="en-US" dirty="0">
-                <a:latin typeface="YakuHanJPs"/>
-              </a:rPr>
-              <a:t>を送っている。</a:t>
-            </a:r>
-            <a:endParaRPr lang="en-US" altLang="ja-JP" dirty="0">
-              <a:latin typeface="YakuHanJPs"/>
-            </a:endParaRPr>
-          </a:p>
-        </p:txBody>
-      </p:sp>
-      <p:sp>
-        <p:nvSpPr>
-          <p:cNvPr id="4" name="テキスト ボックス 3">
-            <a:extLst>
-              <a:ext uri="{FF2B5EF4-FFF2-40B4-BE49-F238E27FC236}">
-                <a16:creationId xmlns:a16="http://schemas.microsoft.com/office/drawing/2014/main" id="{DA67BEDB-4BC1-486F-BB79-36C9FC323BE5}"/>
-              </a:ext>
-            </a:extLst>
-          </p:cNvPr>
-          <p:cNvSpPr txBox="1"/>
-          <p:nvPr/>
-        </p:nvSpPr>
-        <p:spPr>
-          <a:xfrm>
-            <a:off x="591015" y="5999092"/>
-            <a:ext cx="3918637" cy="369332"/>
-          </a:xfrm>
-          <a:prstGeom prst="rect">
-            <a:avLst/>
-          </a:prstGeom>
-          <a:noFill/>
-        </p:spPr>
-        <p:txBody>
-          <a:bodyPr wrap="none" rtlCol="0">
-            <a:spAutoFit/>
-          </a:bodyPr>
-          <a:lstStyle/>
-          <a:p>
-            <a:r>
-              <a:rPr lang="ja-JP" altLang="en-US" dirty="0"/>
-              <a:t>参考：　</a:t>
-            </a:r>
-            <a:r>
-              <a:rPr lang="en-US" altLang="ja-JP" b="1" i="0" dirty="0">
-                <a:effectLst/>
-                <a:latin typeface="YakuHanJPs"/>
-              </a:rPr>
-              <a:t> HTTP</a:t>
-            </a:r>
-            <a:r>
-              <a:rPr lang="ja-JP" altLang="en-US" b="1" i="0" dirty="0">
-                <a:effectLst/>
-                <a:latin typeface="YakuHanJPs"/>
-              </a:rPr>
-              <a:t>と</a:t>
-            </a:r>
-            <a:r>
-              <a:rPr lang="en-US" altLang="ja-JP" b="1" i="0" dirty="0">
-                <a:effectLst/>
-                <a:latin typeface="YakuHanJPs"/>
-              </a:rPr>
-              <a:t>POST</a:t>
-            </a:r>
-            <a:r>
-              <a:rPr lang="ja-JP" altLang="en-US" b="1" i="0" dirty="0">
-                <a:effectLst/>
-                <a:latin typeface="YakuHanJPs"/>
-              </a:rPr>
-              <a:t>と</a:t>
-            </a:r>
-            <a:r>
-              <a:rPr lang="en-US" altLang="ja-JP" b="1" i="0" dirty="0">
-                <a:effectLst/>
-                <a:latin typeface="YakuHanJPs"/>
-              </a:rPr>
-              <a:t>GET</a:t>
-            </a:r>
-            <a:r>
-              <a:rPr lang="ja-JP" altLang="en-US" b="1" i="0" dirty="0">
-                <a:effectLst/>
-                <a:latin typeface="YakuHanJPs"/>
-              </a:rPr>
-              <a:t>　で検索</a:t>
-            </a:r>
-            <a:endParaRPr lang="en-US" altLang="ja-JP" b="1" i="0" dirty="0">
-              <a:effectLst/>
-              <a:latin typeface="YakuHanJPs"/>
-            </a:endParaRPr>
-          </a:p>
-        </p:txBody>
-      </p:sp>
-      <p:pic>
-        <p:nvPicPr>
-          <p:cNvPr id="6" name="図 5">
-            <a:extLst>
-              <a:ext uri="{FF2B5EF4-FFF2-40B4-BE49-F238E27FC236}">
-                <a16:creationId xmlns:a16="http://schemas.microsoft.com/office/drawing/2014/main" id="{A1E8D0C6-9C52-48E4-B627-E5DE89357FC2}"/>
-              </a:ext>
-            </a:extLst>
-          </p:cNvPr>
-          <p:cNvPicPr>
-            <a:picLocks noChangeAspect="1"/>
-          </p:cNvPicPr>
-          <p:nvPr/>
-        </p:nvPicPr>
-        <p:blipFill>
-          <a:blip r:embed="rId2">
-            <a:extLst>
-              <a:ext uri="{28A0092B-C50C-407E-A947-70E740481C1C}">
-                <a14:useLocalDpi xmlns:a14="http://schemas.microsoft.com/office/drawing/2010/main" val="0"/>
-              </a:ext>
-            </a:extLst>
-          </a:blip>
-          <a:stretch>
-            <a:fillRect/>
-          </a:stretch>
-        </p:blipFill>
-        <p:spPr>
-          <a:xfrm>
-            <a:off x="7929818" y="2618614"/>
-            <a:ext cx="3918636" cy="4117467"/>
-          </a:xfrm>
-          <a:prstGeom prst="rect">
-            <a:avLst/>
-          </a:prstGeom>
-        </p:spPr>
-      </p:pic>
-      <p:sp>
-        <p:nvSpPr>
-          <p:cNvPr id="8" name="楕円 7">
-            <a:extLst>
-              <a:ext uri="{FF2B5EF4-FFF2-40B4-BE49-F238E27FC236}">
-                <a16:creationId xmlns:a16="http://schemas.microsoft.com/office/drawing/2014/main" id="{76E94D81-7CB6-40AB-8A77-7EF3A6D17FB2}"/>
-              </a:ext>
-            </a:extLst>
-          </p:cNvPr>
-          <p:cNvSpPr/>
-          <p:nvPr/>
-        </p:nvSpPr>
-        <p:spPr>
-          <a:xfrm>
-            <a:off x="7929818" y="6403293"/>
-            <a:ext cx="2263697" cy="290676"/>
-          </a:xfrm>
-          <a:prstGeom prst="ellipse">
-            <a:avLst/>
-          </a:prstGeom>
-          <a:noFill/>
-          <a:ln>
-            <a:solidFill>
-              <a:srgbClr val="FF0000"/>
-            </a:solidFill>
-          </a:ln>
-        </p:spPr>
-        <p:style>
-          <a:lnRef idx="2">
-            <a:schemeClr val="accent1">
-              <a:shade val="50000"/>
-            </a:schemeClr>
-          </a:lnRef>
-          <a:fillRef idx="1">
-            <a:schemeClr val="accent1"/>
-          </a:fillRef>
-          <a:effectRef idx="0">
-            <a:schemeClr val="accent1"/>
-          </a:effectRef>
-          <a:fontRef idx="minor">
-            <a:schemeClr val="lt1"/>
-          </a:fontRef>
-        </p:style>
-        <p:txBody>
-          <a:bodyPr rtlCol="0" anchor="ctr"/>
-          <a:lstStyle/>
-          <a:p>
-            <a:pPr algn="ctr"/>
-            <a:endParaRPr kumimoji="1" lang="ja-JP" altLang="en-US"/>
-          </a:p>
-        </p:txBody>
-      </p:sp>
-    </p:spTree>
-    <p:extLst>
-      <p:ext uri="{BB962C8B-B14F-4D97-AF65-F5344CB8AC3E}">
-        <p14:creationId xmlns:p14="http://schemas.microsoft.com/office/powerpoint/2010/main" val="204759510"/>
-      </p:ext>
-    </p:extLst>
-  </p:cSld>
-  <p:clrMapOvr>
-    <a:masterClrMapping/>
-  </p:clrMapOvr>
-</p:sld>
-</file>
-
-<file path=ppt/slides/slide9.xml><?xml version="1.0" encoding="utf-8"?>
-<p:sld xmlns:a="http://schemas.openxmlformats.org/drawingml/2006/main" xmlns:r="http://schemas.openxmlformats.org/officeDocument/2006/relationships" xmlns:p="http://schemas.openxmlformats.org/presentationml/2006/main">
-  <p:cSld>
-    <p:spTree>
-      <p:nvGrpSpPr>
-        <p:cNvPr id="1" name=""/>
-        <p:cNvGrpSpPr/>
-        <p:nvPr/>
-      </p:nvGrpSpPr>
-      <p:grpSpPr>
-        <a:xfrm>
-          <a:off x="0" y="0"/>
-          <a:ext cx="0" cy="0"/>
-          <a:chOff x="0" y="0"/>
-          <a:chExt cx="0" cy="0"/>
-        </a:xfrm>
-      </p:grpSpPr>
-      <p:sp>
-        <p:nvSpPr>
-          <p:cNvPr id="5" name="タイトル 4">
-            <a:extLst>
-              <a:ext uri="{FF2B5EF4-FFF2-40B4-BE49-F238E27FC236}">
-                <a16:creationId xmlns:a16="http://schemas.microsoft.com/office/drawing/2014/main" id="{EE4AD890-877B-4BD6-B413-DD02F4812BAD}"/>
-              </a:ext>
-            </a:extLst>
-          </p:cNvPr>
-          <p:cNvSpPr>
-            <a:spLocks noGrp="1"/>
-          </p:cNvSpPr>
-          <p:nvPr>
-            <p:ph type="title"/>
-          </p:nvPr>
-        </p:nvSpPr>
-        <p:spPr>
-          <a:xfrm>
-            <a:off x="236034" y="309369"/>
-            <a:ext cx="10515600" cy="738846"/>
-          </a:xfrm>
-        </p:spPr>
-        <p:txBody>
-          <a:bodyPr>
-            <a:normAutofit/>
-          </a:bodyPr>
-          <a:lstStyle/>
-          <a:p>
-            <a:r>
-              <a:rPr lang="ja-JP" altLang="en-US" sz="3200" dirty="0"/>
-              <a:t>最低限の通信</a:t>
-            </a:r>
-            <a:endParaRPr lang="en-US" altLang="ja-JP" sz="3200" dirty="0"/>
-          </a:p>
-        </p:txBody>
-      </p:sp>
-      <p:sp>
-        <p:nvSpPr>
-          <p:cNvPr id="3" name="テキスト ボックス 2">
-            <a:extLst>
-              <a:ext uri="{FF2B5EF4-FFF2-40B4-BE49-F238E27FC236}">
-                <a16:creationId xmlns:a16="http://schemas.microsoft.com/office/drawing/2014/main" id="{7661C505-A9B3-47A6-8139-236012188EA3}"/>
-              </a:ext>
-            </a:extLst>
-          </p:cNvPr>
-          <p:cNvSpPr txBox="1"/>
-          <p:nvPr/>
-        </p:nvSpPr>
-        <p:spPr>
-          <a:xfrm>
-            <a:off x="459058" y="1795346"/>
-            <a:ext cx="11273884" cy="3539430"/>
-          </a:xfrm>
-          <a:prstGeom prst="rect">
-            <a:avLst/>
-          </a:prstGeom>
-          <a:noFill/>
-        </p:spPr>
-        <p:txBody>
-          <a:bodyPr wrap="square" rtlCol="0">
-            <a:spAutoFit/>
-          </a:bodyPr>
-          <a:lstStyle/>
-          <a:p>
-            <a:pPr algn="l"/>
-            <a:r>
-              <a:rPr lang="ja-JP" altLang="en-US" sz="3200" dirty="0">
-                <a:latin typeface="YakuHanJPs"/>
-              </a:rPr>
-              <a:t>ここまでの理解で最低限の通信は出来る。</a:t>
-            </a:r>
-            <a:endParaRPr lang="en-US" altLang="ja-JP" sz="3200" dirty="0">
-              <a:latin typeface="YakuHanJPs"/>
-            </a:endParaRPr>
-          </a:p>
-          <a:p>
-            <a:pPr algn="l"/>
-            <a:endParaRPr lang="en-US" altLang="ja-JP" sz="3200" dirty="0">
-              <a:latin typeface="YakuHanJPs"/>
-            </a:endParaRPr>
-          </a:p>
-          <a:p>
-            <a:pPr algn="l"/>
-            <a:r>
-              <a:rPr lang="ja-JP" altLang="en-US" sz="3200" dirty="0">
-                <a:latin typeface="YakuHanJPs"/>
-              </a:rPr>
-              <a:t>　ネットワーク技術は</a:t>
-            </a:r>
-            <a:endParaRPr lang="en-US" altLang="ja-JP" sz="3200" dirty="0">
-              <a:latin typeface="YakuHanJPs"/>
-            </a:endParaRPr>
-          </a:p>
-          <a:p>
-            <a:pPr algn="l"/>
-            <a:r>
-              <a:rPr lang="ja-JP" altLang="en-US" sz="3200" dirty="0">
-                <a:latin typeface="YakuHanJPs"/>
-              </a:rPr>
-              <a:t>　　　　ゲームの技術よりも陳腐化がめちゃくちゃ遅い。</a:t>
-            </a:r>
-            <a:endParaRPr lang="en-US" altLang="ja-JP" sz="3200" dirty="0">
-              <a:latin typeface="YakuHanJPs"/>
-            </a:endParaRPr>
-          </a:p>
-          <a:p>
-            <a:pPr algn="l"/>
-            <a:endParaRPr lang="en-US" altLang="ja-JP" sz="3200" dirty="0">
-              <a:latin typeface="YakuHanJPs"/>
-            </a:endParaRPr>
-          </a:p>
-          <a:p>
-            <a:pPr algn="l"/>
-            <a:r>
-              <a:rPr lang="ja-JP" altLang="en-US" sz="3200" dirty="0">
-                <a:latin typeface="YakuHanJPs"/>
-              </a:rPr>
-              <a:t>今覚えれば一生使えるので、</a:t>
-            </a:r>
-            <a:endParaRPr lang="en-US" altLang="ja-JP" sz="3200" dirty="0">
-              <a:latin typeface="YakuHanJPs"/>
-            </a:endParaRPr>
-          </a:p>
-          <a:p>
-            <a:pPr algn="l"/>
-            <a:r>
-              <a:rPr lang="ja-JP" altLang="en-US" sz="3200" dirty="0">
-                <a:latin typeface="YakuHanJPs"/>
-              </a:rPr>
-              <a:t>　　　　　　　　　　　頑張っていきましょう。</a:t>
-            </a:r>
-            <a:endParaRPr lang="en-US" altLang="ja-JP" sz="3200" dirty="0">
-              <a:latin typeface="YakuHanJPs"/>
-            </a:endParaRPr>
-          </a:p>
-        </p:txBody>
-      </p:sp>
-    </p:spTree>
-    <p:extLst>
-      <p:ext uri="{BB962C8B-B14F-4D97-AF65-F5344CB8AC3E}">
-        <p14:creationId xmlns:p14="http://schemas.microsoft.com/office/powerpoint/2010/main" val="2353603468"/>
+        <p14:creationId xmlns:p14="http://schemas.microsoft.com/office/powerpoint/2010/main" val="2964623340"/>
       </p:ext>
     </p:extLst>
   </p:cSld>

--- a/2.SecondSemester/2.ネットワーク通信_データベースの基本.pptx
+++ b/2.SecondSemester/2.ネットワーク通信_データベースの基本.pptx
@@ -7,7 +7,12 @@
   <p:sldIdLst>
     <p:sldId id="256" r:id="rId2"/>
     <p:sldId id="257" r:id="rId3"/>
-    <p:sldId id="258" r:id="rId4"/>
+    <p:sldId id="263" r:id="rId4"/>
+    <p:sldId id="260" r:id="rId5"/>
+    <p:sldId id="262" r:id="rId6"/>
+    <p:sldId id="261" r:id="rId7"/>
+    <p:sldId id="258" r:id="rId8"/>
+    <p:sldId id="259" r:id="rId9"/>
   </p:sldIdLst>
   <p:sldSz cx="12192000" cy="6858000"/>
   <p:notesSz cx="6858000" cy="9144000"/>
@@ -3663,6 +3668,62 @@
           </a:p>
         </p:txBody>
       </p:sp>
+      <p:sp>
+        <p:nvSpPr>
+          <p:cNvPr id="3" name="テキスト ボックス 2">
+            <a:extLst>
+              <a:ext uri="{FF2B5EF4-FFF2-40B4-BE49-F238E27FC236}">
+                <a16:creationId xmlns:a16="http://schemas.microsoft.com/office/drawing/2014/main" id="{A8A617C1-C2E9-4305-AF6B-AC53472747FF}"/>
+              </a:ext>
+            </a:extLst>
+          </p:cNvPr>
+          <p:cNvSpPr txBox="1"/>
+          <p:nvPr/>
+        </p:nvSpPr>
+        <p:spPr>
+          <a:xfrm>
+            <a:off x="4728118" y="6088566"/>
+            <a:ext cx="7279557" cy="646331"/>
+          </a:xfrm>
+          <a:prstGeom prst="rect">
+            <a:avLst/>
+          </a:prstGeom>
+        </p:spPr>
+        <p:style>
+          <a:lnRef idx="2">
+            <a:schemeClr val="accent1"/>
+          </a:lnRef>
+          <a:fillRef idx="1">
+            <a:schemeClr val="lt1"/>
+          </a:fillRef>
+          <a:effectRef idx="0">
+            <a:schemeClr val="accent1"/>
+          </a:effectRef>
+          <a:fontRef idx="minor">
+            <a:schemeClr val="dk1"/>
+          </a:fontRef>
+        </p:style>
+        <p:txBody>
+          <a:bodyPr wrap="none" rtlCol="0">
+            <a:spAutoFit/>
+          </a:bodyPr>
+          <a:lstStyle/>
+          <a:p>
+            <a:r>
+              <a:rPr kumimoji="1" lang="ja-JP" altLang="en-US" dirty="0"/>
+              <a:t>ざっくり説明しますので、詳しく知りたい方は以下</a:t>
+            </a:r>
+            <a:endParaRPr kumimoji="1" lang="en-US" altLang="ja-JP" dirty="0"/>
+          </a:p>
+          <a:p>
+            <a:r>
+              <a:rPr kumimoji="1" lang="en-US" altLang="ja-JP" dirty="0"/>
+              <a:t>https://zenn.dev/umi_mori/books/331c0c9ef9e5f0/viewer/992632</a:t>
+            </a:r>
+            <a:endParaRPr kumimoji="1" lang="ja-JP" altLang="en-US" dirty="0"/>
+          </a:p>
+        </p:txBody>
+      </p:sp>
     </p:spTree>
     <p:extLst>
       <p:ext uri="{BB962C8B-B14F-4D97-AF65-F5344CB8AC3E}">
@@ -3830,7 +3891,7 @@
             </a:r>
             <a:r>
               <a:rPr lang="ja-JP" altLang="en-US" sz="2800" dirty="0"/>
-              <a:t>文というものを用いて操作して必要なデータを出します。</a:t>
+              <a:t>文というものを用いて操作して必要なデータを出したり入れたりします。</a:t>
             </a:r>
             <a:endParaRPr lang="en-US" altLang="ja-JP" sz="2800" dirty="0"/>
           </a:p>
@@ -3932,11 +3993,11 @@
           <a:p>
             <a:r>
               <a:rPr lang="en-US" altLang="ja-JP" sz="3200" dirty="0"/>
-              <a:t>SQL</a:t>
+              <a:t>DB</a:t>
             </a:r>
             <a:r>
               <a:rPr lang="ja-JP" altLang="en-US" sz="3200" dirty="0"/>
-              <a:t>とは？</a:t>
+              <a:t>の種類</a:t>
             </a:r>
           </a:p>
         </p:txBody>
@@ -3955,8 +4016,8 @@
         </p:nvSpPr>
         <p:spPr>
           <a:xfrm>
-            <a:off x="425605" y="1282390"/>
-            <a:ext cx="6733478" cy="4832092"/>
+            <a:off x="425605" y="1291816"/>
+            <a:ext cx="5670395" cy="4031873"/>
           </a:xfrm>
           <a:prstGeom prst="rect">
             <a:avLst/>
@@ -3970,15 +4031,19 @@
           <a:lstStyle/>
           <a:p>
             <a:r>
+              <a:rPr lang="en-US" altLang="ja-JP" sz="2000" dirty="0"/>
+              <a:t>DB</a:t>
+            </a:r>
+            <a:r>
               <a:rPr lang="ja-JP" altLang="en-US" sz="2000" dirty="0"/>
-              <a:t>大量のデータを一括管理するシステム、</a:t>
+              <a:t>には各社から様々な物が出ており、</a:t>
             </a:r>
             <a:endParaRPr lang="en-US" altLang="ja-JP" sz="2000" dirty="0"/>
           </a:p>
           <a:p>
             <a:r>
               <a:rPr lang="ja-JP" altLang="en-US" sz="2000" dirty="0"/>
-              <a:t>もしくはそのデータそのものの事です。</a:t>
+              <a:t>未だに戦争中です。</a:t>
             </a:r>
             <a:endParaRPr lang="en-US" altLang="ja-JP" sz="2000" dirty="0"/>
           </a:p>
@@ -3988,7 +4053,7 @@
           <a:p>
             <a:r>
               <a:rPr lang="ja-JP" altLang="en-US" sz="2000" dirty="0"/>
-              <a:t>難しいことは考えず、</a:t>
+              <a:t>とは言え基本的な使い方は同じです。また、細かい使い方は実務の時に覚えれば良いです。</a:t>
             </a:r>
             <a:endParaRPr lang="en-US" altLang="ja-JP" sz="2000" dirty="0"/>
           </a:p>
@@ -3997,60 +4062,256 @@
           </a:p>
           <a:p>
             <a:r>
-              <a:rPr lang="ja-JP" altLang="en-US" sz="3200" b="1" u="sng" dirty="0"/>
-              <a:t>表形式のデータを記録するもの</a:t>
-            </a:r>
-            <a:endParaRPr lang="en-US" altLang="ja-JP" sz="3200" b="1" u="sng" dirty="0"/>
-          </a:p>
-          <a:p>
+              <a:rPr lang="ja-JP" altLang="en-US" sz="2000" dirty="0"/>
+              <a:t>授業、</a:t>
+            </a:r>
             <a:endParaRPr lang="en-US" altLang="ja-JP" sz="2000" dirty="0"/>
           </a:p>
           <a:p>
+            <a:endParaRPr lang="en-US" altLang="ja-JP" sz="2000" dirty="0"/>
+          </a:p>
+          <a:p>
+            <a:r>
+              <a:rPr lang="en-US" altLang="ja-JP" sz="2800" dirty="0"/>
+              <a:t>MySQL</a:t>
+            </a:r>
+            <a:r>
+              <a:rPr lang="ja-JP" altLang="en-US" sz="2800" dirty="0"/>
+              <a:t> と </a:t>
+            </a:r>
+            <a:r>
+              <a:rPr lang="en-US" altLang="ja-JP" sz="2800" dirty="0"/>
+              <a:t>SQLite</a:t>
+            </a:r>
+            <a:r>
+              <a:rPr lang="ja-JP" altLang="en-US" sz="2800" dirty="0"/>
+              <a:t>　を扱います。</a:t>
+            </a:r>
+            <a:endParaRPr lang="en-US" altLang="ja-JP" sz="2800" dirty="0"/>
+          </a:p>
+          <a:p>
+            <a:endParaRPr lang="en-US" altLang="ja-JP" sz="2800" dirty="0"/>
+          </a:p>
+          <a:p>
             <a:r>
               <a:rPr lang="ja-JP" altLang="en-US" sz="2000" dirty="0"/>
-              <a:t>だと考えましょう。</a:t>
+              <a:t>理由は普及度ですが、</a:t>
             </a:r>
             <a:endParaRPr lang="en-US" altLang="ja-JP" sz="2000" dirty="0"/>
           </a:p>
           <a:p>
             <a:r>
               <a:rPr lang="ja-JP" altLang="en-US" sz="2000" dirty="0"/>
-              <a:t>（右のような形でデータを記録するもの）</a:t>
+              <a:t>それぞれ使いどころが違います。</a:t>
             </a:r>
             <a:endParaRPr lang="en-US" altLang="ja-JP" sz="2000" dirty="0"/>
           </a:p>
-          <a:p>
+        </p:txBody>
+      </p:sp>
+      <p:sp>
+        <p:nvSpPr>
+          <p:cNvPr id="2" name="テキスト ボックス 1">
+            <a:extLst>
+              <a:ext uri="{FF2B5EF4-FFF2-40B4-BE49-F238E27FC236}">
+                <a16:creationId xmlns:a16="http://schemas.microsoft.com/office/drawing/2014/main" id="{C876D8F5-BFC6-40EC-9BEA-99CFD18D968E}"/>
+              </a:ext>
+            </a:extLst>
+          </p:cNvPr>
+          <p:cNvSpPr txBox="1"/>
+          <p:nvPr/>
+        </p:nvSpPr>
+        <p:spPr>
+          <a:xfrm>
+            <a:off x="6387465" y="1481388"/>
+            <a:ext cx="5493812" cy="3477875"/>
+          </a:xfrm>
+          <a:prstGeom prst="rect">
+            <a:avLst/>
+          </a:prstGeom>
+        </p:spPr>
+        <p:style>
+          <a:lnRef idx="2">
+            <a:schemeClr val="accent2"/>
+          </a:lnRef>
+          <a:fillRef idx="1">
+            <a:schemeClr val="lt1"/>
+          </a:fillRef>
+          <a:effectRef idx="0">
+            <a:schemeClr val="accent2"/>
+          </a:effectRef>
+          <a:fontRef idx="minor">
+            <a:schemeClr val="dk1"/>
+          </a:fontRef>
+        </p:style>
+        <p:txBody>
+          <a:bodyPr wrap="none" rtlCol="0">
+            <a:spAutoFit/>
+          </a:bodyPr>
+          <a:lstStyle/>
+          <a:p>
+            <a:r>
+              <a:rPr lang="ja-JP" altLang="en-US" dirty="0"/>
+              <a:t>・</a:t>
+            </a:r>
+            <a:r>
+              <a:rPr lang="en-US" altLang="ja-JP" sz="2400" dirty="0"/>
+              <a:t>MySQL</a:t>
+            </a:r>
+          </a:p>
+          <a:p>
+            <a:r>
+              <a:rPr lang="ja-JP" altLang="en-US" dirty="0"/>
+              <a:t>　サーバ上で使う前提の</a:t>
+            </a:r>
+            <a:r>
+              <a:rPr lang="en-US" altLang="ja-JP" dirty="0"/>
+              <a:t>DB</a:t>
+            </a:r>
+            <a:r>
+              <a:rPr lang="ja-JP" altLang="en-US" dirty="0"/>
+              <a:t>です。</a:t>
+            </a:r>
+            <a:endParaRPr lang="en-US" altLang="ja-JP" dirty="0"/>
+          </a:p>
+          <a:p>
+            <a:r>
+              <a:rPr kumimoji="1" lang="ja-JP" altLang="en-US" dirty="0"/>
+              <a:t>　アカウント登録やログイン処理などで使います。</a:t>
+            </a:r>
+            <a:endParaRPr kumimoji="1" lang="en-US" altLang="ja-JP" dirty="0"/>
+          </a:p>
+          <a:p>
+            <a:endParaRPr lang="en-US" altLang="ja-JP" dirty="0"/>
+          </a:p>
+          <a:p>
+            <a:endParaRPr kumimoji="1" lang="en-US" altLang="ja-JP" dirty="0"/>
+          </a:p>
+          <a:p>
+            <a:endParaRPr lang="en-US" altLang="ja-JP" dirty="0"/>
+          </a:p>
+          <a:p>
+            <a:endParaRPr kumimoji="1" lang="en-US" altLang="ja-JP" dirty="0"/>
+          </a:p>
+          <a:p>
+            <a:r>
+              <a:rPr lang="ja-JP" altLang="en-US" dirty="0"/>
+              <a:t>・</a:t>
+            </a:r>
+            <a:r>
+              <a:rPr lang="en-US" altLang="ja-JP" sz="2400" dirty="0"/>
+              <a:t>SQLite</a:t>
+            </a:r>
+          </a:p>
+          <a:p>
+            <a:r>
+              <a:rPr lang="ja-JP" altLang="en-US" sz="2400" dirty="0"/>
+              <a:t>　</a:t>
+            </a:r>
+            <a:r>
+              <a:rPr lang="ja-JP" altLang="en-US" sz="2000" dirty="0"/>
+              <a:t>サーバ上でも一応使えますが、</a:t>
+            </a:r>
             <a:endParaRPr lang="en-US" altLang="ja-JP" sz="2000" dirty="0"/>
           </a:p>
           <a:p>
             <a:r>
+              <a:rPr kumimoji="1" lang="ja-JP" altLang="en-US" sz="2000" dirty="0"/>
+              <a:t>　どちらかと言えばローカルで使います。</a:t>
+            </a:r>
+            <a:endParaRPr kumimoji="1" lang="en-US" altLang="ja-JP" sz="2000" dirty="0"/>
+          </a:p>
+          <a:p>
+            <a:r>
               <a:rPr lang="ja-JP" altLang="en-US" sz="2000" dirty="0"/>
-              <a:t>特に右のような物をリレーショナルデータベースと呼び、</a:t>
-            </a:r>
-            <a:endParaRPr lang="en-US" altLang="ja-JP" sz="2000" dirty="0"/>
-          </a:p>
-          <a:p>
-            <a:endParaRPr lang="en-US" altLang="ja-JP" sz="2000" dirty="0"/>
-          </a:p>
-          <a:p>
-            <a:r>
-              <a:rPr lang="en-US" altLang="ja-JP" sz="2800" dirty="0"/>
-              <a:t>SQL</a:t>
-            </a:r>
-            <a:r>
-              <a:rPr lang="ja-JP" altLang="en-US" sz="2800" dirty="0"/>
-              <a:t>文というものを用いて操作して必要なデータを出します。</a:t>
-            </a:r>
-            <a:endParaRPr lang="en-US" altLang="ja-JP" sz="2800" dirty="0"/>
+              <a:t>　</a:t>
+            </a:r>
+            <a:r>
+              <a:rPr lang="en-US" altLang="ja-JP" sz="2000" dirty="0"/>
+              <a:t>Unity</a:t>
+            </a:r>
+            <a:r>
+              <a:rPr lang="ja-JP" altLang="en-US" sz="2000" dirty="0"/>
+              <a:t>のセーブデータなどはコレです。</a:t>
+            </a:r>
+            <a:endParaRPr kumimoji="1" lang="ja-JP" altLang="en-US" sz="1600" dirty="0"/>
+          </a:p>
+        </p:txBody>
+      </p:sp>
+    </p:spTree>
+    <p:extLst>
+      <p:ext uri="{BB962C8B-B14F-4D97-AF65-F5344CB8AC3E}">
+        <p14:creationId xmlns:p14="http://schemas.microsoft.com/office/powerpoint/2010/main" val="3570794988"/>
+      </p:ext>
+    </p:extLst>
+  </p:cSld>
+  <p:clrMapOvr>
+    <a:masterClrMapping/>
+  </p:clrMapOvr>
+</p:sld>
+</file>
+
+<file path=ppt/slides/slide4.xml><?xml version="1.0" encoding="utf-8"?>
+<p:sld xmlns:a="http://schemas.openxmlformats.org/drawingml/2006/main" xmlns:r="http://schemas.openxmlformats.org/officeDocument/2006/relationships" xmlns:p="http://schemas.openxmlformats.org/presentationml/2006/main">
+  <p:cSld>
+    <p:spTree>
+      <p:nvGrpSpPr>
+        <p:cNvPr id="1" name=""/>
+        <p:cNvGrpSpPr/>
+        <p:nvPr/>
+      </p:nvGrpSpPr>
+      <p:grpSpPr>
+        <a:xfrm>
+          <a:off x="0" y="0"/>
+          <a:ext cx="0" cy="0"/>
+          <a:chOff x="0" y="0"/>
+          <a:chExt cx="0" cy="0"/>
+        </a:xfrm>
+      </p:grpSpPr>
+      <p:sp>
+        <p:nvSpPr>
+          <p:cNvPr id="5" name="タイトル 4">
+            <a:extLst>
+              <a:ext uri="{FF2B5EF4-FFF2-40B4-BE49-F238E27FC236}">
+                <a16:creationId xmlns:a16="http://schemas.microsoft.com/office/drawing/2014/main" id="{EE4AD890-877B-4BD6-B413-DD02F4812BAD}"/>
+              </a:ext>
+            </a:extLst>
+          </p:cNvPr>
+          <p:cNvSpPr>
+            <a:spLocks noGrp="1"/>
+          </p:cNvSpPr>
+          <p:nvPr>
+            <p:ph type="title"/>
+          </p:nvPr>
+        </p:nvSpPr>
+        <p:spPr>
+          <a:xfrm>
+            <a:off x="425605" y="372566"/>
+            <a:ext cx="10515600" cy="738846"/>
+          </a:xfrm>
+        </p:spPr>
+        <p:txBody>
+          <a:bodyPr>
+            <a:normAutofit/>
+          </a:bodyPr>
+          <a:lstStyle/>
+          <a:p>
+            <a:r>
+              <a:rPr lang="en-US" altLang="ja-JP" sz="3200" dirty="0"/>
+              <a:t>DB</a:t>
+            </a:r>
+            <a:r>
+              <a:rPr lang="ja-JP" altLang="en-US" sz="3200" dirty="0"/>
+              <a:t>の構造</a:t>
+            </a:r>
           </a:p>
         </p:txBody>
       </p:sp>
       <p:pic>
         <p:nvPicPr>
-          <p:cNvPr id="3" name="図 2">
-            <a:extLst>
-              <a:ext uri="{FF2B5EF4-FFF2-40B4-BE49-F238E27FC236}">
-                <a16:creationId xmlns:a16="http://schemas.microsoft.com/office/drawing/2014/main" id="{E1A2ED05-559E-4E8D-995B-9BBA8AFA1400}"/>
+          <p:cNvPr id="10" name="図 9">
+            <a:extLst>
+              <a:ext uri="{FF2B5EF4-FFF2-40B4-BE49-F238E27FC236}">
+                <a16:creationId xmlns:a16="http://schemas.microsoft.com/office/drawing/2014/main" id="{99AD5E8B-F1D4-4927-81F2-4266E644C3AD}"/>
               </a:ext>
             </a:extLst>
           </p:cNvPr>
@@ -4073,18 +4334,1118 @@
         </p:blipFill>
         <p:spPr>
           <a:xfrm>
-            <a:off x="6506706" y="925551"/>
-            <a:ext cx="5585042" cy="3334214"/>
+            <a:off x="496152" y="1111412"/>
+            <a:ext cx="5791526" cy="5403809"/>
           </a:xfrm>
           <a:prstGeom prst="rect">
             <a:avLst/>
           </a:prstGeom>
         </p:spPr>
       </p:pic>
+      <p:sp>
+        <p:nvSpPr>
+          <p:cNvPr id="11" name="テキスト ボックス 10">
+            <a:extLst>
+              <a:ext uri="{FF2B5EF4-FFF2-40B4-BE49-F238E27FC236}">
+                <a16:creationId xmlns:a16="http://schemas.microsoft.com/office/drawing/2014/main" id="{6A4D907E-62CF-4949-9803-971148D2D8A0}"/>
+              </a:ext>
+            </a:extLst>
+          </p:cNvPr>
+          <p:cNvSpPr txBox="1"/>
+          <p:nvPr/>
+        </p:nvSpPr>
+        <p:spPr>
+          <a:xfrm>
+            <a:off x="6542202" y="1111412"/>
+            <a:ext cx="5416868" cy="4154984"/>
+          </a:xfrm>
+          <a:prstGeom prst="rect">
+            <a:avLst/>
+          </a:prstGeom>
+          <a:noFill/>
+        </p:spPr>
+        <p:txBody>
+          <a:bodyPr wrap="none" rtlCol="0">
+            <a:spAutoFit/>
+          </a:bodyPr>
+          <a:lstStyle/>
+          <a:p>
+            <a:r>
+              <a:rPr lang="ja-JP" altLang="en-US" sz="2400" dirty="0"/>
+              <a:t>データベースは</a:t>
+            </a:r>
+            <a:endParaRPr lang="en-US" altLang="ja-JP" sz="2400" dirty="0"/>
+          </a:p>
+          <a:p>
+            <a:r>
+              <a:rPr kumimoji="1" lang="ja-JP" altLang="en-US" sz="2400" dirty="0"/>
+              <a:t>複数のテーブルで成り立っています。</a:t>
+            </a:r>
+            <a:endParaRPr kumimoji="1" lang="en-US" altLang="ja-JP" sz="2400" dirty="0"/>
+          </a:p>
+          <a:p>
+            <a:endParaRPr lang="en-US" altLang="ja-JP" sz="2400" dirty="0"/>
+          </a:p>
+          <a:p>
+            <a:r>
+              <a:rPr kumimoji="1" lang="ja-JP" altLang="en-US" sz="2400" dirty="0"/>
+              <a:t>テーブルの中に</a:t>
+            </a:r>
+            <a:endParaRPr kumimoji="1" lang="en-US" altLang="ja-JP" sz="2400" dirty="0"/>
+          </a:p>
+          <a:p>
+            <a:r>
+              <a:rPr lang="ja-JP" altLang="en-US" sz="2400" dirty="0"/>
+              <a:t>それぞれ複数のデータが入ります。</a:t>
+            </a:r>
+            <a:endParaRPr kumimoji="1" lang="en-US" altLang="ja-JP" sz="2400" dirty="0"/>
+          </a:p>
+          <a:p>
+            <a:endParaRPr lang="en-US" altLang="ja-JP" sz="2400" dirty="0"/>
+          </a:p>
+          <a:p>
+            <a:r>
+              <a:rPr lang="ja-JP" altLang="en-US" sz="2400" dirty="0"/>
+              <a:t>エクセルでいうところの</a:t>
+            </a:r>
+            <a:endParaRPr lang="en-US" altLang="ja-JP" sz="2400" dirty="0"/>
+          </a:p>
+          <a:p>
+            <a:endParaRPr lang="en-US" altLang="ja-JP" sz="2400" dirty="0"/>
+          </a:p>
+          <a:p>
+            <a:r>
+              <a:rPr lang="ja-JP" altLang="en-US" sz="2400" dirty="0"/>
+              <a:t>エクセルファイルそのものが</a:t>
+            </a:r>
+            <a:r>
+              <a:rPr lang="en-US" altLang="ja-JP" sz="2400" dirty="0"/>
+              <a:t>DB</a:t>
+            </a:r>
+          </a:p>
+          <a:p>
+            <a:r>
+              <a:rPr lang="ja-JP" altLang="en-US" sz="2400" dirty="0"/>
+              <a:t>シートがテーブルです。</a:t>
+            </a:r>
+            <a:endParaRPr lang="en-US" altLang="ja-JP" sz="2400" dirty="0"/>
+          </a:p>
+          <a:p>
+            <a:endParaRPr lang="en-US" altLang="ja-JP" sz="2400" dirty="0"/>
+          </a:p>
+        </p:txBody>
+      </p:sp>
+    </p:spTree>
+    <p:extLst>
+      <p:ext uri="{BB962C8B-B14F-4D97-AF65-F5344CB8AC3E}">
+        <p14:creationId xmlns:p14="http://schemas.microsoft.com/office/powerpoint/2010/main" val="168016188"/>
+      </p:ext>
+    </p:extLst>
+  </p:cSld>
+  <p:clrMapOvr>
+    <a:masterClrMapping/>
+  </p:clrMapOvr>
+</p:sld>
+</file>
+
+<file path=ppt/slides/slide5.xml><?xml version="1.0" encoding="utf-8"?>
+<p:sld xmlns:a="http://schemas.openxmlformats.org/drawingml/2006/main" xmlns:r="http://schemas.openxmlformats.org/officeDocument/2006/relationships" xmlns:p="http://schemas.openxmlformats.org/presentationml/2006/main">
+  <p:cSld>
+    <p:spTree>
+      <p:nvGrpSpPr>
+        <p:cNvPr id="1" name=""/>
+        <p:cNvGrpSpPr/>
+        <p:nvPr/>
+      </p:nvGrpSpPr>
+      <p:grpSpPr>
+        <a:xfrm>
+          <a:off x="0" y="0"/>
+          <a:ext cx="0" cy="0"/>
+          <a:chOff x="0" y="0"/>
+          <a:chExt cx="0" cy="0"/>
+        </a:xfrm>
+      </p:grpSpPr>
+      <p:sp>
+        <p:nvSpPr>
+          <p:cNvPr id="5" name="タイトル 4">
+            <a:extLst>
+              <a:ext uri="{FF2B5EF4-FFF2-40B4-BE49-F238E27FC236}">
+                <a16:creationId xmlns:a16="http://schemas.microsoft.com/office/drawing/2014/main" id="{EE4AD890-877B-4BD6-B413-DD02F4812BAD}"/>
+              </a:ext>
+            </a:extLst>
+          </p:cNvPr>
+          <p:cNvSpPr>
+            <a:spLocks noGrp="1"/>
+          </p:cNvSpPr>
+          <p:nvPr>
+            <p:ph type="title"/>
+          </p:nvPr>
+        </p:nvSpPr>
+        <p:spPr>
+          <a:xfrm>
+            <a:off x="425605" y="372566"/>
+            <a:ext cx="10515600" cy="738846"/>
+          </a:xfrm>
+        </p:spPr>
+        <p:txBody>
+          <a:bodyPr>
+            <a:normAutofit/>
+          </a:bodyPr>
+          <a:lstStyle/>
+          <a:p>
+            <a:r>
+              <a:rPr lang="ja-JP" altLang="en-US" sz="3200" dirty="0"/>
+              <a:t>テーブルの構造</a:t>
+            </a:r>
+          </a:p>
+        </p:txBody>
+      </p:sp>
+      <p:pic>
+        <p:nvPicPr>
+          <p:cNvPr id="3" name="図 2">
+            <a:extLst>
+              <a:ext uri="{FF2B5EF4-FFF2-40B4-BE49-F238E27FC236}">
+                <a16:creationId xmlns:a16="http://schemas.microsoft.com/office/drawing/2014/main" id="{E1A2ED05-559E-4E8D-995B-9BBA8AFA1400}"/>
+              </a:ext>
+            </a:extLst>
+          </p:cNvPr>
+          <p:cNvPicPr>
+            <a:picLocks noChangeAspect="1"/>
+          </p:cNvPicPr>
+          <p:nvPr/>
+        </p:nvPicPr>
+        <p:blipFill>
+          <a:blip r:embed="rId2">
+            <a:extLst>
+              <a:ext uri="{28A0092B-C50C-407E-A947-70E740481C1C}">
+                <a14:useLocalDpi xmlns:a14="http://schemas.microsoft.com/office/drawing/2010/main" val="0"/>
+              </a:ext>
+            </a:extLst>
+          </a:blip>
+          <a:stretch>
+            <a:fillRect/>
+          </a:stretch>
+        </p:blipFill>
+        <p:spPr>
+          <a:xfrm>
+            <a:off x="425605" y="1508538"/>
+            <a:ext cx="6433817" cy="3840924"/>
+          </a:xfrm>
+          <a:prstGeom prst="rect">
+            <a:avLst/>
+          </a:prstGeom>
+        </p:spPr>
+      </p:pic>
+      <p:sp>
+        <p:nvSpPr>
+          <p:cNvPr id="2" name="テキスト ボックス 1">
+            <a:extLst>
+              <a:ext uri="{FF2B5EF4-FFF2-40B4-BE49-F238E27FC236}">
+                <a16:creationId xmlns:a16="http://schemas.microsoft.com/office/drawing/2014/main" id="{3BA0D2A8-B167-4D6E-8A9D-6AA8FEDB399D}"/>
+              </a:ext>
+            </a:extLst>
+          </p:cNvPr>
+          <p:cNvSpPr txBox="1"/>
+          <p:nvPr/>
+        </p:nvSpPr>
+        <p:spPr>
+          <a:xfrm>
+            <a:off x="7120191" y="948257"/>
+            <a:ext cx="4801314" cy="4401205"/>
+          </a:xfrm>
+          <a:prstGeom prst="rect">
+            <a:avLst/>
+          </a:prstGeom>
+          <a:noFill/>
+        </p:spPr>
+        <p:txBody>
+          <a:bodyPr wrap="none" rtlCol="0">
+            <a:spAutoFit/>
+          </a:bodyPr>
+          <a:lstStyle/>
+          <a:p>
+            <a:r>
+              <a:rPr kumimoji="1" lang="ja-JP" altLang="en-US" dirty="0"/>
+              <a:t>左のように</a:t>
+            </a:r>
+            <a:r>
+              <a:rPr kumimoji="1" lang="ja-JP" altLang="en-US" b="1" dirty="0">
+                <a:solidFill>
+                  <a:srgbClr val="FF0000"/>
+                </a:solidFill>
+              </a:rPr>
+              <a:t>行</a:t>
+            </a:r>
+            <a:r>
+              <a:rPr kumimoji="1" lang="ja-JP" altLang="en-US" dirty="0"/>
+              <a:t>と</a:t>
+            </a:r>
+            <a:r>
+              <a:rPr kumimoji="1" lang="ja-JP" altLang="en-US" b="1" dirty="0">
+                <a:solidFill>
+                  <a:srgbClr val="92D050"/>
+                </a:solidFill>
+              </a:rPr>
+              <a:t>列</a:t>
+            </a:r>
+            <a:r>
+              <a:rPr kumimoji="1" lang="ja-JP" altLang="en-US" dirty="0"/>
+              <a:t>の構造を持ち。</a:t>
+            </a:r>
+            <a:endParaRPr kumimoji="1" lang="en-US" altLang="ja-JP" dirty="0"/>
+          </a:p>
+          <a:p>
+            <a:endParaRPr kumimoji="1" lang="en-US" altLang="ja-JP" dirty="0"/>
+          </a:p>
+          <a:p>
+            <a:r>
+              <a:rPr lang="en-US" altLang="ja-JP" dirty="0"/>
+              <a:t>『</a:t>
+            </a:r>
+            <a:r>
+              <a:rPr lang="ja-JP" altLang="en-US" dirty="0"/>
+              <a:t>行のデータ毎に、列のパラメータを持つ</a:t>
+            </a:r>
+            <a:r>
+              <a:rPr lang="en-US" altLang="ja-JP" dirty="0"/>
+              <a:t>』</a:t>
+            </a:r>
+          </a:p>
+          <a:p>
+            <a:endParaRPr lang="en-US" altLang="ja-JP" dirty="0"/>
+          </a:p>
+          <a:p>
+            <a:r>
+              <a:rPr lang="ja-JP" altLang="en-US" dirty="0"/>
+              <a:t>と考えると分かりやすいです。</a:t>
+            </a:r>
+            <a:endParaRPr lang="en-US" altLang="ja-JP" dirty="0"/>
+          </a:p>
+          <a:p>
+            <a:endParaRPr lang="en-US" altLang="ja-JP" dirty="0"/>
+          </a:p>
+          <a:p>
+            <a:r>
+              <a:rPr lang="ja-JP" altLang="en-US" sz="2400" dirty="0"/>
+              <a:t>行の事を</a:t>
+            </a:r>
+            <a:r>
+              <a:rPr lang="ja-JP" altLang="en-US" sz="2400" u="sng" dirty="0"/>
+              <a:t>ロウ</a:t>
+            </a:r>
+            <a:endParaRPr lang="en-US" altLang="ja-JP" sz="2400" u="sng" dirty="0"/>
+          </a:p>
+          <a:p>
+            <a:r>
+              <a:rPr lang="ja-JP" altLang="en-US" sz="2400" dirty="0"/>
+              <a:t>列の事を</a:t>
+            </a:r>
+            <a:r>
+              <a:rPr lang="ja-JP" altLang="en-US" sz="2400" u="sng" dirty="0"/>
+              <a:t>カラム</a:t>
+            </a:r>
+            <a:endParaRPr lang="en-US" altLang="ja-JP" sz="2400" dirty="0"/>
+          </a:p>
+          <a:p>
+            <a:endParaRPr lang="en-US" altLang="ja-JP" sz="2400" u="sng" dirty="0"/>
+          </a:p>
+          <a:p>
+            <a:r>
+              <a:rPr lang="ja-JP" altLang="en-US" sz="2000" dirty="0"/>
+              <a:t>と呼びます。</a:t>
+            </a:r>
+            <a:endParaRPr lang="en-US" altLang="ja-JP" sz="2000" dirty="0"/>
+          </a:p>
+          <a:p>
+            <a:r>
+              <a:rPr lang="ja-JP" altLang="en-US" sz="2000" dirty="0"/>
+              <a:t>ロウはあまり使われませんが、</a:t>
+            </a:r>
+            <a:endParaRPr lang="en-US" altLang="ja-JP" sz="2000" dirty="0"/>
+          </a:p>
+          <a:p>
+            <a:endParaRPr lang="en-US" altLang="ja-JP" sz="2000" dirty="0"/>
+          </a:p>
+          <a:p>
+            <a:r>
+              <a:rPr lang="ja-JP" altLang="en-US" sz="2000" dirty="0"/>
+              <a:t>カラムは頻繁に使われるので</a:t>
+            </a:r>
+            <a:endParaRPr lang="en-US" altLang="ja-JP" sz="2000" dirty="0"/>
+          </a:p>
+          <a:p>
+            <a:r>
+              <a:rPr lang="ja-JP" altLang="en-US" sz="2000" dirty="0"/>
+              <a:t>覚えておきましょう。</a:t>
+            </a:r>
+            <a:endParaRPr lang="en-US" altLang="ja-JP" sz="2000" dirty="0"/>
+          </a:p>
+        </p:txBody>
+      </p:sp>
+      <p:sp>
+        <p:nvSpPr>
+          <p:cNvPr id="4" name="楕円 3">
+            <a:extLst>
+              <a:ext uri="{FF2B5EF4-FFF2-40B4-BE49-F238E27FC236}">
+                <a16:creationId xmlns:a16="http://schemas.microsoft.com/office/drawing/2014/main" id="{435EDB4A-AD8F-4B7B-A3A1-2C36B5F202DF}"/>
+              </a:ext>
+            </a:extLst>
+          </p:cNvPr>
+          <p:cNvSpPr/>
+          <p:nvPr/>
+        </p:nvSpPr>
+        <p:spPr>
+          <a:xfrm>
+            <a:off x="0" y="2233464"/>
+            <a:ext cx="7070103" cy="415718"/>
+          </a:xfrm>
+          <a:prstGeom prst="ellipse">
+            <a:avLst/>
+          </a:prstGeom>
+          <a:noFill/>
+          <a:ln>
+            <a:solidFill>
+              <a:srgbClr val="FF0000"/>
+            </a:solidFill>
+          </a:ln>
+        </p:spPr>
+        <p:style>
+          <a:lnRef idx="2">
+            <a:schemeClr val="accent1">
+              <a:shade val="50000"/>
+            </a:schemeClr>
+          </a:lnRef>
+          <a:fillRef idx="1">
+            <a:schemeClr val="accent1"/>
+          </a:fillRef>
+          <a:effectRef idx="0">
+            <a:schemeClr val="accent1"/>
+          </a:effectRef>
+          <a:fontRef idx="minor">
+            <a:schemeClr val="lt1"/>
+          </a:fontRef>
+        </p:style>
+        <p:txBody>
+          <a:bodyPr rtlCol="0" anchor="ctr"/>
+          <a:lstStyle/>
+          <a:p>
+            <a:pPr algn="ctr"/>
+            <a:endParaRPr kumimoji="1" lang="ja-JP" altLang="en-US"/>
+          </a:p>
+        </p:txBody>
+      </p:sp>
+      <p:sp>
+        <p:nvSpPr>
+          <p:cNvPr id="7" name="楕円 6">
+            <a:extLst>
+              <a:ext uri="{FF2B5EF4-FFF2-40B4-BE49-F238E27FC236}">
+                <a16:creationId xmlns:a16="http://schemas.microsoft.com/office/drawing/2014/main" id="{85AE7DF5-B0F2-45C5-9E73-6AC0FA43EC28}"/>
+              </a:ext>
+            </a:extLst>
+          </p:cNvPr>
+          <p:cNvSpPr/>
+          <p:nvPr/>
+        </p:nvSpPr>
+        <p:spPr>
+          <a:xfrm>
+            <a:off x="622169" y="1215238"/>
+            <a:ext cx="914400" cy="4134224"/>
+          </a:xfrm>
+          <a:prstGeom prst="ellipse">
+            <a:avLst/>
+          </a:prstGeom>
+          <a:noFill/>
+          <a:ln w="28575">
+            <a:solidFill>
+              <a:srgbClr val="92D050"/>
+            </a:solidFill>
+          </a:ln>
+        </p:spPr>
+        <p:style>
+          <a:lnRef idx="2">
+            <a:schemeClr val="accent1">
+              <a:shade val="50000"/>
+            </a:schemeClr>
+          </a:lnRef>
+          <a:fillRef idx="1">
+            <a:schemeClr val="accent1"/>
+          </a:fillRef>
+          <a:effectRef idx="0">
+            <a:schemeClr val="accent1"/>
+          </a:effectRef>
+          <a:fontRef idx="minor">
+            <a:schemeClr val="lt1"/>
+          </a:fontRef>
+        </p:style>
+        <p:txBody>
+          <a:bodyPr rtlCol="0" anchor="ctr"/>
+          <a:lstStyle/>
+          <a:p>
+            <a:pPr algn="ctr"/>
+            <a:endParaRPr kumimoji="1" lang="ja-JP" altLang="en-US"/>
+          </a:p>
+        </p:txBody>
+      </p:sp>
+    </p:spTree>
+    <p:extLst>
+      <p:ext uri="{BB962C8B-B14F-4D97-AF65-F5344CB8AC3E}">
+        <p14:creationId xmlns:p14="http://schemas.microsoft.com/office/powerpoint/2010/main" val="3448676273"/>
+      </p:ext>
+    </p:extLst>
+  </p:cSld>
+  <p:clrMapOvr>
+    <a:masterClrMapping/>
+  </p:clrMapOvr>
+</p:sld>
+</file>
+
+<file path=ppt/slides/slide6.xml><?xml version="1.0" encoding="utf-8"?>
+<p:sld xmlns:a="http://schemas.openxmlformats.org/drawingml/2006/main" xmlns:r="http://schemas.openxmlformats.org/officeDocument/2006/relationships" xmlns:p="http://schemas.openxmlformats.org/presentationml/2006/main">
+  <p:cSld>
+    <p:spTree>
+      <p:nvGrpSpPr>
+        <p:cNvPr id="1" name=""/>
+        <p:cNvGrpSpPr/>
+        <p:nvPr/>
+      </p:nvGrpSpPr>
+      <p:grpSpPr>
+        <a:xfrm>
+          <a:off x="0" y="0"/>
+          <a:ext cx="0" cy="0"/>
+          <a:chOff x="0" y="0"/>
+          <a:chExt cx="0" cy="0"/>
+        </a:xfrm>
+      </p:grpSpPr>
+      <p:sp>
+        <p:nvSpPr>
+          <p:cNvPr id="5" name="タイトル 4">
+            <a:extLst>
+              <a:ext uri="{FF2B5EF4-FFF2-40B4-BE49-F238E27FC236}">
+                <a16:creationId xmlns:a16="http://schemas.microsoft.com/office/drawing/2014/main" id="{EE4AD890-877B-4BD6-B413-DD02F4812BAD}"/>
+              </a:ext>
+            </a:extLst>
+          </p:cNvPr>
+          <p:cNvSpPr>
+            <a:spLocks noGrp="1"/>
+          </p:cNvSpPr>
+          <p:nvPr>
+            <p:ph type="title"/>
+          </p:nvPr>
+        </p:nvSpPr>
+        <p:spPr>
+          <a:xfrm>
+            <a:off x="425605" y="372566"/>
+            <a:ext cx="10515600" cy="738846"/>
+          </a:xfrm>
+        </p:spPr>
+        <p:txBody>
+          <a:bodyPr>
+            <a:normAutofit/>
+          </a:bodyPr>
+          <a:lstStyle/>
+          <a:p>
+            <a:r>
+              <a:rPr lang="ja-JP" altLang="en-US" sz="3200" dirty="0"/>
+              <a:t>プライマリーキー</a:t>
+            </a:r>
+          </a:p>
+        </p:txBody>
+      </p:sp>
+      <p:pic>
+        <p:nvPicPr>
+          <p:cNvPr id="3" name="図 2">
+            <a:extLst>
+              <a:ext uri="{FF2B5EF4-FFF2-40B4-BE49-F238E27FC236}">
+                <a16:creationId xmlns:a16="http://schemas.microsoft.com/office/drawing/2014/main" id="{E1A2ED05-559E-4E8D-995B-9BBA8AFA1400}"/>
+              </a:ext>
+            </a:extLst>
+          </p:cNvPr>
+          <p:cNvPicPr>
+            <a:picLocks noChangeAspect="1"/>
+          </p:cNvPicPr>
+          <p:nvPr/>
+        </p:nvPicPr>
+        <p:blipFill>
+          <a:blip r:embed="rId2">
+            <a:extLst>
+              <a:ext uri="{28A0092B-C50C-407E-A947-70E740481C1C}">
+                <a14:useLocalDpi xmlns:a14="http://schemas.microsoft.com/office/drawing/2010/main" val="0"/>
+              </a:ext>
+            </a:extLst>
+          </a:blip>
+          <a:stretch>
+            <a:fillRect/>
+          </a:stretch>
+        </p:blipFill>
+        <p:spPr>
+          <a:xfrm>
+            <a:off x="284202" y="1526989"/>
+            <a:ext cx="6433817" cy="3840924"/>
+          </a:xfrm>
+          <a:prstGeom prst="rect">
+            <a:avLst/>
+          </a:prstGeom>
+        </p:spPr>
+      </p:pic>
+      <p:sp>
+        <p:nvSpPr>
+          <p:cNvPr id="2" name="テキスト ボックス 1">
+            <a:extLst>
+              <a:ext uri="{FF2B5EF4-FFF2-40B4-BE49-F238E27FC236}">
+                <a16:creationId xmlns:a16="http://schemas.microsoft.com/office/drawing/2014/main" id="{3BA0D2A8-B167-4D6E-8A9D-6AA8FEDB399D}"/>
+              </a:ext>
+            </a:extLst>
+          </p:cNvPr>
+          <p:cNvSpPr txBox="1"/>
+          <p:nvPr/>
+        </p:nvSpPr>
+        <p:spPr>
+          <a:xfrm>
+            <a:off x="6851016" y="1215911"/>
+            <a:ext cx="5209009" cy="4708981"/>
+          </a:xfrm>
+          <a:prstGeom prst="rect">
+            <a:avLst/>
+          </a:prstGeom>
+          <a:noFill/>
+        </p:spPr>
+        <p:txBody>
+          <a:bodyPr wrap="square" rtlCol="0">
+            <a:spAutoFit/>
+          </a:bodyPr>
+          <a:lstStyle/>
+          <a:p>
+            <a:r>
+              <a:rPr lang="ja-JP" altLang="en-US" sz="2000" dirty="0"/>
+              <a:t>データベースには</a:t>
+            </a:r>
+            <a:endParaRPr lang="en-US" altLang="ja-JP" sz="2000" dirty="0"/>
+          </a:p>
+          <a:p>
+            <a:r>
+              <a:rPr lang="ja-JP" altLang="en-US" sz="2000" dirty="0"/>
+              <a:t>「</a:t>
+            </a:r>
+            <a:r>
+              <a:rPr lang="ja-JP" altLang="en-US" sz="2000" b="1" dirty="0"/>
+              <a:t>プライマリキー</a:t>
+            </a:r>
+            <a:r>
+              <a:rPr lang="ja-JP" altLang="en-US" sz="2000" dirty="0"/>
+              <a:t>」</a:t>
+            </a:r>
+            <a:endParaRPr lang="en-US" altLang="ja-JP" sz="2000" dirty="0"/>
+          </a:p>
+          <a:p>
+            <a:r>
+              <a:rPr lang="ja-JP" altLang="en-US" sz="2000" dirty="0"/>
+              <a:t>と呼ばれる物があります。</a:t>
+            </a:r>
+            <a:endParaRPr lang="en-US" altLang="ja-JP" sz="2000" dirty="0"/>
+          </a:p>
+          <a:p>
+            <a:endParaRPr lang="en-US" altLang="ja-JP" sz="2000" dirty="0"/>
+          </a:p>
+          <a:p>
+            <a:r>
+              <a:rPr lang="ja-JP" altLang="en-US" sz="2000" dirty="0"/>
+              <a:t>これは後から変更できないデータで、</a:t>
+            </a:r>
+            <a:endParaRPr lang="en-US" altLang="ja-JP" sz="2000" dirty="0"/>
+          </a:p>
+          <a:p>
+            <a:r>
+              <a:rPr lang="ja-JP" altLang="en-US" sz="2000" dirty="0"/>
+              <a:t>これを基準にデータを割り振ります。</a:t>
+            </a:r>
+            <a:endParaRPr lang="en-US" altLang="ja-JP" sz="2000" dirty="0"/>
+          </a:p>
+          <a:p>
+            <a:endParaRPr lang="en-US" altLang="ja-JP" sz="2000" dirty="0"/>
+          </a:p>
+          <a:p>
+            <a:r>
+              <a:rPr lang="ja-JP" altLang="en-US" sz="2000" dirty="0"/>
+              <a:t>通常は</a:t>
+            </a:r>
+            <a:r>
+              <a:rPr lang="en-US" altLang="ja-JP" sz="2000" dirty="0"/>
+              <a:t>ID</a:t>
+            </a:r>
+            <a:r>
+              <a:rPr lang="ja-JP" altLang="en-US" sz="2000" dirty="0"/>
+              <a:t>などがこれに当たります。</a:t>
+            </a:r>
+            <a:endParaRPr lang="en-US" altLang="ja-JP" sz="2000" dirty="0"/>
+          </a:p>
+          <a:p>
+            <a:endParaRPr lang="en-US" altLang="ja-JP" sz="2000" dirty="0"/>
+          </a:p>
+          <a:p>
+            <a:r>
+              <a:rPr lang="ja-JP" altLang="en-US" sz="2000" dirty="0"/>
+              <a:t>今回はランキングのデータベースなので、</a:t>
+            </a:r>
+            <a:endParaRPr lang="en-US" altLang="ja-JP" sz="2000" dirty="0"/>
+          </a:p>
+          <a:p>
+            <a:r>
+              <a:rPr lang="ja-JP" altLang="en-US" sz="2000" dirty="0"/>
+              <a:t>ランキングの順位の中に</a:t>
+            </a:r>
+            <a:endParaRPr lang="en-US" altLang="ja-JP" sz="2000" dirty="0"/>
+          </a:p>
+          <a:p>
+            <a:r>
+              <a:rPr lang="ja-JP" altLang="en-US" sz="2000" dirty="0"/>
+              <a:t>名前とスコアを入れるという形にしてあり、</a:t>
+            </a:r>
+            <a:endParaRPr lang="en-US" altLang="ja-JP" sz="2000" dirty="0"/>
+          </a:p>
+          <a:p>
+            <a:endParaRPr lang="en-US" altLang="ja-JP" sz="2000" dirty="0"/>
+          </a:p>
+          <a:p>
+            <a:r>
+              <a:rPr lang="ja-JP" altLang="en-US" sz="2000" dirty="0"/>
+              <a:t>そのため、プライマリーキーは</a:t>
+            </a:r>
+            <a:endParaRPr lang="en-US" altLang="ja-JP" sz="2000" dirty="0"/>
+          </a:p>
+          <a:p>
+            <a:r>
+              <a:rPr lang="en-US" altLang="ja-JP" sz="2000" dirty="0"/>
+              <a:t>rank</a:t>
+            </a:r>
+            <a:r>
+              <a:rPr lang="ja-JP" altLang="en-US" sz="2000" dirty="0"/>
+              <a:t>カラムになります。</a:t>
+            </a:r>
+            <a:endParaRPr lang="en-US" altLang="ja-JP" sz="2000" dirty="0"/>
+          </a:p>
+        </p:txBody>
+      </p:sp>
+      <p:sp>
+        <p:nvSpPr>
+          <p:cNvPr id="6" name="四角形: 角を丸くする 5">
+            <a:extLst>
+              <a:ext uri="{FF2B5EF4-FFF2-40B4-BE49-F238E27FC236}">
+                <a16:creationId xmlns:a16="http://schemas.microsoft.com/office/drawing/2014/main" id="{8CD0F035-5188-4BDF-9472-9810A3D6D171}"/>
+              </a:ext>
+            </a:extLst>
+          </p:cNvPr>
+          <p:cNvSpPr/>
+          <p:nvPr/>
+        </p:nvSpPr>
+        <p:spPr>
+          <a:xfrm>
+            <a:off x="1706252" y="1451325"/>
+            <a:ext cx="867266" cy="3916588"/>
+          </a:xfrm>
+          <a:prstGeom prst="roundRect">
+            <a:avLst/>
+          </a:prstGeom>
+          <a:noFill/>
+          <a:ln w="28575">
+            <a:solidFill>
+              <a:srgbClr val="FF0000"/>
+            </a:solidFill>
+          </a:ln>
+        </p:spPr>
+        <p:style>
+          <a:lnRef idx="2">
+            <a:schemeClr val="accent1">
+              <a:shade val="50000"/>
+            </a:schemeClr>
+          </a:lnRef>
+          <a:fillRef idx="1">
+            <a:schemeClr val="accent1"/>
+          </a:fillRef>
+          <a:effectRef idx="0">
+            <a:schemeClr val="accent1"/>
+          </a:effectRef>
+          <a:fontRef idx="minor">
+            <a:schemeClr val="lt1"/>
+          </a:fontRef>
+        </p:style>
+        <p:txBody>
+          <a:bodyPr rtlCol="0" anchor="ctr"/>
+          <a:lstStyle/>
+          <a:p>
+            <a:pPr algn="ctr"/>
+            <a:endParaRPr kumimoji="1" lang="ja-JP" altLang="en-US"/>
+          </a:p>
+        </p:txBody>
+      </p:sp>
+    </p:spTree>
+    <p:extLst>
+      <p:ext uri="{BB962C8B-B14F-4D97-AF65-F5344CB8AC3E}">
+        <p14:creationId xmlns:p14="http://schemas.microsoft.com/office/powerpoint/2010/main" val="2190989842"/>
+      </p:ext>
+    </p:extLst>
+  </p:cSld>
+  <p:clrMapOvr>
+    <a:masterClrMapping/>
+  </p:clrMapOvr>
+</p:sld>
+</file>
+
+<file path=ppt/slides/slide7.xml><?xml version="1.0" encoding="utf-8"?>
+<p:sld xmlns:a="http://schemas.openxmlformats.org/drawingml/2006/main" xmlns:r="http://schemas.openxmlformats.org/officeDocument/2006/relationships" xmlns:p="http://schemas.openxmlformats.org/presentationml/2006/main">
+  <p:cSld>
+    <p:spTree>
+      <p:nvGrpSpPr>
+        <p:cNvPr id="1" name=""/>
+        <p:cNvGrpSpPr/>
+        <p:nvPr/>
+      </p:nvGrpSpPr>
+      <p:grpSpPr>
+        <a:xfrm>
+          <a:off x="0" y="0"/>
+          <a:ext cx="0" cy="0"/>
+          <a:chOff x="0" y="0"/>
+          <a:chExt cx="0" cy="0"/>
+        </a:xfrm>
+      </p:grpSpPr>
+      <p:sp>
+        <p:nvSpPr>
+          <p:cNvPr id="5" name="タイトル 4">
+            <a:extLst>
+              <a:ext uri="{FF2B5EF4-FFF2-40B4-BE49-F238E27FC236}">
+                <a16:creationId xmlns:a16="http://schemas.microsoft.com/office/drawing/2014/main" id="{EE4AD890-877B-4BD6-B413-DD02F4812BAD}"/>
+              </a:ext>
+            </a:extLst>
+          </p:cNvPr>
+          <p:cNvSpPr>
+            <a:spLocks noGrp="1"/>
+          </p:cNvSpPr>
+          <p:nvPr>
+            <p:ph type="title"/>
+          </p:nvPr>
+        </p:nvSpPr>
+        <p:spPr>
+          <a:xfrm>
+            <a:off x="425605" y="353974"/>
+            <a:ext cx="10515600" cy="738846"/>
+          </a:xfrm>
+        </p:spPr>
+        <p:txBody>
+          <a:bodyPr>
+            <a:normAutofit/>
+          </a:bodyPr>
+          <a:lstStyle/>
+          <a:p>
+            <a:r>
+              <a:rPr lang="en-US" altLang="ja-JP" sz="3200" dirty="0"/>
+              <a:t>SQL</a:t>
+            </a:r>
+            <a:r>
+              <a:rPr lang="ja-JP" altLang="en-US" sz="3200" dirty="0"/>
+              <a:t>文とは？</a:t>
+            </a:r>
+          </a:p>
+        </p:txBody>
+      </p:sp>
+      <p:sp>
+        <p:nvSpPr>
+          <p:cNvPr id="2" name="テキスト ボックス 1">
+            <a:extLst>
+              <a:ext uri="{FF2B5EF4-FFF2-40B4-BE49-F238E27FC236}">
+                <a16:creationId xmlns:a16="http://schemas.microsoft.com/office/drawing/2014/main" id="{954F9A17-6BBA-4EB3-BCF6-81D88460470B}"/>
+              </a:ext>
+            </a:extLst>
+          </p:cNvPr>
+          <p:cNvSpPr txBox="1"/>
+          <p:nvPr/>
+        </p:nvSpPr>
+        <p:spPr>
+          <a:xfrm>
+            <a:off x="829374" y="2950766"/>
+            <a:ext cx="10055958" cy="646331"/>
+          </a:xfrm>
+          <a:prstGeom prst="rect">
+            <a:avLst/>
+          </a:prstGeom>
+        </p:spPr>
+        <p:style>
+          <a:lnRef idx="2">
+            <a:schemeClr val="accent4"/>
+          </a:lnRef>
+          <a:fillRef idx="1">
+            <a:schemeClr val="lt1"/>
+          </a:fillRef>
+          <a:effectRef idx="0">
+            <a:schemeClr val="accent4"/>
+          </a:effectRef>
+          <a:fontRef idx="minor">
+            <a:schemeClr val="dk1"/>
+          </a:fontRef>
+        </p:style>
+        <p:txBody>
+          <a:bodyPr wrap="none" rtlCol="0">
+            <a:spAutoFit/>
+          </a:bodyPr>
+          <a:lstStyle/>
+          <a:p>
+            <a:r>
+              <a:rPr lang="en-US" altLang="ja-JP" sz="3600" b="0" i="0" dirty="0">
+                <a:solidFill>
+                  <a:srgbClr val="333333"/>
+                </a:solidFill>
+                <a:effectLst/>
+                <a:latin typeface="Meiryo" panose="020B0604030504040204" pitchFamily="50" charset="-128"/>
+                <a:ea typeface="Meiryo" panose="020B0604030504040204" pitchFamily="50" charset="-128"/>
+              </a:rPr>
+              <a:t>SELECT </a:t>
+            </a:r>
+            <a:r>
+              <a:rPr lang="ja-JP" altLang="en-US" sz="3600" b="0" i="0" dirty="0">
+                <a:solidFill>
+                  <a:srgbClr val="333333"/>
+                </a:solidFill>
+                <a:effectLst/>
+                <a:latin typeface="Meiryo" panose="020B0604030504040204" pitchFamily="50" charset="-128"/>
+                <a:ea typeface="Meiryo" panose="020B0604030504040204" pitchFamily="50" charset="-128"/>
+              </a:rPr>
+              <a:t>列名 </a:t>
+            </a:r>
+            <a:r>
+              <a:rPr lang="en-US" altLang="ja-JP" sz="3600" b="0" i="0" dirty="0">
+                <a:solidFill>
+                  <a:srgbClr val="333333"/>
+                </a:solidFill>
+                <a:effectLst/>
+                <a:latin typeface="Meiryo" panose="020B0604030504040204" pitchFamily="50" charset="-128"/>
+                <a:ea typeface="Meiryo" panose="020B0604030504040204" pitchFamily="50" charset="-128"/>
+              </a:rPr>
+              <a:t>FROM </a:t>
+            </a:r>
+            <a:r>
+              <a:rPr lang="ja-JP" altLang="en-US" sz="3600" b="0" i="0" dirty="0">
+                <a:solidFill>
+                  <a:srgbClr val="333333"/>
+                </a:solidFill>
+                <a:effectLst/>
+                <a:latin typeface="Meiryo" panose="020B0604030504040204" pitchFamily="50" charset="-128"/>
+                <a:ea typeface="Meiryo" panose="020B0604030504040204" pitchFamily="50" charset="-128"/>
+              </a:rPr>
+              <a:t>テーブル名 </a:t>
+            </a:r>
+            <a:r>
+              <a:rPr lang="en-US" altLang="ja-JP" sz="3600" b="0" i="0" dirty="0">
+                <a:solidFill>
+                  <a:srgbClr val="333333"/>
+                </a:solidFill>
+                <a:effectLst/>
+                <a:latin typeface="Meiryo" panose="020B0604030504040204" pitchFamily="50" charset="-128"/>
+                <a:ea typeface="Meiryo" panose="020B0604030504040204" pitchFamily="50" charset="-128"/>
+              </a:rPr>
+              <a:t>WHERE </a:t>
+            </a:r>
+            <a:r>
+              <a:rPr lang="ja-JP" altLang="en-US" sz="3600" b="0" i="0" dirty="0">
+                <a:solidFill>
+                  <a:srgbClr val="333333"/>
+                </a:solidFill>
+                <a:effectLst/>
+                <a:latin typeface="Meiryo" panose="020B0604030504040204" pitchFamily="50" charset="-128"/>
+                <a:ea typeface="Meiryo" panose="020B0604030504040204" pitchFamily="50" charset="-128"/>
+              </a:rPr>
+              <a:t>条件</a:t>
+            </a:r>
+            <a:r>
+              <a:rPr lang="en-US" altLang="ja-JP" sz="3600" b="0" i="0" dirty="0">
+                <a:solidFill>
+                  <a:srgbClr val="333333"/>
+                </a:solidFill>
+                <a:effectLst/>
+                <a:latin typeface="Meiryo" panose="020B0604030504040204" pitchFamily="50" charset="-128"/>
+                <a:ea typeface="Meiryo" panose="020B0604030504040204" pitchFamily="50" charset="-128"/>
+              </a:rPr>
+              <a:t>;</a:t>
+            </a:r>
+            <a:endParaRPr kumimoji="1" lang="ja-JP" altLang="en-US" sz="3600" dirty="0"/>
+          </a:p>
+        </p:txBody>
+      </p:sp>
+      <p:sp>
+        <p:nvSpPr>
+          <p:cNvPr id="4" name="テキスト ボックス 3">
+            <a:extLst>
+              <a:ext uri="{FF2B5EF4-FFF2-40B4-BE49-F238E27FC236}">
+                <a16:creationId xmlns:a16="http://schemas.microsoft.com/office/drawing/2014/main" id="{C1FCCC48-6CC1-426D-B213-957E8BD38D62}"/>
+              </a:ext>
+            </a:extLst>
+          </p:cNvPr>
+          <p:cNvSpPr txBox="1"/>
+          <p:nvPr/>
+        </p:nvSpPr>
+        <p:spPr>
+          <a:xfrm>
+            <a:off x="829374" y="4817697"/>
+            <a:ext cx="10956846" cy="830997"/>
+          </a:xfrm>
+          <a:prstGeom prst="rect">
+            <a:avLst/>
+          </a:prstGeom>
+          <a:noFill/>
+        </p:spPr>
+        <p:txBody>
+          <a:bodyPr wrap="none" rtlCol="0">
+            <a:spAutoFit/>
+          </a:bodyPr>
+          <a:lstStyle/>
+          <a:p>
+            <a:r>
+              <a:rPr kumimoji="1" lang="ja-JP" altLang="en-US" sz="2400" dirty="0"/>
+              <a:t>上記は</a:t>
+            </a:r>
+            <a:r>
+              <a:rPr kumimoji="1" lang="en-US" altLang="ja-JP" sz="2400" dirty="0"/>
+              <a:t>SELECT</a:t>
+            </a:r>
+            <a:r>
+              <a:rPr lang="ja-JP" altLang="en-US" sz="2400" dirty="0"/>
+              <a:t>文の例になりますが、</a:t>
+            </a:r>
+            <a:endParaRPr lang="en-US" altLang="ja-JP" sz="2400" dirty="0"/>
+          </a:p>
+          <a:p>
+            <a:r>
+              <a:rPr kumimoji="1" lang="ja-JP" altLang="en-US" sz="2400" dirty="0"/>
+              <a:t>基本的にはこの構造で書かれ、どんどん中が複雑になっていくような形です。</a:t>
+            </a:r>
+          </a:p>
+        </p:txBody>
+      </p:sp>
+      <p:sp>
+        <p:nvSpPr>
+          <p:cNvPr id="7" name="テキスト ボックス 6">
+            <a:extLst>
+              <a:ext uri="{FF2B5EF4-FFF2-40B4-BE49-F238E27FC236}">
+                <a16:creationId xmlns:a16="http://schemas.microsoft.com/office/drawing/2014/main" id="{4F5A64BF-C9C1-4FC8-A1B4-B40DAACD980A}"/>
+              </a:ext>
+            </a:extLst>
+          </p:cNvPr>
+          <p:cNvSpPr txBox="1"/>
+          <p:nvPr/>
+        </p:nvSpPr>
+        <p:spPr>
+          <a:xfrm>
+            <a:off x="829374" y="1393973"/>
+            <a:ext cx="8483413" cy="646331"/>
+          </a:xfrm>
+          <a:prstGeom prst="rect">
+            <a:avLst/>
+          </a:prstGeom>
+          <a:noFill/>
+        </p:spPr>
+        <p:txBody>
+          <a:bodyPr wrap="none" rtlCol="0">
+            <a:spAutoFit/>
+          </a:bodyPr>
+          <a:lstStyle/>
+          <a:p>
+            <a:r>
+              <a:rPr kumimoji="1" lang="en-US" altLang="ja-JP" dirty="0"/>
+              <a:t>DB</a:t>
+            </a:r>
+            <a:r>
+              <a:rPr kumimoji="1" lang="ja-JP" altLang="en-US" dirty="0"/>
+              <a:t>から毎回全てのデータを配列なりで取り出すのは時間が掛かります。</a:t>
+            </a:r>
+            <a:endParaRPr kumimoji="1" lang="en-US" altLang="ja-JP" dirty="0"/>
+          </a:p>
+          <a:p>
+            <a:r>
+              <a:rPr lang="ja-JP" altLang="en-US" dirty="0"/>
+              <a:t>そこで、必要なデータだけを素早く取り出すために</a:t>
+            </a:r>
+            <a:r>
+              <a:rPr lang="en-US" altLang="ja-JP" dirty="0"/>
+              <a:t>SQL</a:t>
+            </a:r>
+            <a:r>
+              <a:rPr lang="ja-JP" altLang="en-US" dirty="0"/>
+              <a:t>文というのを使います。</a:t>
+            </a:r>
+            <a:endParaRPr kumimoji="1" lang="ja-JP" altLang="en-US" dirty="0"/>
+          </a:p>
+        </p:txBody>
+      </p:sp>
     </p:spTree>
     <p:extLst>
       <p:ext uri="{BB962C8B-B14F-4D97-AF65-F5344CB8AC3E}">
         <p14:creationId xmlns:p14="http://schemas.microsoft.com/office/powerpoint/2010/main" val="2964623340"/>
+      </p:ext>
+    </p:extLst>
+  </p:cSld>
+  <p:clrMapOvr>
+    <a:masterClrMapping/>
+  </p:clrMapOvr>
+</p:sld>
+</file>
+
+<file path=ppt/slides/slide8.xml><?xml version="1.0" encoding="utf-8"?>
+<p:sld xmlns:a="http://schemas.openxmlformats.org/drawingml/2006/main" xmlns:r="http://schemas.openxmlformats.org/officeDocument/2006/relationships" xmlns:p="http://schemas.openxmlformats.org/presentationml/2006/main">
+  <p:cSld>
+    <p:spTree>
+      <p:nvGrpSpPr>
+        <p:cNvPr id="1" name=""/>
+        <p:cNvGrpSpPr/>
+        <p:nvPr/>
+      </p:nvGrpSpPr>
+      <p:grpSpPr>
+        <a:xfrm>
+          <a:off x="0" y="0"/>
+          <a:ext cx="0" cy="0"/>
+          <a:chOff x="0" y="0"/>
+          <a:chExt cx="0" cy="0"/>
+        </a:xfrm>
+      </p:grpSpPr>
+      <p:sp>
+        <p:nvSpPr>
+          <p:cNvPr id="5" name="タイトル 4">
+            <a:extLst>
+              <a:ext uri="{FF2B5EF4-FFF2-40B4-BE49-F238E27FC236}">
+                <a16:creationId xmlns:a16="http://schemas.microsoft.com/office/drawing/2014/main" id="{EE4AD890-877B-4BD6-B413-DD02F4812BAD}"/>
+              </a:ext>
+            </a:extLst>
+          </p:cNvPr>
+          <p:cNvSpPr>
+            <a:spLocks noGrp="1"/>
+          </p:cNvSpPr>
+          <p:nvPr>
+            <p:ph type="title"/>
+          </p:nvPr>
+        </p:nvSpPr>
+        <p:spPr>
+          <a:xfrm>
+            <a:off x="425605" y="353974"/>
+            <a:ext cx="10515600" cy="738846"/>
+          </a:xfrm>
+        </p:spPr>
+        <p:txBody>
+          <a:bodyPr>
+            <a:normAutofit/>
+          </a:bodyPr>
+          <a:lstStyle/>
+          <a:p>
+            <a:r>
+              <a:rPr lang="en-US" altLang="ja-JP" sz="3200" dirty="0"/>
+              <a:t>SQL</a:t>
+            </a:r>
+            <a:r>
+              <a:rPr lang="ja-JP" altLang="en-US" sz="3200" dirty="0"/>
+              <a:t>文の基本命令</a:t>
+            </a:r>
+          </a:p>
+        </p:txBody>
+      </p:sp>
+    </p:spTree>
+    <p:extLst>
+      <p:ext uri="{BB962C8B-B14F-4D97-AF65-F5344CB8AC3E}">
+        <p14:creationId xmlns:p14="http://schemas.microsoft.com/office/powerpoint/2010/main" val="947484239"/>
       </p:ext>
     </p:extLst>
   </p:cSld>

--- a/2.SecondSemester/2.ネットワーク通信_データベースの基本.pptx
+++ b/2.SecondSemester/2.ネットワーク通信_データベースの基本.pptx
@@ -13,6 +13,13 @@
     <p:sldId id="261" r:id="rId7"/>
     <p:sldId id="258" r:id="rId8"/>
     <p:sldId id="259" r:id="rId9"/>
+    <p:sldId id="264" r:id="rId10"/>
+    <p:sldId id="265" r:id="rId11"/>
+    <p:sldId id="266" r:id="rId12"/>
+    <p:sldId id="267" r:id="rId13"/>
+    <p:sldId id="268" r:id="rId14"/>
+    <p:sldId id="269" r:id="rId15"/>
+    <p:sldId id="270" r:id="rId16"/>
   </p:sldIdLst>
   <p:sldSz cx="12192000" cy="6858000"/>
   <p:notesSz cx="6858000" cy="9144000"/>
@@ -266,7 +273,7 @@
           <a:p>
             <a:fld id="{9904EC00-DD99-4281-BB91-56CDB668FF9D}" type="datetimeFigureOut">
               <a:rPr kumimoji="1" lang="ja-JP" altLang="en-US" smtClean="0"/>
-              <a:t>2023/9/6</a:t>
+              <a:t>2023/9/7</a:t>
             </a:fld>
             <a:endParaRPr kumimoji="1" lang="ja-JP" altLang="en-US"/>
           </a:p>
@@ -496,7 +503,7 @@
           <a:p>
             <a:fld id="{9904EC00-DD99-4281-BB91-56CDB668FF9D}" type="datetimeFigureOut">
               <a:rPr kumimoji="1" lang="ja-JP" altLang="en-US" smtClean="0"/>
-              <a:t>2023/9/6</a:t>
+              <a:t>2023/9/7</a:t>
             </a:fld>
             <a:endParaRPr kumimoji="1" lang="ja-JP" altLang="en-US"/>
           </a:p>
@@ -736,7 +743,7 @@
           <a:p>
             <a:fld id="{9904EC00-DD99-4281-BB91-56CDB668FF9D}" type="datetimeFigureOut">
               <a:rPr kumimoji="1" lang="ja-JP" altLang="en-US" smtClean="0"/>
-              <a:t>2023/9/6</a:t>
+              <a:t>2023/9/7</a:t>
             </a:fld>
             <a:endParaRPr kumimoji="1" lang="ja-JP" altLang="en-US"/>
           </a:p>
@@ -966,7 +973,7 @@
           <a:p>
             <a:fld id="{9904EC00-DD99-4281-BB91-56CDB668FF9D}" type="datetimeFigureOut">
               <a:rPr kumimoji="1" lang="ja-JP" altLang="en-US" smtClean="0"/>
-              <a:t>2023/9/6</a:t>
+              <a:t>2023/9/7</a:t>
             </a:fld>
             <a:endParaRPr kumimoji="1" lang="ja-JP" altLang="en-US"/>
           </a:p>
@@ -1241,7 +1248,7 @@
           <a:p>
             <a:fld id="{9904EC00-DD99-4281-BB91-56CDB668FF9D}" type="datetimeFigureOut">
               <a:rPr kumimoji="1" lang="ja-JP" altLang="en-US" smtClean="0"/>
-              <a:t>2023/9/6</a:t>
+              <a:t>2023/9/7</a:t>
             </a:fld>
             <a:endParaRPr kumimoji="1" lang="ja-JP" altLang="en-US"/>
           </a:p>
@@ -1570,7 +1577,7 @@
           <a:p>
             <a:fld id="{9904EC00-DD99-4281-BB91-56CDB668FF9D}" type="datetimeFigureOut">
               <a:rPr kumimoji="1" lang="ja-JP" altLang="en-US" smtClean="0"/>
-              <a:t>2023/9/6</a:t>
+              <a:t>2023/9/7</a:t>
             </a:fld>
             <a:endParaRPr kumimoji="1" lang="ja-JP" altLang="en-US"/>
           </a:p>
@@ -2046,7 +2053,7 @@
           <a:p>
             <a:fld id="{9904EC00-DD99-4281-BB91-56CDB668FF9D}" type="datetimeFigureOut">
               <a:rPr kumimoji="1" lang="ja-JP" altLang="en-US" smtClean="0"/>
-              <a:t>2023/9/6</a:t>
+              <a:t>2023/9/7</a:t>
             </a:fld>
             <a:endParaRPr kumimoji="1" lang="ja-JP" altLang="en-US"/>
           </a:p>
@@ -2187,7 +2194,7 @@
           <a:p>
             <a:fld id="{9904EC00-DD99-4281-BB91-56CDB668FF9D}" type="datetimeFigureOut">
               <a:rPr kumimoji="1" lang="ja-JP" altLang="en-US" smtClean="0"/>
-              <a:t>2023/9/6</a:t>
+              <a:t>2023/9/7</a:t>
             </a:fld>
             <a:endParaRPr kumimoji="1" lang="ja-JP" altLang="en-US"/>
           </a:p>
@@ -2300,7 +2307,7 @@
           <a:p>
             <a:fld id="{9904EC00-DD99-4281-BB91-56CDB668FF9D}" type="datetimeFigureOut">
               <a:rPr kumimoji="1" lang="ja-JP" altLang="en-US" smtClean="0"/>
-              <a:t>2023/9/6</a:t>
+              <a:t>2023/9/7</a:t>
             </a:fld>
             <a:endParaRPr kumimoji="1" lang="ja-JP" altLang="en-US"/>
           </a:p>
@@ -2643,7 +2650,7 @@
           <a:p>
             <a:fld id="{9904EC00-DD99-4281-BB91-56CDB668FF9D}" type="datetimeFigureOut">
               <a:rPr kumimoji="1" lang="ja-JP" altLang="en-US" smtClean="0"/>
-              <a:t>2023/9/6</a:t>
+              <a:t>2023/9/7</a:t>
             </a:fld>
             <a:endParaRPr kumimoji="1" lang="ja-JP" altLang="en-US"/>
           </a:p>
@@ -2931,7 +2938,7 @@
           <a:p>
             <a:fld id="{9904EC00-DD99-4281-BB91-56CDB668FF9D}" type="datetimeFigureOut">
               <a:rPr kumimoji="1" lang="ja-JP" altLang="en-US" smtClean="0"/>
-              <a:t>2023/9/6</a:t>
+              <a:t>2023/9/7</a:t>
             </a:fld>
             <a:endParaRPr kumimoji="1" lang="ja-JP" altLang="en-US"/>
           </a:p>
@@ -3204,7 +3211,7 @@
           <a:p>
             <a:fld id="{9904EC00-DD99-4281-BB91-56CDB668FF9D}" type="datetimeFigureOut">
               <a:rPr kumimoji="1" lang="ja-JP" altLang="en-US" smtClean="0"/>
-              <a:t>2023/9/6</a:t>
+              <a:t>2023/9/7</a:t>
             </a:fld>
             <a:endParaRPr kumimoji="1" lang="ja-JP" altLang="en-US"/>
           </a:p>
@@ -3668,12 +3675,81 @@
           </a:p>
         </p:txBody>
       </p:sp>
-      <p:sp>
-        <p:nvSpPr>
-          <p:cNvPr id="3" name="テキスト ボックス 2">
-            <a:extLst>
-              <a:ext uri="{FF2B5EF4-FFF2-40B4-BE49-F238E27FC236}">
-                <a16:creationId xmlns:a16="http://schemas.microsoft.com/office/drawing/2014/main" id="{A8A617C1-C2E9-4305-AF6B-AC53472747FF}"/>
+    </p:spTree>
+    <p:extLst>
+      <p:ext uri="{BB962C8B-B14F-4D97-AF65-F5344CB8AC3E}">
+        <p14:creationId xmlns:p14="http://schemas.microsoft.com/office/powerpoint/2010/main" val="3920033660"/>
+      </p:ext>
+    </p:extLst>
+  </p:cSld>
+  <p:clrMapOvr>
+    <a:masterClrMapping/>
+  </p:clrMapOvr>
+</p:sld>
+</file>
+
+<file path=ppt/slides/slide10.xml><?xml version="1.0" encoding="utf-8"?>
+<p:sld xmlns:a="http://schemas.openxmlformats.org/drawingml/2006/main" xmlns:r="http://schemas.openxmlformats.org/officeDocument/2006/relationships" xmlns:p="http://schemas.openxmlformats.org/presentationml/2006/main">
+  <p:cSld>
+    <p:spTree>
+      <p:nvGrpSpPr>
+        <p:cNvPr id="1" name=""/>
+        <p:cNvGrpSpPr/>
+        <p:nvPr/>
+      </p:nvGrpSpPr>
+      <p:grpSpPr>
+        <a:xfrm>
+          <a:off x="0" y="0"/>
+          <a:ext cx="0" cy="0"/>
+          <a:chOff x="0" y="0"/>
+          <a:chExt cx="0" cy="0"/>
+        </a:xfrm>
+      </p:grpSpPr>
+      <p:sp>
+        <p:nvSpPr>
+          <p:cNvPr id="5" name="タイトル 4">
+            <a:extLst>
+              <a:ext uri="{FF2B5EF4-FFF2-40B4-BE49-F238E27FC236}">
+                <a16:creationId xmlns:a16="http://schemas.microsoft.com/office/drawing/2014/main" id="{EE4AD890-877B-4BD6-B413-DD02F4812BAD}"/>
+              </a:ext>
+            </a:extLst>
+          </p:cNvPr>
+          <p:cNvSpPr>
+            <a:spLocks noGrp="1"/>
+          </p:cNvSpPr>
+          <p:nvPr>
+            <p:ph type="title"/>
+          </p:nvPr>
+        </p:nvSpPr>
+        <p:spPr>
+          <a:xfrm>
+            <a:off x="425605" y="353974"/>
+            <a:ext cx="10515600" cy="738846"/>
+          </a:xfrm>
+        </p:spPr>
+        <p:txBody>
+          <a:bodyPr>
+            <a:normAutofit/>
+          </a:bodyPr>
+          <a:lstStyle/>
+          <a:p>
+            <a:r>
+              <a:rPr lang="en-US" altLang="ja-JP" sz="3200" dirty="0"/>
+              <a:t>INSERT</a:t>
+            </a:r>
+            <a:r>
+              <a:rPr lang="ja-JP" altLang="en-US" sz="3200" dirty="0"/>
+              <a:t>文</a:t>
+            </a:r>
+          </a:p>
+        </p:txBody>
+      </p:sp>
+      <p:sp>
+        <p:nvSpPr>
+          <p:cNvPr id="8" name="テキスト ボックス 7">
+            <a:extLst>
+              <a:ext uri="{FF2B5EF4-FFF2-40B4-BE49-F238E27FC236}">
+                <a16:creationId xmlns:a16="http://schemas.microsoft.com/office/drawing/2014/main" id="{B0CB2314-5E3E-420D-A71F-B8DB7E056837}"/>
               </a:ext>
             </a:extLst>
           </p:cNvPr>
@@ -3682,8 +3758,8 @@
         </p:nvSpPr>
         <p:spPr>
           <a:xfrm>
-            <a:off x="4728118" y="6088566"/>
-            <a:ext cx="7279557" cy="646331"/>
+            <a:off x="2875345" y="5883591"/>
+            <a:ext cx="7263527" cy="461665"/>
           </a:xfrm>
           <a:prstGeom prst="rect">
             <a:avLst/>
@@ -3710,24 +3786,958 @@
           <a:lstStyle/>
           <a:p>
             <a:r>
-              <a:rPr kumimoji="1" lang="ja-JP" altLang="en-US" dirty="0"/>
-              <a:t>ざっくり説明しますので、詳しく知りたい方は以下</a:t>
-            </a:r>
-            <a:endParaRPr kumimoji="1" lang="en-US" altLang="ja-JP" dirty="0"/>
-          </a:p>
-          <a:p>
-            <a:r>
-              <a:rPr kumimoji="1" lang="en-US" altLang="ja-JP" dirty="0"/>
-              <a:t>https://zenn.dev/umi_mori/books/331c0c9ef9e5f0/viewer/992632</a:t>
-            </a:r>
-            <a:endParaRPr kumimoji="1" lang="ja-JP" altLang="en-US" dirty="0"/>
-          </a:p>
-        </p:txBody>
-      </p:sp>
+              <a:rPr lang="ja-JP" altLang="en-US" sz="2400" b="0" i="0" dirty="0">
+                <a:effectLst/>
+                <a:latin typeface="-apple-system"/>
+              </a:rPr>
+              <a:t>テーブルにデータ（レコード）を登録するコマンド</a:t>
+            </a:r>
+            <a:endParaRPr kumimoji="1" lang="ja-JP" altLang="en-US" sz="2400" dirty="0"/>
+          </a:p>
+        </p:txBody>
+      </p:sp>
+      <p:pic>
+        <p:nvPicPr>
+          <p:cNvPr id="3" name="図 2">
+            <a:extLst>
+              <a:ext uri="{FF2B5EF4-FFF2-40B4-BE49-F238E27FC236}">
+                <a16:creationId xmlns:a16="http://schemas.microsoft.com/office/drawing/2014/main" id="{83EF8173-1D6D-46A9-AABF-BA529B7DEA54}"/>
+              </a:ext>
+            </a:extLst>
+          </p:cNvPr>
+          <p:cNvPicPr>
+            <a:picLocks noChangeAspect="1"/>
+          </p:cNvPicPr>
+          <p:nvPr/>
+        </p:nvPicPr>
+        <p:blipFill>
+          <a:blip r:embed="rId2">
+            <a:extLst>
+              <a:ext uri="{28A0092B-C50C-407E-A947-70E740481C1C}">
+                <a14:useLocalDpi xmlns:a14="http://schemas.microsoft.com/office/drawing/2010/main" val="0"/>
+              </a:ext>
+            </a:extLst>
+          </a:blip>
+          <a:stretch>
+            <a:fillRect/>
+          </a:stretch>
+        </p:blipFill>
+        <p:spPr>
+          <a:xfrm>
+            <a:off x="167269" y="1330340"/>
+            <a:ext cx="6339840" cy="4130040"/>
+          </a:xfrm>
+          <a:prstGeom prst="rect">
+            <a:avLst/>
+          </a:prstGeom>
+        </p:spPr>
+      </p:pic>
+      <p:pic>
+        <p:nvPicPr>
+          <p:cNvPr id="9" name="図 8">
+            <a:extLst>
+              <a:ext uri="{FF2B5EF4-FFF2-40B4-BE49-F238E27FC236}">
+                <a16:creationId xmlns:a16="http://schemas.microsoft.com/office/drawing/2014/main" id="{A672CAFB-388C-40C8-B7AC-26B409DE66C8}"/>
+              </a:ext>
+            </a:extLst>
+          </p:cNvPr>
+          <p:cNvPicPr>
+            <a:picLocks noChangeAspect="1"/>
+          </p:cNvPicPr>
+          <p:nvPr/>
+        </p:nvPicPr>
+        <p:blipFill>
+          <a:blip r:embed="rId3">
+            <a:extLst>
+              <a:ext uri="{28A0092B-C50C-407E-A947-70E740481C1C}">
+                <a14:useLocalDpi xmlns:a14="http://schemas.microsoft.com/office/drawing/2010/main" val="0"/>
+              </a:ext>
+            </a:extLst>
+          </a:blip>
+          <a:stretch>
+            <a:fillRect/>
+          </a:stretch>
+        </p:blipFill>
+        <p:spPr>
+          <a:xfrm>
+            <a:off x="6784907" y="2190540"/>
+            <a:ext cx="5152079" cy="1994860"/>
+          </a:xfrm>
+          <a:prstGeom prst="rect">
+            <a:avLst/>
+          </a:prstGeom>
+        </p:spPr>
+      </p:pic>
     </p:spTree>
     <p:extLst>
       <p:ext uri="{BB962C8B-B14F-4D97-AF65-F5344CB8AC3E}">
-        <p14:creationId xmlns:p14="http://schemas.microsoft.com/office/powerpoint/2010/main" val="3920033660"/>
+        <p14:creationId xmlns:p14="http://schemas.microsoft.com/office/powerpoint/2010/main" val="1723587247"/>
+      </p:ext>
+    </p:extLst>
+  </p:cSld>
+  <p:clrMapOvr>
+    <a:masterClrMapping/>
+  </p:clrMapOvr>
+</p:sld>
+</file>
+
+<file path=ppt/slides/slide11.xml><?xml version="1.0" encoding="utf-8"?>
+<p:sld xmlns:a="http://schemas.openxmlformats.org/drawingml/2006/main" xmlns:r="http://schemas.openxmlformats.org/officeDocument/2006/relationships" xmlns:p="http://schemas.openxmlformats.org/presentationml/2006/main">
+  <p:cSld>
+    <p:spTree>
+      <p:nvGrpSpPr>
+        <p:cNvPr id="1" name=""/>
+        <p:cNvGrpSpPr/>
+        <p:nvPr/>
+      </p:nvGrpSpPr>
+      <p:grpSpPr>
+        <a:xfrm>
+          <a:off x="0" y="0"/>
+          <a:ext cx="0" cy="0"/>
+          <a:chOff x="0" y="0"/>
+          <a:chExt cx="0" cy="0"/>
+        </a:xfrm>
+      </p:grpSpPr>
+      <p:sp>
+        <p:nvSpPr>
+          <p:cNvPr id="5" name="タイトル 4">
+            <a:extLst>
+              <a:ext uri="{FF2B5EF4-FFF2-40B4-BE49-F238E27FC236}">
+                <a16:creationId xmlns:a16="http://schemas.microsoft.com/office/drawing/2014/main" id="{EE4AD890-877B-4BD6-B413-DD02F4812BAD}"/>
+              </a:ext>
+            </a:extLst>
+          </p:cNvPr>
+          <p:cNvSpPr>
+            <a:spLocks noGrp="1"/>
+          </p:cNvSpPr>
+          <p:nvPr>
+            <p:ph type="title"/>
+          </p:nvPr>
+        </p:nvSpPr>
+        <p:spPr>
+          <a:xfrm>
+            <a:off x="425605" y="353974"/>
+            <a:ext cx="10515600" cy="738846"/>
+          </a:xfrm>
+        </p:spPr>
+        <p:txBody>
+          <a:bodyPr>
+            <a:normAutofit/>
+          </a:bodyPr>
+          <a:lstStyle/>
+          <a:p>
+            <a:r>
+              <a:rPr lang="en-US" altLang="ja-JP" sz="3200" dirty="0"/>
+              <a:t>SELECT</a:t>
+            </a:r>
+            <a:r>
+              <a:rPr lang="ja-JP" altLang="en-US" sz="3200" dirty="0"/>
+              <a:t>文</a:t>
+            </a:r>
+          </a:p>
+        </p:txBody>
+      </p:sp>
+      <p:sp>
+        <p:nvSpPr>
+          <p:cNvPr id="8" name="テキスト ボックス 7">
+            <a:extLst>
+              <a:ext uri="{FF2B5EF4-FFF2-40B4-BE49-F238E27FC236}">
+                <a16:creationId xmlns:a16="http://schemas.microsoft.com/office/drawing/2014/main" id="{B0CB2314-5E3E-420D-A71F-B8DB7E056837}"/>
+              </a:ext>
+            </a:extLst>
+          </p:cNvPr>
+          <p:cNvSpPr txBox="1"/>
+          <p:nvPr/>
+        </p:nvSpPr>
+        <p:spPr>
+          <a:xfrm>
+            <a:off x="3233678" y="6042361"/>
+            <a:ext cx="5724644" cy="461665"/>
+          </a:xfrm>
+          <a:prstGeom prst="rect">
+            <a:avLst/>
+          </a:prstGeom>
+        </p:spPr>
+        <p:style>
+          <a:lnRef idx="2">
+            <a:schemeClr val="accent1"/>
+          </a:lnRef>
+          <a:fillRef idx="1">
+            <a:schemeClr val="lt1"/>
+          </a:fillRef>
+          <a:effectRef idx="0">
+            <a:schemeClr val="accent1"/>
+          </a:effectRef>
+          <a:fontRef idx="minor">
+            <a:schemeClr val="dk1"/>
+          </a:fontRef>
+        </p:style>
+        <p:txBody>
+          <a:bodyPr wrap="none" rtlCol="0">
+            <a:spAutoFit/>
+          </a:bodyPr>
+          <a:lstStyle/>
+          <a:p>
+            <a:r>
+              <a:rPr lang="ja-JP" altLang="en-US" sz="2400" b="0" i="0" dirty="0">
+                <a:effectLst/>
+                <a:latin typeface="-apple-system"/>
+              </a:rPr>
+              <a:t>テーブルからデータを抽出するコマンド</a:t>
+            </a:r>
+            <a:endParaRPr kumimoji="1" lang="ja-JP" altLang="en-US" sz="2400" dirty="0"/>
+          </a:p>
+        </p:txBody>
+      </p:sp>
+      <p:pic>
+        <p:nvPicPr>
+          <p:cNvPr id="7" name="図 6">
+            <a:extLst>
+              <a:ext uri="{FF2B5EF4-FFF2-40B4-BE49-F238E27FC236}">
+                <a16:creationId xmlns:a16="http://schemas.microsoft.com/office/drawing/2014/main" id="{6D4A600D-19D8-42DA-9896-41FDCF55211E}"/>
+              </a:ext>
+            </a:extLst>
+          </p:cNvPr>
+          <p:cNvPicPr>
+            <a:picLocks noChangeAspect="1"/>
+          </p:cNvPicPr>
+          <p:nvPr/>
+        </p:nvPicPr>
+        <p:blipFill>
+          <a:blip r:embed="rId2">
+            <a:extLst>
+              <a:ext uri="{28A0092B-C50C-407E-A947-70E740481C1C}">
+                <a14:useLocalDpi xmlns:a14="http://schemas.microsoft.com/office/drawing/2010/main" val="0"/>
+              </a:ext>
+            </a:extLst>
+          </a:blip>
+          <a:stretch>
+            <a:fillRect/>
+          </a:stretch>
+        </p:blipFill>
+        <p:spPr>
+          <a:xfrm>
+            <a:off x="1746578" y="1092820"/>
+            <a:ext cx="8698843" cy="4811679"/>
+          </a:xfrm>
+          <a:prstGeom prst="rect">
+            <a:avLst/>
+          </a:prstGeom>
+        </p:spPr>
+      </p:pic>
+    </p:spTree>
+    <p:extLst>
+      <p:ext uri="{BB962C8B-B14F-4D97-AF65-F5344CB8AC3E}">
+        <p14:creationId xmlns:p14="http://schemas.microsoft.com/office/powerpoint/2010/main" val="137118946"/>
+      </p:ext>
+    </p:extLst>
+  </p:cSld>
+  <p:clrMapOvr>
+    <a:masterClrMapping/>
+  </p:clrMapOvr>
+</p:sld>
+</file>
+
+<file path=ppt/slides/slide12.xml><?xml version="1.0" encoding="utf-8"?>
+<p:sld xmlns:a="http://schemas.openxmlformats.org/drawingml/2006/main" xmlns:r="http://schemas.openxmlformats.org/officeDocument/2006/relationships" xmlns:p="http://schemas.openxmlformats.org/presentationml/2006/main">
+  <p:cSld>
+    <p:spTree>
+      <p:nvGrpSpPr>
+        <p:cNvPr id="1" name=""/>
+        <p:cNvGrpSpPr/>
+        <p:nvPr/>
+      </p:nvGrpSpPr>
+      <p:grpSpPr>
+        <a:xfrm>
+          <a:off x="0" y="0"/>
+          <a:ext cx="0" cy="0"/>
+          <a:chOff x="0" y="0"/>
+          <a:chExt cx="0" cy="0"/>
+        </a:xfrm>
+      </p:grpSpPr>
+      <p:sp>
+        <p:nvSpPr>
+          <p:cNvPr id="5" name="タイトル 4">
+            <a:extLst>
+              <a:ext uri="{FF2B5EF4-FFF2-40B4-BE49-F238E27FC236}">
+                <a16:creationId xmlns:a16="http://schemas.microsoft.com/office/drawing/2014/main" id="{EE4AD890-877B-4BD6-B413-DD02F4812BAD}"/>
+              </a:ext>
+            </a:extLst>
+          </p:cNvPr>
+          <p:cNvSpPr>
+            <a:spLocks noGrp="1"/>
+          </p:cNvSpPr>
+          <p:nvPr>
+            <p:ph type="title"/>
+          </p:nvPr>
+        </p:nvSpPr>
+        <p:spPr>
+          <a:xfrm>
+            <a:off x="425605" y="353974"/>
+            <a:ext cx="10515600" cy="738846"/>
+          </a:xfrm>
+        </p:spPr>
+        <p:txBody>
+          <a:bodyPr>
+            <a:normAutofit/>
+          </a:bodyPr>
+          <a:lstStyle/>
+          <a:p>
+            <a:r>
+              <a:rPr lang="en-US" altLang="ja-JP" sz="3200" dirty="0"/>
+              <a:t>WHERE</a:t>
+            </a:r>
+            <a:r>
+              <a:rPr lang="ja-JP" altLang="en-US" sz="3200" dirty="0"/>
+              <a:t>と</a:t>
+            </a:r>
+            <a:r>
+              <a:rPr lang="en-US" altLang="ja-JP" sz="3200" dirty="0"/>
+              <a:t>FROM</a:t>
+            </a:r>
+            <a:endParaRPr lang="ja-JP" altLang="en-US" sz="3200" dirty="0"/>
+          </a:p>
+        </p:txBody>
+      </p:sp>
+      <p:pic>
+        <p:nvPicPr>
+          <p:cNvPr id="3" name="図 2">
+            <a:extLst>
+              <a:ext uri="{FF2B5EF4-FFF2-40B4-BE49-F238E27FC236}">
+                <a16:creationId xmlns:a16="http://schemas.microsoft.com/office/drawing/2014/main" id="{DD195E6C-C726-4A72-AFBB-AFE5BE0F254D}"/>
+              </a:ext>
+            </a:extLst>
+          </p:cNvPr>
+          <p:cNvPicPr>
+            <a:picLocks noChangeAspect="1"/>
+          </p:cNvPicPr>
+          <p:nvPr/>
+        </p:nvPicPr>
+        <p:blipFill>
+          <a:blip r:embed="rId2">
+            <a:extLst>
+              <a:ext uri="{28A0092B-C50C-407E-A947-70E740481C1C}">
+                <a14:useLocalDpi xmlns:a14="http://schemas.microsoft.com/office/drawing/2010/main" val="0"/>
+              </a:ext>
+            </a:extLst>
+          </a:blip>
+          <a:stretch>
+            <a:fillRect/>
+          </a:stretch>
+        </p:blipFill>
+        <p:spPr>
+          <a:xfrm>
+            <a:off x="1114579" y="995579"/>
+            <a:ext cx="8160834" cy="4253526"/>
+          </a:xfrm>
+          <a:prstGeom prst="rect">
+            <a:avLst/>
+          </a:prstGeom>
+        </p:spPr>
+      </p:pic>
+      <p:pic>
+        <p:nvPicPr>
+          <p:cNvPr id="6" name="図 5">
+            <a:extLst>
+              <a:ext uri="{FF2B5EF4-FFF2-40B4-BE49-F238E27FC236}">
+                <a16:creationId xmlns:a16="http://schemas.microsoft.com/office/drawing/2014/main" id="{378B872F-6323-41A5-BC18-18B788A78569}"/>
+              </a:ext>
+            </a:extLst>
+          </p:cNvPr>
+          <p:cNvPicPr>
+            <a:picLocks noChangeAspect="1"/>
+          </p:cNvPicPr>
+          <p:nvPr/>
+        </p:nvPicPr>
+        <p:blipFill>
+          <a:blip r:embed="rId3">
+            <a:extLst>
+              <a:ext uri="{28A0092B-C50C-407E-A947-70E740481C1C}">
+                <a14:useLocalDpi xmlns:a14="http://schemas.microsoft.com/office/drawing/2010/main" val="0"/>
+              </a:ext>
+            </a:extLst>
+          </a:blip>
+          <a:stretch>
+            <a:fillRect/>
+          </a:stretch>
+        </p:blipFill>
+        <p:spPr>
+          <a:xfrm>
+            <a:off x="1114579" y="5151863"/>
+            <a:ext cx="9962842" cy="1706137"/>
+          </a:xfrm>
+          <a:prstGeom prst="rect">
+            <a:avLst/>
+          </a:prstGeom>
+        </p:spPr>
+      </p:pic>
+    </p:spTree>
+    <p:extLst>
+      <p:ext uri="{BB962C8B-B14F-4D97-AF65-F5344CB8AC3E}">
+        <p14:creationId xmlns:p14="http://schemas.microsoft.com/office/powerpoint/2010/main" val="3544483550"/>
+      </p:ext>
+    </p:extLst>
+  </p:cSld>
+  <p:clrMapOvr>
+    <a:masterClrMapping/>
+  </p:clrMapOvr>
+</p:sld>
+</file>
+
+<file path=ppt/slides/slide13.xml><?xml version="1.0" encoding="utf-8"?>
+<p:sld xmlns:a="http://schemas.openxmlformats.org/drawingml/2006/main" xmlns:r="http://schemas.openxmlformats.org/officeDocument/2006/relationships" xmlns:p="http://schemas.openxmlformats.org/presentationml/2006/main">
+  <p:cSld>
+    <p:spTree>
+      <p:nvGrpSpPr>
+        <p:cNvPr id="1" name=""/>
+        <p:cNvGrpSpPr/>
+        <p:nvPr/>
+      </p:nvGrpSpPr>
+      <p:grpSpPr>
+        <a:xfrm>
+          <a:off x="0" y="0"/>
+          <a:ext cx="0" cy="0"/>
+          <a:chOff x="0" y="0"/>
+          <a:chExt cx="0" cy="0"/>
+        </a:xfrm>
+      </p:grpSpPr>
+      <p:sp>
+        <p:nvSpPr>
+          <p:cNvPr id="5" name="タイトル 4">
+            <a:extLst>
+              <a:ext uri="{FF2B5EF4-FFF2-40B4-BE49-F238E27FC236}">
+                <a16:creationId xmlns:a16="http://schemas.microsoft.com/office/drawing/2014/main" id="{EE4AD890-877B-4BD6-B413-DD02F4812BAD}"/>
+              </a:ext>
+            </a:extLst>
+          </p:cNvPr>
+          <p:cNvSpPr>
+            <a:spLocks noGrp="1"/>
+          </p:cNvSpPr>
+          <p:nvPr>
+            <p:ph type="title"/>
+          </p:nvPr>
+        </p:nvSpPr>
+        <p:spPr>
+          <a:xfrm>
+            <a:off x="425605" y="353974"/>
+            <a:ext cx="10515600" cy="738846"/>
+          </a:xfrm>
+        </p:spPr>
+        <p:txBody>
+          <a:bodyPr>
+            <a:normAutofit/>
+          </a:bodyPr>
+          <a:lstStyle/>
+          <a:p>
+            <a:r>
+              <a:rPr lang="ja-JP" altLang="en-US" sz="3200" dirty="0"/>
+              <a:t>サンプル作成</a:t>
+            </a:r>
+          </a:p>
+        </p:txBody>
+      </p:sp>
+      <p:pic>
+        <p:nvPicPr>
+          <p:cNvPr id="4" name="図 3">
+            <a:extLst>
+              <a:ext uri="{FF2B5EF4-FFF2-40B4-BE49-F238E27FC236}">
+                <a16:creationId xmlns:a16="http://schemas.microsoft.com/office/drawing/2014/main" id="{162E8336-3AE4-4FC8-84A0-B871CE035307}"/>
+              </a:ext>
+            </a:extLst>
+          </p:cNvPr>
+          <p:cNvPicPr>
+            <a:picLocks noChangeAspect="1"/>
+          </p:cNvPicPr>
+          <p:nvPr/>
+        </p:nvPicPr>
+        <p:blipFill>
+          <a:blip r:embed="rId2">
+            <a:extLst>
+              <a:ext uri="{28A0092B-C50C-407E-A947-70E740481C1C}">
+                <a14:useLocalDpi xmlns:a14="http://schemas.microsoft.com/office/drawing/2010/main" val="0"/>
+              </a:ext>
+            </a:extLst>
+          </a:blip>
+          <a:stretch>
+            <a:fillRect/>
+          </a:stretch>
+        </p:blipFill>
+        <p:spPr>
+          <a:xfrm>
+            <a:off x="267815" y="1092820"/>
+            <a:ext cx="7014909" cy="5411206"/>
+          </a:xfrm>
+          <a:prstGeom prst="rect">
+            <a:avLst/>
+          </a:prstGeom>
+        </p:spPr>
+      </p:pic>
+      <p:pic>
+        <p:nvPicPr>
+          <p:cNvPr id="8" name="図 7">
+            <a:extLst>
+              <a:ext uri="{FF2B5EF4-FFF2-40B4-BE49-F238E27FC236}">
+                <a16:creationId xmlns:a16="http://schemas.microsoft.com/office/drawing/2014/main" id="{4C334FE1-A00D-4D57-8E51-E51A1A2985F6}"/>
+              </a:ext>
+            </a:extLst>
+          </p:cNvPr>
+          <p:cNvPicPr>
+            <a:picLocks noChangeAspect="1"/>
+          </p:cNvPicPr>
+          <p:nvPr/>
+        </p:nvPicPr>
+        <p:blipFill>
+          <a:blip r:embed="rId3">
+            <a:extLst>
+              <a:ext uri="{28A0092B-C50C-407E-A947-70E740481C1C}">
+                <a14:useLocalDpi xmlns:a14="http://schemas.microsoft.com/office/drawing/2010/main" val="0"/>
+              </a:ext>
+            </a:extLst>
+          </a:blip>
+          <a:stretch>
+            <a:fillRect/>
+          </a:stretch>
+        </p:blipFill>
+        <p:spPr>
+          <a:xfrm>
+            <a:off x="7425119" y="2303834"/>
+            <a:ext cx="4766881" cy="2989177"/>
+          </a:xfrm>
+          <a:prstGeom prst="rect">
+            <a:avLst/>
+          </a:prstGeom>
+        </p:spPr>
+      </p:pic>
+      <p:sp>
+        <p:nvSpPr>
+          <p:cNvPr id="9" name="テキスト ボックス 8">
+            <a:extLst>
+              <a:ext uri="{FF2B5EF4-FFF2-40B4-BE49-F238E27FC236}">
+                <a16:creationId xmlns:a16="http://schemas.microsoft.com/office/drawing/2014/main" id="{727F58D5-7C34-4E55-A3FD-CC7C8FD54C8D}"/>
+              </a:ext>
+            </a:extLst>
+          </p:cNvPr>
+          <p:cNvSpPr txBox="1"/>
+          <p:nvPr/>
+        </p:nvSpPr>
+        <p:spPr>
+          <a:xfrm>
+            <a:off x="7538225" y="1719059"/>
+            <a:ext cx="2821606" cy="584775"/>
+          </a:xfrm>
+          <a:prstGeom prst="rect">
+            <a:avLst/>
+          </a:prstGeom>
+          <a:noFill/>
+        </p:spPr>
+        <p:txBody>
+          <a:bodyPr wrap="none" rtlCol="0">
+            <a:spAutoFit/>
+          </a:bodyPr>
+          <a:lstStyle/>
+          <a:p>
+            <a:r>
+              <a:rPr kumimoji="1" lang="ja-JP" altLang="en-US" sz="3200" dirty="0"/>
+              <a:t>作成される</a:t>
+            </a:r>
+            <a:r>
+              <a:rPr kumimoji="1" lang="en-US" altLang="ja-JP" sz="3200" dirty="0"/>
+              <a:t>DB</a:t>
+            </a:r>
+            <a:endParaRPr kumimoji="1" lang="ja-JP" altLang="en-US" sz="3200" dirty="0"/>
+          </a:p>
+        </p:txBody>
+      </p:sp>
+    </p:spTree>
+    <p:extLst>
+      <p:ext uri="{BB962C8B-B14F-4D97-AF65-F5344CB8AC3E}">
+        <p14:creationId xmlns:p14="http://schemas.microsoft.com/office/powerpoint/2010/main" val="2395417343"/>
+      </p:ext>
+    </p:extLst>
+  </p:cSld>
+  <p:clrMapOvr>
+    <a:masterClrMapping/>
+  </p:clrMapOvr>
+</p:sld>
+</file>
+
+<file path=ppt/slides/slide14.xml><?xml version="1.0" encoding="utf-8"?>
+<p:sld xmlns:a="http://schemas.openxmlformats.org/drawingml/2006/main" xmlns:r="http://schemas.openxmlformats.org/officeDocument/2006/relationships" xmlns:p="http://schemas.openxmlformats.org/presentationml/2006/main">
+  <p:cSld>
+    <p:spTree>
+      <p:nvGrpSpPr>
+        <p:cNvPr id="1" name=""/>
+        <p:cNvGrpSpPr/>
+        <p:nvPr/>
+      </p:nvGrpSpPr>
+      <p:grpSpPr>
+        <a:xfrm>
+          <a:off x="0" y="0"/>
+          <a:ext cx="0" cy="0"/>
+          <a:chOff x="0" y="0"/>
+          <a:chExt cx="0" cy="0"/>
+        </a:xfrm>
+      </p:grpSpPr>
+      <p:sp>
+        <p:nvSpPr>
+          <p:cNvPr id="5" name="タイトル 4">
+            <a:extLst>
+              <a:ext uri="{FF2B5EF4-FFF2-40B4-BE49-F238E27FC236}">
+                <a16:creationId xmlns:a16="http://schemas.microsoft.com/office/drawing/2014/main" id="{EE4AD890-877B-4BD6-B413-DD02F4812BAD}"/>
+              </a:ext>
+            </a:extLst>
+          </p:cNvPr>
+          <p:cNvSpPr>
+            <a:spLocks noGrp="1"/>
+          </p:cNvSpPr>
+          <p:nvPr>
+            <p:ph type="title"/>
+          </p:nvPr>
+        </p:nvSpPr>
+        <p:spPr>
+          <a:xfrm>
+            <a:off x="425605" y="353974"/>
+            <a:ext cx="10515600" cy="738846"/>
+          </a:xfrm>
+        </p:spPr>
+        <p:txBody>
+          <a:bodyPr>
+            <a:normAutofit/>
+          </a:bodyPr>
+          <a:lstStyle/>
+          <a:p>
+            <a:r>
+              <a:rPr lang="en-US" altLang="ja-JP" sz="3200" dirty="0"/>
+              <a:t>UPDATE</a:t>
+            </a:r>
+            <a:r>
+              <a:rPr lang="ja-JP" altLang="en-US" sz="3200" dirty="0"/>
+              <a:t>文</a:t>
+            </a:r>
+          </a:p>
+        </p:txBody>
+      </p:sp>
+      <p:sp>
+        <p:nvSpPr>
+          <p:cNvPr id="8" name="テキスト ボックス 7">
+            <a:extLst>
+              <a:ext uri="{FF2B5EF4-FFF2-40B4-BE49-F238E27FC236}">
+                <a16:creationId xmlns:a16="http://schemas.microsoft.com/office/drawing/2014/main" id="{B0CB2314-5E3E-420D-A71F-B8DB7E056837}"/>
+              </a:ext>
+            </a:extLst>
+          </p:cNvPr>
+          <p:cNvSpPr txBox="1"/>
+          <p:nvPr/>
+        </p:nvSpPr>
+        <p:spPr>
+          <a:xfrm>
+            <a:off x="2156460" y="5937474"/>
+            <a:ext cx="7879080" cy="461665"/>
+          </a:xfrm>
+          <a:prstGeom prst="rect">
+            <a:avLst/>
+          </a:prstGeom>
+        </p:spPr>
+        <p:style>
+          <a:lnRef idx="2">
+            <a:schemeClr val="accent1"/>
+          </a:lnRef>
+          <a:fillRef idx="1">
+            <a:schemeClr val="lt1"/>
+          </a:fillRef>
+          <a:effectRef idx="0">
+            <a:schemeClr val="accent1"/>
+          </a:effectRef>
+          <a:fontRef idx="minor">
+            <a:schemeClr val="dk1"/>
+          </a:fontRef>
+        </p:style>
+        <p:txBody>
+          <a:bodyPr wrap="none" rtlCol="0">
+            <a:spAutoFit/>
+          </a:bodyPr>
+          <a:lstStyle/>
+          <a:p>
+            <a:r>
+              <a:rPr lang="ja-JP" altLang="en-US" sz="2400" b="0" i="0" dirty="0">
+                <a:effectLst/>
+                <a:latin typeface="-apple-system"/>
+              </a:rPr>
+              <a:t>対象テーブルのデータ（レコード）を更新するコマンド</a:t>
+            </a:r>
+            <a:endParaRPr kumimoji="1" lang="ja-JP" altLang="en-US" sz="2400" dirty="0"/>
+          </a:p>
+        </p:txBody>
+      </p:sp>
+      <p:pic>
+        <p:nvPicPr>
+          <p:cNvPr id="3" name="図 2">
+            <a:extLst>
+              <a:ext uri="{FF2B5EF4-FFF2-40B4-BE49-F238E27FC236}">
+                <a16:creationId xmlns:a16="http://schemas.microsoft.com/office/drawing/2014/main" id="{935A9F60-22EA-4737-AF0E-94C22ECE4E36}"/>
+              </a:ext>
+            </a:extLst>
+          </p:cNvPr>
+          <p:cNvPicPr>
+            <a:picLocks noChangeAspect="1"/>
+          </p:cNvPicPr>
+          <p:nvPr/>
+        </p:nvPicPr>
+        <p:blipFill>
+          <a:blip r:embed="rId2">
+            <a:extLst>
+              <a:ext uri="{28A0092B-C50C-407E-A947-70E740481C1C}">
+                <a14:useLocalDpi xmlns:a14="http://schemas.microsoft.com/office/drawing/2010/main" val="0"/>
+              </a:ext>
+            </a:extLst>
+          </a:blip>
+          <a:stretch>
+            <a:fillRect/>
+          </a:stretch>
+        </p:blipFill>
+        <p:spPr>
+          <a:xfrm>
+            <a:off x="89210" y="1494263"/>
+            <a:ext cx="7916226" cy="3733280"/>
+          </a:xfrm>
+          <a:prstGeom prst="rect">
+            <a:avLst/>
+          </a:prstGeom>
+        </p:spPr>
+      </p:pic>
+      <p:pic>
+        <p:nvPicPr>
+          <p:cNvPr id="6" name="図 5">
+            <a:extLst>
+              <a:ext uri="{FF2B5EF4-FFF2-40B4-BE49-F238E27FC236}">
+                <a16:creationId xmlns:a16="http://schemas.microsoft.com/office/drawing/2014/main" id="{23745386-BDE7-4CA3-9A33-0234B96BE754}"/>
+              </a:ext>
+            </a:extLst>
+          </p:cNvPr>
+          <p:cNvPicPr>
+            <a:picLocks noChangeAspect="1"/>
+          </p:cNvPicPr>
+          <p:nvPr/>
+        </p:nvPicPr>
+        <p:blipFill>
+          <a:blip r:embed="rId3">
+            <a:extLst>
+              <a:ext uri="{28A0092B-C50C-407E-A947-70E740481C1C}">
+                <a14:useLocalDpi xmlns:a14="http://schemas.microsoft.com/office/drawing/2010/main" val="0"/>
+              </a:ext>
+            </a:extLst>
+          </a:blip>
+          <a:stretch>
+            <a:fillRect/>
+          </a:stretch>
+        </p:blipFill>
+        <p:spPr>
+          <a:xfrm>
+            <a:off x="8168622" y="2033584"/>
+            <a:ext cx="3934168" cy="2400912"/>
+          </a:xfrm>
+          <a:prstGeom prst="rect">
+            <a:avLst/>
+          </a:prstGeom>
+        </p:spPr>
+      </p:pic>
+    </p:spTree>
+    <p:extLst>
+      <p:ext uri="{BB962C8B-B14F-4D97-AF65-F5344CB8AC3E}">
+        <p14:creationId xmlns:p14="http://schemas.microsoft.com/office/powerpoint/2010/main" val="647471838"/>
+      </p:ext>
+    </p:extLst>
+  </p:cSld>
+  <p:clrMapOvr>
+    <a:masterClrMapping/>
+  </p:clrMapOvr>
+</p:sld>
+</file>
+
+<file path=ppt/slides/slide15.xml><?xml version="1.0" encoding="utf-8"?>
+<p:sld xmlns:a="http://schemas.openxmlformats.org/drawingml/2006/main" xmlns:r="http://schemas.openxmlformats.org/officeDocument/2006/relationships" xmlns:p="http://schemas.openxmlformats.org/presentationml/2006/main">
+  <p:cSld>
+    <p:spTree>
+      <p:nvGrpSpPr>
+        <p:cNvPr id="1" name=""/>
+        <p:cNvGrpSpPr/>
+        <p:nvPr/>
+      </p:nvGrpSpPr>
+      <p:grpSpPr>
+        <a:xfrm>
+          <a:off x="0" y="0"/>
+          <a:ext cx="0" cy="0"/>
+          <a:chOff x="0" y="0"/>
+          <a:chExt cx="0" cy="0"/>
+        </a:xfrm>
+      </p:grpSpPr>
+      <p:sp>
+        <p:nvSpPr>
+          <p:cNvPr id="5" name="タイトル 4">
+            <a:extLst>
+              <a:ext uri="{FF2B5EF4-FFF2-40B4-BE49-F238E27FC236}">
+                <a16:creationId xmlns:a16="http://schemas.microsoft.com/office/drawing/2014/main" id="{EE4AD890-877B-4BD6-B413-DD02F4812BAD}"/>
+              </a:ext>
+            </a:extLst>
+          </p:cNvPr>
+          <p:cNvSpPr>
+            <a:spLocks noGrp="1"/>
+          </p:cNvSpPr>
+          <p:nvPr>
+            <p:ph type="title"/>
+          </p:nvPr>
+        </p:nvSpPr>
+        <p:spPr>
+          <a:xfrm>
+            <a:off x="425605" y="353974"/>
+            <a:ext cx="10515600" cy="738846"/>
+          </a:xfrm>
+        </p:spPr>
+        <p:txBody>
+          <a:bodyPr>
+            <a:normAutofit/>
+          </a:bodyPr>
+          <a:lstStyle/>
+          <a:p>
+            <a:r>
+              <a:rPr lang="en-US" altLang="ja-JP" sz="3200" dirty="0"/>
+              <a:t>DELETE</a:t>
+            </a:r>
+            <a:r>
+              <a:rPr lang="ja-JP" altLang="en-US" sz="3200" dirty="0"/>
+              <a:t>文</a:t>
+            </a:r>
+          </a:p>
+        </p:txBody>
+      </p:sp>
+      <p:sp>
+        <p:nvSpPr>
+          <p:cNvPr id="8" name="テキスト ボックス 7">
+            <a:extLst>
+              <a:ext uri="{FF2B5EF4-FFF2-40B4-BE49-F238E27FC236}">
+                <a16:creationId xmlns:a16="http://schemas.microsoft.com/office/drawing/2014/main" id="{B0CB2314-5E3E-420D-A71F-B8DB7E056837}"/>
+              </a:ext>
+            </a:extLst>
+          </p:cNvPr>
+          <p:cNvSpPr txBox="1"/>
+          <p:nvPr/>
+        </p:nvSpPr>
+        <p:spPr>
+          <a:xfrm>
+            <a:off x="2310348" y="5904021"/>
+            <a:ext cx="7571303" cy="461665"/>
+          </a:xfrm>
+          <a:prstGeom prst="rect">
+            <a:avLst/>
+          </a:prstGeom>
+        </p:spPr>
+        <p:style>
+          <a:lnRef idx="2">
+            <a:schemeClr val="accent1"/>
+          </a:lnRef>
+          <a:fillRef idx="1">
+            <a:schemeClr val="lt1"/>
+          </a:fillRef>
+          <a:effectRef idx="0">
+            <a:schemeClr val="accent1"/>
+          </a:effectRef>
+          <a:fontRef idx="minor">
+            <a:schemeClr val="dk1"/>
+          </a:fontRef>
+        </p:style>
+        <p:txBody>
+          <a:bodyPr wrap="none" rtlCol="0">
+            <a:spAutoFit/>
+          </a:bodyPr>
+          <a:lstStyle/>
+          <a:p>
+            <a:r>
+              <a:rPr lang="ja-JP" altLang="en-US" sz="2400" b="0" i="0" dirty="0">
+                <a:effectLst/>
+                <a:latin typeface="-apple-system"/>
+              </a:rPr>
+              <a:t>テーブルからデータ（レコード）を削除するコマンド</a:t>
+            </a:r>
+            <a:endParaRPr kumimoji="1" lang="ja-JP" altLang="en-US" sz="2400" dirty="0"/>
+          </a:p>
+        </p:txBody>
+      </p:sp>
+      <p:pic>
+        <p:nvPicPr>
+          <p:cNvPr id="4" name="図 3">
+            <a:extLst>
+              <a:ext uri="{FF2B5EF4-FFF2-40B4-BE49-F238E27FC236}">
+                <a16:creationId xmlns:a16="http://schemas.microsoft.com/office/drawing/2014/main" id="{71C8CF79-D1F8-4F65-9909-6A26A843D226}"/>
+              </a:ext>
+            </a:extLst>
+          </p:cNvPr>
+          <p:cNvPicPr>
+            <a:picLocks noChangeAspect="1"/>
+          </p:cNvPicPr>
+          <p:nvPr/>
+        </p:nvPicPr>
+        <p:blipFill>
+          <a:blip r:embed="rId2">
+            <a:extLst>
+              <a:ext uri="{28A0092B-C50C-407E-A947-70E740481C1C}">
+                <a14:useLocalDpi xmlns:a14="http://schemas.microsoft.com/office/drawing/2010/main" val="0"/>
+              </a:ext>
+            </a:extLst>
+          </a:blip>
+          <a:stretch>
+            <a:fillRect/>
+          </a:stretch>
+        </p:blipFill>
+        <p:spPr>
+          <a:xfrm>
+            <a:off x="164480" y="1505415"/>
+            <a:ext cx="8739198" cy="3958683"/>
+          </a:xfrm>
+          <a:prstGeom prst="rect">
+            <a:avLst/>
+          </a:prstGeom>
+        </p:spPr>
+      </p:pic>
+      <p:pic>
+        <p:nvPicPr>
+          <p:cNvPr id="9" name="図 8">
+            <a:extLst>
+              <a:ext uri="{FF2B5EF4-FFF2-40B4-BE49-F238E27FC236}">
+                <a16:creationId xmlns:a16="http://schemas.microsoft.com/office/drawing/2014/main" id="{974E2558-3276-46A8-86AD-EE5978D525E3}"/>
+              </a:ext>
+            </a:extLst>
+          </p:cNvPr>
+          <p:cNvPicPr>
+            <a:picLocks noChangeAspect="1"/>
+          </p:cNvPicPr>
+          <p:nvPr/>
+        </p:nvPicPr>
+        <p:blipFill>
+          <a:blip r:embed="rId3">
+            <a:extLst>
+              <a:ext uri="{28A0092B-C50C-407E-A947-70E740481C1C}">
+                <a14:useLocalDpi xmlns:a14="http://schemas.microsoft.com/office/drawing/2010/main" val="0"/>
+              </a:ext>
+            </a:extLst>
+          </a:blip>
+          <a:stretch>
+            <a:fillRect/>
+          </a:stretch>
+        </p:blipFill>
+        <p:spPr>
+          <a:xfrm>
+            <a:off x="9024774" y="2620537"/>
+            <a:ext cx="3111949" cy="1079066"/>
+          </a:xfrm>
+          <a:prstGeom prst="rect">
+            <a:avLst/>
+          </a:prstGeom>
+        </p:spPr>
+      </p:pic>
+    </p:spTree>
+    <p:extLst>
+      <p:ext uri="{BB962C8B-B14F-4D97-AF65-F5344CB8AC3E}">
+        <p14:creationId xmlns:p14="http://schemas.microsoft.com/office/powerpoint/2010/main" val="1062816692"/>
       </p:ext>
     </p:extLst>
   </p:cSld>
@@ -4630,10 +5640,18 @@
               <a:t>行の事を</a:t>
             </a:r>
             <a:r>
-              <a:rPr lang="ja-JP" altLang="en-US" sz="2400" u="sng" dirty="0"/>
+              <a:rPr lang="ja-JP" altLang="en-US" sz="2400" u="sng" dirty="0">
+                <a:solidFill>
+                  <a:srgbClr val="FF0000"/>
+                </a:solidFill>
+              </a:rPr>
               <a:t>ロウ</a:t>
             </a:r>
-            <a:endParaRPr lang="en-US" altLang="ja-JP" sz="2400" u="sng" dirty="0"/>
+            <a:endParaRPr lang="en-US" altLang="ja-JP" sz="2400" u="sng" dirty="0">
+              <a:solidFill>
+                <a:srgbClr val="FF0000"/>
+              </a:solidFill>
+            </a:endParaRPr>
           </a:p>
           <a:p>
             <a:r>
@@ -4641,10 +5659,18 @@
               <a:t>列の事を</a:t>
             </a:r>
             <a:r>
-              <a:rPr lang="ja-JP" altLang="en-US" sz="2400" u="sng" dirty="0"/>
+              <a:rPr lang="ja-JP" altLang="en-US" sz="2400" u="sng" dirty="0">
+                <a:solidFill>
+                  <a:schemeClr val="accent6"/>
+                </a:solidFill>
+              </a:rPr>
               <a:t>カラム</a:t>
             </a:r>
-            <a:endParaRPr lang="en-US" altLang="ja-JP" sz="2400" dirty="0"/>
+            <a:endParaRPr lang="en-US" altLang="ja-JP" sz="2400" dirty="0">
+              <a:solidFill>
+                <a:schemeClr val="accent6"/>
+              </a:solidFill>
+            </a:endParaRPr>
           </a:p>
           <a:p>
             <a:endParaRPr lang="en-US" altLang="ja-JP" sz="2400" u="sng" dirty="0"/>
@@ -5282,7 +6308,7 @@
         </p:nvSpPr>
         <p:spPr>
           <a:xfrm>
-            <a:off x="829374" y="4817697"/>
+            <a:off x="829374" y="4208097"/>
             <a:ext cx="10956846" cy="830997"/>
           </a:xfrm>
           <a:prstGeom prst="rect">
@@ -5368,6 +6394,62 @@
             <a:r>
               <a:rPr lang="ja-JP" altLang="en-US" dirty="0"/>
               <a:t>文というのを使います。</a:t>
+            </a:r>
+            <a:endParaRPr kumimoji="1" lang="ja-JP" altLang="en-US" dirty="0"/>
+          </a:p>
+        </p:txBody>
+      </p:sp>
+      <p:sp>
+        <p:nvSpPr>
+          <p:cNvPr id="6" name="テキスト ボックス 5">
+            <a:extLst>
+              <a:ext uri="{FF2B5EF4-FFF2-40B4-BE49-F238E27FC236}">
+                <a16:creationId xmlns:a16="http://schemas.microsoft.com/office/drawing/2014/main" id="{33B104BD-453A-451B-8D1F-20935C3A00BB}"/>
+              </a:ext>
+            </a:extLst>
+          </p:cNvPr>
+          <p:cNvSpPr txBox="1"/>
+          <p:nvPr/>
+        </p:nvSpPr>
+        <p:spPr>
+          <a:xfrm>
+            <a:off x="4728118" y="6088566"/>
+            <a:ext cx="7279557" cy="646331"/>
+          </a:xfrm>
+          <a:prstGeom prst="rect">
+            <a:avLst/>
+          </a:prstGeom>
+        </p:spPr>
+        <p:style>
+          <a:lnRef idx="2">
+            <a:schemeClr val="accent1"/>
+          </a:lnRef>
+          <a:fillRef idx="1">
+            <a:schemeClr val="lt1"/>
+          </a:fillRef>
+          <a:effectRef idx="0">
+            <a:schemeClr val="accent1"/>
+          </a:effectRef>
+          <a:fontRef idx="minor">
+            <a:schemeClr val="dk1"/>
+          </a:fontRef>
+        </p:style>
+        <p:txBody>
+          <a:bodyPr wrap="none" rtlCol="0">
+            <a:spAutoFit/>
+          </a:bodyPr>
+          <a:lstStyle/>
+          <a:p>
+            <a:r>
+              <a:rPr kumimoji="1" lang="ja-JP" altLang="en-US" dirty="0"/>
+              <a:t>ざっくり説明しますので、詳しく知りたい方は以下</a:t>
+            </a:r>
+            <a:endParaRPr kumimoji="1" lang="en-US" altLang="ja-JP" dirty="0"/>
+          </a:p>
+          <a:p>
+            <a:r>
+              <a:rPr kumimoji="1" lang="en-US" altLang="ja-JP" dirty="0"/>
+              <a:t>https://zenn.dev/umi_mori/books/331c0c9ef9e5f0/viewer/992632</a:t>
             </a:r>
             <a:endParaRPr kumimoji="1" lang="ja-JP" altLang="en-US" dirty="0"/>
           </a:p>
@@ -5442,10 +6524,239 @@
           </a:p>
         </p:txBody>
       </p:sp>
+      <p:pic>
+        <p:nvPicPr>
+          <p:cNvPr id="3" name="図 2">
+            <a:extLst>
+              <a:ext uri="{FF2B5EF4-FFF2-40B4-BE49-F238E27FC236}">
+                <a16:creationId xmlns:a16="http://schemas.microsoft.com/office/drawing/2014/main" id="{F94B545A-3ACB-440A-BE70-128CA968216B}"/>
+              </a:ext>
+            </a:extLst>
+          </p:cNvPr>
+          <p:cNvPicPr>
+            <a:picLocks noChangeAspect="1"/>
+          </p:cNvPicPr>
+          <p:nvPr/>
+        </p:nvPicPr>
+        <p:blipFill>
+          <a:blip r:embed="rId2">
+            <a:extLst>
+              <a:ext uri="{28A0092B-C50C-407E-A947-70E740481C1C}">
+                <a14:useLocalDpi xmlns:a14="http://schemas.microsoft.com/office/drawing/2010/main" val="0"/>
+              </a:ext>
+            </a:extLst>
+          </a:blip>
+          <a:stretch>
+            <a:fillRect/>
+          </a:stretch>
+        </p:blipFill>
+        <p:spPr>
+          <a:xfrm>
+            <a:off x="838200" y="1284571"/>
+            <a:ext cx="10515599" cy="5026969"/>
+          </a:xfrm>
+          <a:prstGeom prst="rect">
+            <a:avLst/>
+          </a:prstGeom>
+        </p:spPr>
+      </p:pic>
     </p:spTree>
     <p:extLst>
       <p:ext uri="{BB962C8B-B14F-4D97-AF65-F5344CB8AC3E}">
         <p14:creationId xmlns:p14="http://schemas.microsoft.com/office/powerpoint/2010/main" val="947484239"/>
+      </p:ext>
+    </p:extLst>
+  </p:cSld>
+  <p:clrMapOvr>
+    <a:masterClrMapping/>
+  </p:clrMapOvr>
+</p:sld>
+</file>
+
+<file path=ppt/slides/slide9.xml><?xml version="1.0" encoding="utf-8"?>
+<p:sld xmlns:a="http://schemas.openxmlformats.org/drawingml/2006/main" xmlns:r="http://schemas.openxmlformats.org/officeDocument/2006/relationships" xmlns:p="http://schemas.openxmlformats.org/presentationml/2006/main">
+  <p:cSld>
+    <p:spTree>
+      <p:nvGrpSpPr>
+        <p:cNvPr id="1" name=""/>
+        <p:cNvGrpSpPr/>
+        <p:nvPr/>
+      </p:nvGrpSpPr>
+      <p:grpSpPr>
+        <a:xfrm>
+          <a:off x="0" y="0"/>
+          <a:ext cx="0" cy="0"/>
+          <a:chOff x="0" y="0"/>
+          <a:chExt cx="0" cy="0"/>
+        </a:xfrm>
+      </p:grpSpPr>
+      <p:sp>
+        <p:nvSpPr>
+          <p:cNvPr id="5" name="タイトル 4">
+            <a:extLst>
+              <a:ext uri="{FF2B5EF4-FFF2-40B4-BE49-F238E27FC236}">
+                <a16:creationId xmlns:a16="http://schemas.microsoft.com/office/drawing/2014/main" id="{EE4AD890-877B-4BD6-B413-DD02F4812BAD}"/>
+              </a:ext>
+            </a:extLst>
+          </p:cNvPr>
+          <p:cNvSpPr>
+            <a:spLocks noGrp="1"/>
+          </p:cNvSpPr>
+          <p:nvPr>
+            <p:ph type="title"/>
+          </p:nvPr>
+        </p:nvSpPr>
+        <p:spPr>
+          <a:xfrm>
+            <a:off x="425605" y="353974"/>
+            <a:ext cx="10515600" cy="738846"/>
+          </a:xfrm>
+        </p:spPr>
+        <p:txBody>
+          <a:bodyPr>
+            <a:normAutofit/>
+          </a:bodyPr>
+          <a:lstStyle/>
+          <a:p>
+            <a:r>
+              <a:rPr lang="en-US" altLang="ja-JP" sz="3200" dirty="0"/>
+              <a:t>CREATE</a:t>
+            </a:r>
+            <a:r>
+              <a:rPr lang="ja-JP" altLang="en-US" sz="3200" dirty="0"/>
+              <a:t>文</a:t>
+            </a:r>
+          </a:p>
+        </p:txBody>
+      </p:sp>
+      <p:pic>
+        <p:nvPicPr>
+          <p:cNvPr id="4" name="図 3">
+            <a:extLst>
+              <a:ext uri="{FF2B5EF4-FFF2-40B4-BE49-F238E27FC236}">
+                <a16:creationId xmlns:a16="http://schemas.microsoft.com/office/drawing/2014/main" id="{0BF4FE25-EB6C-4452-B493-47A5900EA8AF}"/>
+              </a:ext>
+            </a:extLst>
+          </p:cNvPr>
+          <p:cNvPicPr>
+            <a:picLocks noChangeAspect="1"/>
+          </p:cNvPicPr>
+          <p:nvPr/>
+        </p:nvPicPr>
+        <p:blipFill>
+          <a:blip r:embed="rId2">
+            <a:extLst>
+              <a:ext uri="{28A0092B-C50C-407E-A947-70E740481C1C}">
+                <a14:useLocalDpi xmlns:a14="http://schemas.microsoft.com/office/drawing/2010/main" val="0"/>
+              </a:ext>
+            </a:extLst>
+          </a:blip>
+          <a:stretch>
+            <a:fillRect/>
+          </a:stretch>
+        </p:blipFill>
+        <p:spPr>
+          <a:xfrm>
+            <a:off x="146824" y="1444640"/>
+            <a:ext cx="6263640" cy="4015740"/>
+          </a:xfrm>
+          <a:prstGeom prst="rect">
+            <a:avLst/>
+          </a:prstGeom>
+        </p:spPr>
+      </p:pic>
+      <p:pic>
+        <p:nvPicPr>
+          <p:cNvPr id="7" name="図 6">
+            <a:extLst>
+              <a:ext uri="{FF2B5EF4-FFF2-40B4-BE49-F238E27FC236}">
+                <a16:creationId xmlns:a16="http://schemas.microsoft.com/office/drawing/2014/main" id="{0AB360F2-7426-436B-85BE-E9C43029D33E}"/>
+              </a:ext>
+            </a:extLst>
+          </p:cNvPr>
+          <p:cNvPicPr>
+            <a:picLocks noChangeAspect="1"/>
+          </p:cNvPicPr>
+          <p:nvPr/>
+        </p:nvPicPr>
+        <p:blipFill>
+          <a:blip r:embed="rId3">
+            <a:extLst>
+              <a:ext uri="{28A0092B-C50C-407E-A947-70E740481C1C}">
+                <a14:useLocalDpi xmlns:a14="http://schemas.microsoft.com/office/drawing/2010/main" val="0"/>
+              </a:ext>
+            </a:extLst>
+          </a:blip>
+          <a:stretch>
+            <a:fillRect/>
+          </a:stretch>
+        </p:blipFill>
+        <p:spPr>
+          <a:xfrm>
+            <a:off x="6278880" y="1139840"/>
+            <a:ext cx="5913120" cy="4320540"/>
+          </a:xfrm>
+          <a:prstGeom prst="rect">
+            <a:avLst/>
+          </a:prstGeom>
+        </p:spPr>
+      </p:pic>
+      <p:sp>
+        <p:nvSpPr>
+          <p:cNvPr id="8" name="テキスト ボックス 7">
+            <a:extLst>
+              <a:ext uri="{FF2B5EF4-FFF2-40B4-BE49-F238E27FC236}">
+                <a16:creationId xmlns:a16="http://schemas.microsoft.com/office/drawing/2014/main" id="{B0CB2314-5E3E-420D-A71F-B8DB7E056837}"/>
+              </a:ext>
+            </a:extLst>
+          </p:cNvPr>
+          <p:cNvSpPr txBox="1"/>
+          <p:nvPr/>
+        </p:nvSpPr>
+        <p:spPr>
+          <a:xfrm>
+            <a:off x="1569898" y="5921298"/>
+            <a:ext cx="9417963" cy="461665"/>
+          </a:xfrm>
+          <a:prstGeom prst="rect">
+            <a:avLst/>
+          </a:prstGeom>
+        </p:spPr>
+        <p:style>
+          <a:lnRef idx="2">
+            <a:schemeClr val="accent1"/>
+          </a:lnRef>
+          <a:fillRef idx="1">
+            <a:schemeClr val="lt1"/>
+          </a:fillRef>
+          <a:effectRef idx="0">
+            <a:schemeClr val="accent1"/>
+          </a:effectRef>
+          <a:fontRef idx="minor">
+            <a:schemeClr val="dk1"/>
+          </a:fontRef>
+        </p:style>
+        <p:txBody>
+          <a:bodyPr wrap="none" rtlCol="0">
+            <a:spAutoFit/>
+          </a:bodyPr>
+          <a:lstStyle/>
+          <a:p>
+            <a:r>
+              <a:rPr lang="ja-JP" altLang="en-US" sz="2400" b="0" i="0" dirty="0">
+                <a:effectLst/>
+                <a:latin typeface="-apple-system"/>
+              </a:rPr>
+              <a:t>テーブルやユーザーなどのオブジェクトを新しく作成するコマンド</a:t>
+            </a:r>
+            <a:endParaRPr kumimoji="1" lang="ja-JP" altLang="en-US" sz="2400" dirty="0"/>
+          </a:p>
+        </p:txBody>
+      </p:sp>
+    </p:spTree>
+    <p:extLst>
+      <p:ext uri="{BB962C8B-B14F-4D97-AF65-F5344CB8AC3E}">
+        <p14:creationId xmlns:p14="http://schemas.microsoft.com/office/powerpoint/2010/main" val="3804773080"/>
       </p:ext>
     </p:extLst>
   </p:cSld>
